--- a/기획발표 수정안.pptx
+++ b/기획발표 수정안.pptx
@@ -2,7 +2,7 @@
 <file path=ppt/presentation.xml><?xml version="1.0" encoding="utf-8"?>
 <p:presentation xmlns:r="http://schemas.openxmlformats.org/officeDocument/2006/relationships" xmlns:c="http://schemas.openxmlformats.org/drawingml/2006/chart" xmlns:a="http://schemas.openxmlformats.org/drawingml/2006/main" xmlns:dgm="http://schemas.openxmlformats.org/drawingml/2006/diagram" xmlns:dsp="http://schemas.microsoft.com/office/drawing/2008/diagram" xmlns:p="http://schemas.openxmlformats.org/presentationml/2006/main" saveSubsetFonts="1">
   <p:sldMasterIdLst>
-    <p:sldMasterId id="2147483722" r:id="rId1"/>
+    <p:sldMasterId id="2147483721" r:id="rId1"/>
   </p:sldMasterIdLst>
   <p:sldIdLst>
     <p:sldId id="256" r:id="rId2"/>
@@ -13,6 +13,7 @@
     <p:sldId id="261" r:id="rId7"/>
     <p:sldId id="262" r:id="rId8"/>
     <p:sldId id="263" r:id="rId9"/>
+    <p:sldId id="264" r:id="rId10"/>
   </p:sldIdLst>
   <p:sldSz cx="12192000" cy="6858000"/>
   <p:notesSz cx="6858000" cy="9144000"/>
@@ -3930,8 +3931,8 @@
         </p:blipFill>
         <p:spPr>
           <a:xfrm>
-            <a:off x="551230" y="0"/>
-            <a:ext cx="3672510" cy="6858000"/>
+            <a:off x="0" y="1052670"/>
+            <a:ext cx="3522852" cy="5085230"/>
           </a:xfrm>
           <a:prstGeom prst="rect">
             <a:avLst/>
@@ -3946,8 +3947,8 @@
         </p:nvSpPr>
         <p:spPr>
           <a:xfrm>
-            <a:off x="5287969" y="1803136"/>
-            <a:ext cx="6904030" cy="2347858"/>
+            <a:off x="7783468" y="1916790"/>
+            <a:ext cx="4408532" cy="2348505"/>
           </a:xfrm>
           <a:prstGeom prst="rect">
             <a:avLst/>
@@ -4095,6 +4096,121 @@
           </a:p>
         </p:txBody>
       </p:sp>
+      <p:sp>
+        <p:nvSpPr>
+          <p:cNvPr id="10" name="TextBox 1"/>
+          <p:cNvSpPr txBox="1"/>
+          <p:nvPr/>
+        </p:nvSpPr>
+        <p:spPr>
+          <a:xfrm>
+            <a:off x="551230" y="143326"/>
+            <a:ext cx="6904030" cy="693314"/>
+          </a:xfrm>
+          <a:prstGeom prst="rect">
+            <a:avLst/>
+          </a:prstGeom>
+          <a:noFill/>
+        </p:spPr>
+        <p:txBody>
+          <a:bodyPr wrap="square">
+            <a:spAutoFit/>
+          </a:bodyPr>
+          <a:lstStyle/>
+          <a:p>
+            <a:pPr lvl="0">
+              <a:defRPr/>
+            </a:pPr>
+            <a:r>
+              <a:rPr lang="en-US" altLang="ko-KR" sz="4000">
+                <a:solidFill>
+                  <a:schemeClr val="bg1"/>
+                </a:solidFill>
+              </a:rPr>
+              <a:t>WIRE FRAME</a:t>
+            </a:r>
+            <a:endParaRPr lang="en-US" altLang="ko-KR" sz="4000">
+              <a:solidFill>
+                <a:schemeClr val="bg1"/>
+              </a:solidFill>
+            </a:endParaRPr>
+          </a:p>
+        </p:txBody>
+      </p:sp>
+      <p:sp>
+        <p:nvSpPr>
+          <p:cNvPr id="13" name=""/>
+          <p:cNvSpPr/>
+          <p:nvPr/>
+        </p:nvSpPr>
+        <p:spPr>
+          <a:xfrm>
+            <a:off x="3551428" y="3176965"/>
+            <a:ext cx="702635" cy="504070"/>
+          </a:xfrm>
+          <a:prstGeom prst="rightArrow">
+            <a:avLst>
+              <a:gd name="adj1" fmla="val 50000"/>
+              <a:gd name="adj2" fmla="val 50000"/>
+            </a:avLst>
+          </a:prstGeom>
+          <a:solidFill>
+            <a:schemeClr val="lt1"/>
+          </a:solidFill>
+          <a:ln>
+            <a:noFill/>
+          </a:ln>
+        </p:spPr>
+        <p:style>
+          <a:lnRef idx="2">
+            <a:schemeClr val="accent1">
+              <a:shade val="20000"/>
+            </a:schemeClr>
+          </a:lnRef>
+          <a:fillRef idx="1">
+            <a:schemeClr val="accent1"/>
+          </a:fillRef>
+          <a:effectRef idx="0">
+            <a:schemeClr val="accent1"/>
+          </a:effectRef>
+          <a:fontRef idx="minor">
+            <a:schemeClr val="lt1"/>
+          </a:fontRef>
+        </p:style>
+        <p:txBody>
+          <a:bodyPr anchor="ctr"/>
+          <a:p>
+            <a:pPr algn="ctr">
+              <a:defRPr/>
+            </a:pPr>
+            <a:endParaRPr lang="en-US" altLang="ko-KR"/>
+          </a:p>
+        </p:txBody>
+      </p:sp>
+      <p:pic>
+        <p:nvPicPr>
+          <p:cNvPr id="14" name=""/>
+          <p:cNvPicPr>
+            <a:picLocks noChangeAspect="1"/>
+          </p:cNvPicPr>
+          <p:nvPr/>
+        </p:nvPicPr>
+        <p:blipFill rotWithShape="1">
+          <a:blip r:embed="rId3"/>
+          <a:stretch>
+            <a:fillRect/>
+          </a:stretch>
+        </p:blipFill>
+        <p:spPr>
+          <a:xfrm>
+            <a:off x="4330789" y="1123750"/>
+            <a:ext cx="3452679" cy="5014150"/>
+          </a:xfrm>
+          <a:prstGeom prst="rect">
+            <a:avLst/>
+          </a:prstGeom>
+        </p:spPr>
+      </p:pic>
     </p:spTree>
   </p:cSld>
   <p:clrMapOvr>
@@ -4135,9 +4251,199 @@
           <a:chExt cx="0" cy="0"/>
         </a:xfrm>
       </p:grpSpPr>
+      <p:sp>
+        <p:nvSpPr>
+          <p:cNvPr id="8" name="TextBox 1"/>
+          <p:cNvSpPr txBox="1"/>
+          <p:nvPr/>
+        </p:nvSpPr>
+        <p:spPr>
+          <a:xfrm>
+            <a:off x="8087430" y="2210390"/>
+            <a:ext cx="4104570" cy="2340655"/>
+          </a:xfrm>
+          <a:prstGeom prst="rect">
+            <a:avLst/>
+          </a:prstGeom>
+          <a:noFill/>
+        </p:spPr>
+        <p:txBody>
+          <a:bodyPr wrap="square">
+            <a:spAutoFit/>
+          </a:bodyPr>
+          <a:lstStyle/>
+          <a:p>
+            <a:pPr lvl="0">
+              <a:defRPr/>
+            </a:pPr>
+            <a:r>
+              <a:rPr lang="ko-KR" altLang="en-US" sz="4000">
+                <a:solidFill>
+                  <a:schemeClr val="bg1"/>
+                </a:solidFill>
+              </a:rPr>
+              <a:t>주문 사항 확인</a:t>
+            </a:r>
+            <a:endParaRPr lang="ko-KR" altLang="en-US" sz="4000">
+              <a:solidFill>
+                <a:schemeClr val="bg1"/>
+              </a:solidFill>
+            </a:endParaRPr>
+          </a:p>
+          <a:p>
+            <a:pPr lvl="0">
+              <a:defRPr/>
+            </a:pPr>
+            <a:endParaRPr lang="en-US" altLang="ko-KR">
+              <a:solidFill>
+                <a:schemeClr val="bg1"/>
+              </a:solidFill>
+            </a:endParaRPr>
+          </a:p>
+          <a:p>
+            <a:pPr lvl="0">
+              <a:defRPr/>
+            </a:pPr>
+            <a:r>
+              <a:rPr lang="ko-KR" altLang="en-US">
+                <a:solidFill>
+                  <a:schemeClr val="bg1"/>
+                </a:solidFill>
+              </a:rPr>
+              <a:t>주문을 완료하면 본인의 지금까지</a:t>
+            </a:r>
+            <a:endParaRPr lang="ko-KR" altLang="en-US">
+              <a:solidFill>
+                <a:schemeClr val="bg1"/>
+              </a:solidFill>
+            </a:endParaRPr>
+          </a:p>
+          <a:p>
+            <a:pPr lvl="0">
+              <a:defRPr/>
+            </a:pPr>
+            <a:r>
+              <a:rPr lang="ko-KR" altLang="en-US">
+                <a:solidFill>
+                  <a:schemeClr val="bg1"/>
+                </a:solidFill>
+              </a:rPr>
+              <a:t>주문사항들과 총액을 확인할 수 있다</a:t>
+            </a:r>
+            <a:r>
+              <a:rPr lang="en-US" altLang="ko-KR">
+                <a:solidFill>
+                  <a:schemeClr val="bg1"/>
+                </a:solidFill>
+              </a:rPr>
+              <a:t>.</a:t>
+            </a:r>
+            <a:endParaRPr lang="en-US" altLang="ko-KR">
+              <a:solidFill>
+                <a:schemeClr val="bg1"/>
+              </a:solidFill>
+            </a:endParaRPr>
+          </a:p>
+          <a:p>
+            <a:pPr lvl="0">
+              <a:defRPr/>
+            </a:pPr>
+            <a:endParaRPr lang="en-US" altLang="ko-KR">
+              <a:solidFill>
+                <a:schemeClr val="bg1"/>
+              </a:solidFill>
+            </a:endParaRPr>
+          </a:p>
+          <a:p>
+            <a:pPr lvl="0">
+              <a:defRPr/>
+            </a:pPr>
+            <a:r>
+              <a:rPr lang="ko-KR" altLang="en-US">
+                <a:solidFill>
+                  <a:schemeClr val="bg1"/>
+                </a:solidFill>
+              </a:rPr>
+              <a:t>추가주문을 원한다면 추가주문을</a:t>
+            </a:r>
+            <a:endParaRPr lang="ko-KR" altLang="en-US">
+              <a:solidFill>
+                <a:schemeClr val="bg1"/>
+              </a:solidFill>
+            </a:endParaRPr>
+          </a:p>
+          <a:p>
+            <a:pPr lvl="0">
+              <a:defRPr/>
+            </a:pPr>
+            <a:r>
+              <a:rPr lang="ko-KR" altLang="en-US">
+                <a:solidFill>
+                  <a:schemeClr val="bg1"/>
+                </a:solidFill>
+              </a:rPr>
+              <a:t>할 수 있게 버튼을 만들어 주었다</a:t>
+            </a:r>
+            <a:r>
+              <a:rPr lang="en-US" altLang="ko-KR">
+                <a:solidFill>
+                  <a:schemeClr val="bg1"/>
+                </a:solidFill>
+              </a:rPr>
+              <a:t>.</a:t>
+            </a:r>
+            <a:endParaRPr lang="en-US" altLang="ko-KR">
+              <a:solidFill>
+                <a:schemeClr val="bg1"/>
+              </a:solidFill>
+            </a:endParaRPr>
+          </a:p>
+        </p:txBody>
+      </p:sp>
+      <p:sp>
+        <p:nvSpPr>
+          <p:cNvPr id="9" name="TextBox 1"/>
+          <p:cNvSpPr txBox="1"/>
+          <p:nvPr/>
+        </p:nvSpPr>
+        <p:spPr>
+          <a:xfrm>
+            <a:off x="551230" y="143326"/>
+            <a:ext cx="6904030" cy="693314"/>
+          </a:xfrm>
+          <a:prstGeom prst="rect">
+            <a:avLst/>
+          </a:prstGeom>
+          <a:noFill/>
+        </p:spPr>
+        <p:txBody>
+          <a:bodyPr wrap="square">
+            <a:spAutoFit/>
+          </a:bodyPr>
+          <a:lstStyle/>
+          <a:p>
+            <a:pPr lvl="0">
+              <a:defRPr/>
+            </a:pPr>
+            <a:r>
+              <a:rPr lang="en-US" altLang="ko-KR" sz="4000">
+                <a:solidFill>
+                  <a:schemeClr val="bg1"/>
+                </a:solidFill>
+              </a:rPr>
+              <a:t>WIRE FRAME</a:t>
+            </a:r>
+            <a:endParaRPr lang="en-US" altLang="ko-KR" sz="4000">
+              <a:solidFill>
+                <a:schemeClr val="bg1"/>
+              </a:solidFill>
+            </a:endParaRPr>
+          </a:p>
+        </p:txBody>
+      </p:sp>
       <p:pic>
         <p:nvPicPr>
-          <p:cNvPr id="6" name="그림 5"/>
+          <p:cNvPr id="10" name=""/>
           <p:cNvPicPr>
             <a:picLocks noChangeAspect="1"/>
           </p:cNvPicPr>
@@ -4151,132 +4457,86 @@
         </p:blipFill>
         <p:spPr>
           <a:xfrm>
-            <a:off x="458660" y="0"/>
-            <a:ext cx="3765080" cy="6858000"/>
+            <a:off x="0" y="1124680"/>
+            <a:ext cx="3452679" cy="5014150"/>
           </a:xfrm>
           <a:prstGeom prst="rect">
             <a:avLst/>
           </a:prstGeom>
         </p:spPr>
       </p:pic>
-      <p:sp>
-        <p:nvSpPr>
-          <p:cNvPr id="8" name="TextBox 1"/>
-          <p:cNvSpPr txBox="1"/>
+      <p:pic>
+        <p:nvPicPr>
+          <p:cNvPr id="11" name=""/>
+          <p:cNvPicPr>
+            <a:picLocks noChangeAspect="1"/>
+          </p:cNvPicPr>
           <p:nvPr/>
-        </p:nvSpPr>
+        </p:nvPicPr>
+        <p:blipFill rotWithShape="1">
+          <a:blip r:embed="rId3"/>
+          <a:stretch>
+            <a:fillRect/>
+          </a:stretch>
+        </p:blipFill>
         <p:spPr>
           <a:xfrm>
-            <a:off x="5591930" y="2132820"/>
-            <a:ext cx="6073690" cy="1794690"/>
+            <a:off x="4273113" y="1184715"/>
+            <a:ext cx="3407982" cy="4954114"/>
           </a:xfrm>
           <a:prstGeom prst="rect">
             <a:avLst/>
           </a:prstGeom>
-          <a:noFill/>
         </p:spPr>
-        <p:txBody>
-          <a:bodyPr wrap="square">
-            <a:spAutoFit/>
-          </a:bodyPr>
-          <a:lstStyle/>
-          <a:p>
-            <a:pPr lvl="0">
-              <a:defRPr/>
-            </a:pPr>
-            <a:r>
-              <a:rPr lang="ko-KR" altLang="en-US" sz="4000">
-                <a:solidFill>
-                  <a:schemeClr val="bg1"/>
-                </a:solidFill>
-              </a:rPr>
-              <a:t>메뉴 확인 및 주문</a:t>
-            </a:r>
-            <a:endParaRPr lang="ko-KR" altLang="en-US" sz="4000">
-              <a:solidFill>
-                <a:schemeClr val="bg1"/>
-              </a:solidFill>
-            </a:endParaRPr>
-          </a:p>
-          <a:p>
-            <a:pPr lvl="0">
-              <a:defRPr/>
-            </a:pPr>
-            <a:endParaRPr lang="en-US" altLang="ko-KR">
-              <a:solidFill>
-                <a:schemeClr val="bg1"/>
-              </a:solidFill>
-            </a:endParaRPr>
-          </a:p>
-          <a:p>
-            <a:pPr lvl="0">
-              <a:defRPr/>
-            </a:pPr>
-            <a:r>
-              <a:rPr lang="en-US" altLang="ko-KR">
-                <a:solidFill>
-                  <a:schemeClr val="bg1"/>
-                </a:solidFill>
-              </a:rPr>
-              <a:t>QR</a:t>
-            </a:r>
-            <a:r>
-              <a:rPr lang="ko-KR" altLang="en-US">
-                <a:solidFill>
-                  <a:schemeClr val="bg1"/>
-                </a:solidFill>
-              </a:rPr>
-              <a:t>코드를 찍고 들어가면 테이블 마다</a:t>
-            </a:r>
-            <a:endParaRPr lang="ko-KR" altLang="en-US">
-              <a:solidFill>
-                <a:schemeClr val="bg1"/>
-              </a:solidFill>
-            </a:endParaRPr>
-          </a:p>
-          <a:p>
-            <a:pPr lvl="0">
-              <a:defRPr/>
-            </a:pPr>
-            <a:r>
-              <a:rPr lang="ko-KR" altLang="en-US">
-                <a:solidFill>
-                  <a:schemeClr val="bg1"/>
-                </a:solidFill>
-              </a:rPr>
-              <a:t>따로 있는 주문 페이지로 들어가</a:t>
-            </a:r>
-            <a:endParaRPr lang="ko-KR" altLang="en-US">
-              <a:solidFill>
-                <a:schemeClr val="bg1"/>
-              </a:solidFill>
-            </a:endParaRPr>
-          </a:p>
-          <a:p>
-            <a:pPr lvl="0">
-              <a:defRPr/>
-            </a:pPr>
-            <a:r>
-              <a:rPr lang="ko-KR" altLang="en-US">
-                <a:solidFill>
-                  <a:schemeClr val="bg1"/>
-                </a:solidFill>
-              </a:rPr>
-              <a:t>메뉴를 확인하고 주문을 한다</a:t>
-            </a:r>
-            <a:r>
-              <a:rPr lang="en-US" altLang="ko-KR">
-                <a:solidFill>
-                  <a:schemeClr val="bg1"/>
-                </a:solidFill>
-              </a:rPr>
-              <a:t>.</a:t>
-            </a:r>
-            <a:endParaRPr lang="en-US" altLang="ko-KR">
-              <a:solidFill>
-                <a:schemeClr val="bg1"/>
-              </a:solidFill>
-            </a:endParaRPr>
+      </p:pic>
+      <p:sp>
+        <p:nvSpPr>
+          <p:cNvPr id="12" name=""/>
+          <p:cNvSpPr/>
+          <p:nvPr/>
+        </p:nvSpPr>
+        <p:spPr>
+          <a:xfrm>
+            <a:off x="3551428" y="3176965"/>
+            <a:ext cx="702635" cy="504070"/>
+          </a:xfrm>
+          <a:prstGeom prst="rightArrow">
+            <a:avLst>
+              <a:gd name="adj1" fmla="val 50000"/>
+              <a:gd name="adj2" fmla="val 50000"/>
+            </a:avLst>
+          </a:prstGeom>
+          <a:solidFill>
+            <a:schemeClr val="lt1"/>
+          </a:solidFill>
+          <a:ln>
+            <a:noFill/>
+          </a:ln>
+        </p:spPr>
+        <p:style>
+          <a:lnRef idx="2">
+            <a:schemeClr val="accent1">
+              <a:shade val="20000"/>
+            </a:schemeClr>
+          </a:lnRef>
+          <a:fillRef idx="1">
+            <a:schemeClr val="accent1"/>
+          </a:fillRef>
+          <a:effectRef idx="0">
+            <a:schemeClr val="accent1"/>
+          </a:effectRef>
+          <a:fontRef idx="minor">
+            <a:schemeClr val="lt1"/>
+          </a:fontRef>
+        </p:style>
+        <p:txBody>
+          <a:bodyPr anchor="ctr"/>
+          <a:lstStyle/>
+          <a:p>
+            <a:pPr algn="ctr">
+              <a:defRPr/>
+            </a:pPr>
+            <a:endParaRPr lang="en-US" altLang="ko-KR"/>
           </a:p>
         </p:txBody>
       </p:sp>
@@ -4320,9 +4580,197 @@
           <a:chExt cx="0" cy="0"/>
         </a:xfrm>
       </p:grpSpPr>
+      <p:sp>
+        <p:nvSpPr>
+          <p:cNvPr id="8" name="TextBox 1"/>
+          <p:cNvSpPr txBox="1"/>
+          <p:nvPr/>
+        </p:nvSpPr>
+        <p:spPr>
+          <a:xfrm>
+            <a:off x="8087430" y="2210390"/>
+            <a:ext cx="4104570" cy="2064430"/>
+          </a:xfrm>
+          <a:prstGeom prst="rect">
+            <a:avLst/>
+          </a:prstGeom>
+          <a:noFill/>
+        </p:spPr>
+        <p:txBody>
+          <a:bodyPr wrap="square">
+            <a:spAutoFit/>
+          </a:bodyPr>
+          <a:lstStyle/>
+          <a:p>
+            <a:pPr lvl="0">
+              <a:defRPr/>
+            </a:pPr>
+            <a:r>
+              <a:rPr lang="ko-KR" altLang="en-US" sz="4000">
+                <a:solidFill>
+                  <a:schemeClr val="bg1"/>
+                </a:solidFill>
+              </a:rPr>
+              <a:t>추가 주문</a:t>
+            </a:r>
+            <a:endParaRPr lang="ko-KR" altLang="en-US" sz="4000">
+              <a:solidFill>
+                <a:schemeClr val="bg1"/>
+              </a:solidFill>
+            </a:endParaRPr>
+          </a:p>
+          <a:p>
+            <a:pPr lvl="0">
+              <a:defRPr/>
+            </a:pPr>
+            <a:endParaRPr lang="en-US" altLang="ko-KR">
+              <a:solidFill>
+                <a:schemeClr val="bg1"/>
+              </a:solidFill>
+            </a:endParaRPr>
+          </a:p>
+          <a:p>
+            <a:pPr lvl="0">
+              <a:defRPr/>
+            </a:pPr>
+            <a:r>
+              <a:rPr lang="ko-KR" altLang="en-US">
+                <a:solidFill>
+                  <a:schemeClr val="bg1"/>
+                </a:solidFill>
+              </a:rPr>
+              <a:t>추가 주문을 원해서 추가주문 버튼을</a:t>
+            </a:r>
+            <a:endParaRPr lang="ko-KR" altLang="en-US">
+              <a:solidFill>
+                <a:schemeClr val="bg1"/>
+              </a:solidFill>
+            </a:endParaRPr>
+          </a:p>
+          <a:p>
+            <a:pPr lvl="0">
+              <a:defRPr/>
+            </a:pPr>
+            <a:r>
+              <a:rPr lang="ko-KR" altLang="en-US">
+                <a:solidFill>
+                  <a:schemeClr val="bg1"/>
+                </a:solidFill>
+              </a:rPr>
+              <a:t>누른다면 다시 </a:t>
+            </a:r>
+            <a:r>
+              <a:rPr lang="en-US" altLang="ko-KR">
+                <a:solidFill>
+                  <a:schemeClr val="bg1"/>
+                </a:solidFill>
+              </a:rPr>
+              <a:t>QR</a:t>
+            </a:r>
+            <a:r>
+              <a:rPr lang="ko-KR" altLang="en-US">
+                <a:solidFill>
+                  <a:schemeClr val="bg1"/>
+                </a:solidFill>
+              </a:rPr>
+              <a:t>코드를 새로</a:t>
+            </a:r>
+            <a:endParaRPr lang="ko-KR" altLang="en-US">
+              <a:solidFill>
+                <a:schemeClr val="bg1"/>
+              </a:solidFill>
+            </a:endParaRPr>
+          </a:p>
+          <a:p>
+            <a:pPr lvl="0">
+              <a:defRPr/>
+            </a:pPr>
+            <a:r>
+              <a:rPr lang="ko-KR" altLang="en-US">
+                <a:solidFill>
+                  <a:schemeClr val="bg1"/>
+                </a:solidFill>
+              </a:rPr>
+              <a:t>찍는 것이 아닌 바로 구매 페이지로</a:t>
+            </a:r>
+            <a:endParaRPr lang="ko-KR" altLang="en-US">
+              <a:solidFill>
+                <a:schemeClr val="bg1"/>
+              </a:solidFill>
+            </a:endParaRPr>
+          </a:p>
+          <a:p>
+            <a:pPr lvl="0">
+              <a:defRPr/>
+            </a:pPr>
+            <a:r>
+              <a:rPr lang="ko-KR" altLang="en-US">
+                <a:solidFill>
+                  <a:schemeClr val="bg1"/>
+                </a:solidFill>
+              </a:rPr>
+              <a:t>넘어가서 주문을 할 수 있게 한다</a:t>
+            </a:r>
+            <a:r>
+              <a:rPr lang="en-US" altLang="ko-KR">
+                <a:solidFill>
+                  <a:schemeClr val="bg1"/>
+                </a:solidFill>
+              </a:rPr>
+              <a:t>.</a:t>
+            </a:r>
+            <a:endParaRPr lang="en-US" altLang="ko-KR">
+              <a:solidFill>
+                <a:schemeClr val="bg1"/>
+              </a:solidFill>
+            </a:endParaRPr>
+          </a:p>
+        </p:txBody>
+      </p:sp>
+      <p:sp>
+        <p:nvSpPr>
+          <p:cNvPr id="9" name="TextBox 1"/>
+          <p:cNvSpPr txBox="1"/>
+          <p:nvPr/>
+        </p:nvSpPr>
+        <p:spPr>
+          <a:xfrm>
+            <a:off x="551230" y="143326"/>
+            <a:ext cx="6904030" cy="693314"/>
+          </a:xfrm>
+          <a:prstGeom prst="rect">
+            <a:avLst/>
+          </a:prstGeom>
+          <a:noFill/>
+        </p:spPr>
+        <p:txBody>
+          <a:bodyPr wrap="square">
+            <a:spAutoFit/>
+          </a:bodyPr>
+          <a:lstStyle/>
+          <a:p>
+            <a:pPr lvl="0">
+              <a:defRPr/>
+            </a:pPr>
+            <a:r>
+              <a:rPr lang="en-US" altLang="ko-KR" sz="4000">
+                <a:solidFill>
+                  <a:schemeClr val="bg1"/>
+                </a:solidFill>
+              </a:rPr>
+              <a:t>WIRE FRAME</a:t>
+            </a:r>
+            <a:endParaRPr lang="en-US" altLang="ko-KR" sz="4000">
+              <a:solidFill>
+                <a:schemeClr val="bg1"/>
+              </a:solidFill>
+            </a:endParaRPr>
+          </a:p>
+        </p:txBody>
+      </p:sp>
       <p:pic>
         <p:nvPicPr>
-          <p:cNvPr id="8" name=""/>
+          <p:cNvPr id="10" name=""/>
           <p:cNvPicPr>
             <a:picLocks noChangeAspect="1"/>
           </p:cNvPicPr>
@@ -4336,240 +4784,86 @@
         </p:blipFill>
         <p:spPr>
           <a:xfrm>
-            <a:off x="623240" y="0"/>
-            <a:ext cx="4114800" cy="6858000"/>
+            <a:off x="4369660" y="1173959"/>
+            <a:ext cx="3452679" cy="5014150"/>
           </a:xfrm>
           <a:prstGeom prst="rect">
             <a:avLst/>
           </a:prstGeom>
         </p:spPr>
       </p:pic>
-      <p:sp>
-        <p:nvSpPr>
-          <p:cNvPr id="9" name="TextBox 1"/>
-          <p:cNvSpPr txBox="1"/>
+      <p:pic>
+        <p:nvPicPr>
+          <p:cNvPr id="11" name=""/>
+          <p:cNvPicPr>
+            <a:picLocks noChangeAspect="1"/>
+          </p:cNvPicPr>
           <p:nvPr/>
-        </p:nvSpPr>
+        </p:nvPicPr>
+        <p:blipFill rotWithShape="1">
+          <a:blip r:embed="rId3"/>
+          <a:stretch>
+            <a:fillRect/>
+          </a:stretch>
+        </p:blipFill>
         <p:spPr>
           <a:xfrm>
-            <a:off x="5231880" y="836638"/>
-            <a:ext cx="6192860" cy="3438181"/>
+            <a:off x="0" y="1173960"/>
+            <a:ext cx="3407982" cy="4954114"/>
           </a:xfrm>
           <a:prstGeom prst="rect">
             <a:avLst/>
           </a:prstGeom>
-          <a:noFill/>
         </p:spPr>
-        <p:txBody>
-          <a:bodyPr wrap="square">
-            <a:spAutoFit/>
-          </a:bodyPr>
-          <a:lstStyle/>
-          <a:p>
-            <a:pPr lvl="0">
-              <a:defRPr/>
-            </a:pPr>
-            <a:r>
-              <a:rPr lang="ko-KR" altLang="en-US" sz="4000">
-                <a:solidFill>
-                  <a:schemeClr val="bg1"/>
-                </a:solidFill>
-              </a:rPr>
-              <a:t>편리한 테이블 관리</a:t>
-            </a:r>
-            <a:endParaRPr lang="ko-KR" altLang="en-US" sz="4000">
-              <a:solidFill>
-                <a:schemeClr val="bg1"/>
-              </a:solidFill>
-            </a:endParaRPr>
-          </a:p>
-          <a:p>
-            <a:pPr lvl="0">
-              <a:defRPr/>
-            </a:pPr>
-            <a:endParaRPr lang="en-US" altLang="ko-KR">
-              <a:solidFill>
-                <a:schemeClr val="bg1"/>
-              </a:solidFill>
-            </a:endParaRPr>
-          </a:p>
-          <a:p>
-            <a:pPr lvl="0">
-              <a:defRPr/>
-            </a:pPr>
-            <a:r>
-              <a:rPr lang="ko-KR" altLang="en-US">
-                <a:solidFill>
-                  <a:schemeClr val="bg1"/>
-                </a:solidFill>
-              </a:rPr>
-              <a:t>점주 입장에서는 </a:t>
-            </a:r>
-            <a:r>
-              <a:rPr lang="en-US" altLang="ko-KR">
-                <a:solidFill>
-                  <a:schemeClr val="bg1"/>
-                </a:solidFill>
-              </a:rPr>
-              <a:t>POS</a:t>
-            </a:r>
-            <a:r>
-              <a:rPr lang="ko-KR" altLang="en-US">
-                <a:solidFill>
-                  <a:schemeClr val="bg1"/>
-                </a:solidFill>
-              </a:rPr>
-              <a:t>기를 따로 하나하나 찍어가면서</a:t>
-            </a:r>
-            <a:endParaRPr lang="ko-KR" altLang="en-US">
-              <a:solidFill>
-                <a:schemeClr val="bg1"/>
-              </a:solidFill>
-            </a:endParaRPr>
-          </a:p>
-          <a:p>
-            <a:pPr lvl="0">
-              <a:defRPr/>
-            </a:pPr>
-            <a:r>
-              <a:rPr lang="ko-KR" altLang="en-US">
-                <a:solidFill>
-                  <a:schemeClr val="bg1"/>
-                </a:solidFill>
-              </a:rPr>
-              <a:t>주문을 확인할 필요 없이 어플을 이용하여</a:t>
-            </a:r>
-            <a:endParaRPr lang="ko-KR" altLang="en-US">
-              <a:solidFill>
-                <a:schemeClr val="bg1"/>
-              </a:solidFill>
-            </a:endParaRPr>
-          </a:p>
-          <a:p>
-            <a:pPr lvl="0">
-              <a:defRPr/>
-            </a:pPr>
-            <a:endParaRPr lang="ko-KR" altLang="en-US">
-              <a:solidFill>
-                <a:schemeClr val="bg1"/>
-              </a:solidFill>
-            </a:endParaRPr>
-          </a:p>
-          <a:p>
-            <a:pPr lvl="0">
-              <a:defRPr/>
-            </a:pPr>
-            <a:r>
-              <a:rPr lang="ko-KR" altLang="en-US">
-                <a:solidFill>
-                  <a:schemeClr val="bg1"/>
-                </a:solidFill>
-              </a:rPr>
-              <a:t>손님들이 어떠한 메뉴를 시켰는지 확인이 가능하다</a:t>
-            </a:r>
-            <a:r>
-              <a:rPr lang="en-US" altLang="ko-KR">
-                <a:solidFill>
-                  <a:schemeClr val="bg1"/>
-                </a:solidFill>
-              </a:rPr>
-              <a:t>.</a:t>
-            </a:r>
-            <a:endParaRPr lang="en-US" altLang="ko-KR">
-              <a:solidFill>
-                <a:schemeClr val="bg1"/>
-              </a:solidFill>
-            </a:endParaRPr>
-          </a:p>
-          <a:p>
-            <a:pPr lvl="0">
-              <a:defRPr/>
-            </a:pPr>
-            <a:endParaRPr lang="en-US" altLang="ko-KR">
-              <a:solidFill>
-                <a:schemeClr val="bg1"/>
-              </a:solidFill>
-            </a:endParaRPr>
-          </a:p>
-          <a:p>
-            <a:pPr lvl="0">
-              <a:defRPr/>
-            </a:pPr>
-            <a:r>
-              <a:rPr lang="ko-KR" altLang="en-US">
-                <a:solidFill>
-                  <a:schemeClr val="bg1"/>
-                </a:solidFill>
-              </a:rPr>
-              <a:t>계산은 나갈 때 손님과 점주가 어플을 확인하여</a:t>
-            </a:r>
-            <a:endParaRPr lang="ko-KR" altLang="en-US">
-              <a:solidFill>
-                <a:schemeClr val="bg1"/>
-              </a:solidFill>
-            </a:endParaRPr>
-          </a:p>
-          <a:p>
-            <a:pPr lvl="0">
-              <a:defRPr/>
-            </a:pPr>
-            <a:r>
-              <a:rPr lang="ko-KR" altLang="en-US">
-                <a:solidFill>
-                  <a:schemeClr val="bg1"/>
-                </a:solidFill>
-              </a:rPr>
-              <a:t>오프라인으로 진행한다</a:t>
-            </a:r>
-            <a:r>
-              <a:rPr lang="en-US" altLang="ko-KR">
-                <a:solidFill>
-                  <a:schemeClr val="bg1"/>
-                </a:solidFill>
-              </a:rPr>
-              <a:t>.</a:t>
-            </a:r>
-            <a:endParaRPr lang="en-US" altLang="ko-KR">
-              <a:solidFill>
-                <a:schemeClr val="bg1"/>
-              </a:solidFill>
-            </a:endParaRPr>
-          </a:p>
-          <a:p>
-            <a:pPr lvl="0">
-              <a:defRPr/>
-            </a:pPr>
-            <a:endParaRPr lang="en-US" altLang="ko-KR">
-              <a:solidFill>
-                <a:schemeClr val="bg1"/>
-              </a:solidFill>
-            </a:endParaRPr>
-          </a:p>
-          <a:p>
-            <a:pPr lvl="0">
-              <a:defRPr/>
-            </a:pPr>
-            <a:r>
-              <a:rPr lang="ko-KR" altLang="en-US">
-                <a:solidFill>
-                  <a:schemeClr val="bg1"/>
-                </a:solidFill>
-              </a:rPr>
-              <a:t>어플이 주문확인과 동시에 영수증 역할까지하게 된다</a:t>
-            </a:r>
-            <a:r>
-              <a:rPr lang="en-US" altLang="ko-KR">
-                <a:solidFill>
-                  <a:schemeClr val="bg1"/>
-                </a:solidFill>
-              </a:rPr>
-              <a:t>.</a:t>
-            </a:r>
-            <a:endParaRPr lang="en-US" altLang="ko-KR">
-              <a:solidFill>
-                <a:schemeClr val="bg1"/>
-              </a:solidFill>
-            </a:endParaRPr>
+      </p:pic>
+      <p:sp>
+        <p:nvSpPr>
+          <p:cNvPr id="12" name=""/>
+          <p:cNvSpPr/>
+          <p:nvPr/>
+        </p:nvSpPr>
+        <p:spPr>
+          <a:xfrm>
+            <a:off x="3551428" y="3176965"/>
+            <a:ext cx="702635" cy="504070"/>
+          </a:xfrm>
+          <a:prstGeom prst="rightArrow">
+            <a:avLst>
+              <a:gd name="adj1" fmla="val 50000"/>
+              <a:gd name="adj2" fmla="val 50000"/>
+            </a:avLst>
+          </a:prstGeom>
+          <a:solidFill>
+            <a:schemeClr val="lt1"/>
+          </a:solidFill>
+          <a:ln>
+            <a:noFill/>
+          </a:ln>
+        </p:spPr>
+        <p:style>
+          <a:lnRef idx="2">
+            <a:schemeClr val="accent1">
+              <a:shade val="20000"/>
+            </a:schemeClr>
+          </a:lnRef>
+          <a:fillRef idx="1">
+            <a:schemeClr val="accent1"/>
+          </a:fillRef>
+          <a:effectRef idx="0">
+            <a:schemeClr val="accent1"/>
+          </a:effectRef>
+          <a:fontRef idx="minor">
+            <a:schemeClr val="lt1"/>
+          </a:fontRef>
+        </p:style>
+        <p:txBody>
+          <a:bodyPr anchor="ctr"/>
+          <a:lstStyle/>
+          <a:p>
+            <a:pPr algn="ctr">
+              <a:defRPr/>
+            </a:pPr>
+            <a:endParaRPr lang="en-US" altLang="ko-KR"/>
           </a:p>
         </p:txBody>
       </p:sp>
@@ -4590,6 +4884,340 @@
 </file>
 
 <file path=ppt/slides/slide7.xml><?xml version="1.0" encoding="utf-8"?>
+<p:sld xmlns:r="http://schemas.openxmlformats.org/officeDocument/2006/relationships" xmlns:c="http://schemas.openxmlformats.org/drawingml/2006/chart" xmlns:a="http://schemas.openxmlformats.org/drawingml/2006/main" xmlns:dgm="http://schemas.openxmlformats.org/drawingml/2006/diagram" xmlns:dsp="http://schemas.microsoft.com/office/drawing/2008/diagram" xmlns:p="http://schemas.openxmlformats.org/presentationml/2006/main">
+  <p:cSld>
+    <p:bg>
+      <p:bgPr shadeToTitle="0">
+        <a:solidFill>
+          <a:schemeClr val="dk1"/>
+        </a:solidFill>
+      </p:bgPr>
+    </p:bg>
+    <p:spTree>
+      <p:nvGrpSpPr>
+        <p:cNvPr id="1" name=""/>
+        <p:cNvGrpSpPr/>
+        <p:nvPr/>
+      </p:nvGrpSpPr>
+      <p:grpSpPr>
+        <a:xfrm>
+          <a:off x="0" y="0"/>
+          <a:ext cx="0" cy="0"/>
+          <a:chOff x="0" y="0"/>
+          <a:chExt cx="0" cy="0"/>
+        </a:xfrm>
+      </p:grpSpPr>
+      <p:pic>
+        <p:nvPicPr>
+          <p:cNvPr id="8" name=""/>
+          <p:cNvPicPr>
+            <a:picLocks noChangeAspect="1"/>
+          </p:cNvPicPr>
+          <p:nvPr/>
+        </p:nvPicPr>
+        <p:blipFill rotWithShape="1">
+          <a:blip r:embed="rId2"/>
+          <a:stretch>
+            <a:fillRect/>
+          </a:stretch>
+        </p:blipFill>
+        <p:spPr>
+          <a:xfrm>
+            <a:off x="551230" y="1080150"/>
+            <a:ext cx="4114800" cy="5517290"/>
+          </a:xfrm>
+          <a:prstGeom prst="rect">
+            <a:avLst/>
+          </a:prstGeom>
+        </p:spPr>
+      </p:pic>
+      <p:sp>
+        <p:nvSpPr>
+          <p:cNvPr id="9" name="TextBox 1"/>
+          <p:cNvSpPr txBox="1"/>
+          <p:nvPr/>
+        </p:nvSpPr>
+        <p:spPr>
+          <a:xfrm>
+            <a:off x="5231880" y="836638"/>
+            <a:ext cx="6192860" cy="3438182"/>
+          </a:xfrm>
+          <a:prstGeom prst="rect">
+            <a:avLst/>
+          </a:prstGeom>
+          <a:noFill/>
+        </p:spPr>
+        <p:txBody>
+          <a:bodyPr wrap="square">
+            <a:spAutoFit/>
+          </a:bodyPr>
+          <a:lstStyle/>
+          <a:p>
+            <a:pPr lvl="0">
+              <a:defRPr/>
+            </a:pPr>
+            <a:r>
+              <a:rPr lang="ko-KR" altLang="en-US" sz="4000">
+                <a:solidFill>
+                  <a:schemeClr val="bg1"/>
+                </a:solidFill>
+              </a:rPr>
+              <a:t>편리한 테이블 관리</a:t>
+            </a:r>
+            <a:endParaRPr lang="ko-KR" altLang="en-US" sz="4000">
+              <a:solidFill>
+                <a:schemeClr val="bg1"/>
+              </a:solidFill>
+            </a:endParaRPr>
+          </a:p>
+          <a:p>
+            <a:pPr lvl="0">
+              <a:defRPr/>
+            </a:pPr>
+            <a:endParaRPr lang="en-US" altLang="ko-KR">
+              <a:solidFill>
+                <a:schemeClr val="bg1"/>
+              </a:solidFill>
+            </a:endParaRPr>
+          </a:p>
+          <a:p>
+            <a:pPr lvl="0">
+              <a:defRPr/>
+            </a:pPr>
+            <a:r>
+              <a:rPr lang="ko-KR" altLang="en-US">
+                <a:solidFill>
+                  <a:schemeClr val="bg1"/>
+                </a:solidFill>
+              </a:rPr>
+              <a:t>점주 입장에서는 </a:t>
+            </a:r>
+            <a:r>
+              <a:rPr lang="en-US" altLang="ko-KR">
+                <a:solidFill>
+                  <a:schemeClr val="bg1"/>
+                </a:solidFill>
+              </a:rPr>
+              <a:t>POS</a:t>
+            </a:r>
+            <a:r>
+              <a:rPr lang="ko-KR" altLang="en-US">
+                <a:solidFill>
+                  <a:schemeClr val="bg1"/>
+                </a:solidFill>
+              </a:rPr>
+              <a:t>기를 따로 하나하나 찍어가면서</a:t>
+            </a:r>
+            <a:endParaRPr lang="ko-KR" altLang="en-US">
+              <a:solidFill>
+                <a:schemeClr val="bg1"/>
+              </a:solidFill>
+            </a:endParaRPr>
+          </a:p>
+          <a:p>
+            <a:pPr lvl="0">
+              <a:defRPr/>
+            </a:pPr>
+            <a:r>
+              <a:rPr lang="ko-KR" altLang="en-US">
+                <a:solidFill>
+                  <a:schemeClr val="bg1"/>
+                </a:solidFill>
+              </a:rPr>
+              <a:t>주문을 확인할 필요 없이 어플을 이용하여</a:t>
+            </a:r>
+            <a:endParaRPr lang="ko-KR" altLang="en-US">
+              <a:solidFill>
+                <a:schemeClr val="bg1"/>
+              </a:solidFill>
+            </a:endParaRPr>
+          </a:p>
+          <a:p>
+            <a:pPr lvl="0">
+              <a:defRPr/>
+            </a:pPr>
+            <a:endParaRPr lang="ko-KR" altLang="en-US">
+              <a:solidFill>
+                <a:schemeClr val="bg1"/>
+              </a:solidFill>
+            </a:endParaRPr>
+          </a:p>
+          <a:p>
+            <a:pPr lvl="0">
+              <a:defRPr/>
+            </a:pPr>
+            <a:r>
+              <a:rPr lang="ko-KR" altLang="en-US">
+                <a:solidFill>
+                  <a:schemeClr val="bg1"/>
+                </a:solidFill>
+              </a:rPr>
+              <a:t>손님들이 어떠한 메뉴를 시켰는지 확인이 가능하다</a:t>
+            </a:r>
+            <a:r>
+              <a:rPr lang="en-US" altLang="ko-KR">
+                <a:solidFill>
+                  <a:schemeClr val="bg1"/>
+                </a:solidFill>
+              </a:rPr>
+              <a:t>.</a:t>
+            </a:r>
+            <a:endParaRPr lang="en-US" altLang="ko-KR">
+              <a:solidFill>
+                <a:schemeClr val="bg1"/>
+              </a:solidFill>
+            </a:endParaRPr>
+          </a:p>
+          <a:p>
+            <a:pPr lvl="0">
+              <a:defRPr/>
+            </a:pPr>
+            <a:endParaRPr lang="en-US" altLang="ko-KR">
+              <a:solidFill>
+                <a:schemeClr val="bg1"/>
+              </a:solidFill>
+            </a:endParaRPr>
+          </a:p>
+          <a:p>
+            <a:pPr lvl="0">
+              <a:defRPr/>
+            </a:pPr>
+            <a:r>
+              <a:rPr lang="ko-KR" altLang="en-US">
+                <a:solidFill>
+                  <a:schemeClr val="bg1"/>
+                </a:solidFill>
+              </a:rPr>
+              <a:t>계산은 나갈 때 손님과 점주가 어플을 확인하여</a:t>
+            </a:r>
+            <a:endParaRPr lang="ko-KR" altLang="en-US">
+              <a:solidFill>
+                <a:schemeClr val="bg1"/>
+              </a:solidFill>
+            </a:endParaRPr>
+          </a:p>
+          <a:p>
+            <a:pPr lvl="0">
+              <a:defRPr/>
+            </a:pPr>
+            <a:r>
+              <a:rPr lang="ko-KR" altLang="en-US">
+                <a:solidFill>
+                  <a:schemeClr val="bg1"/>
+                </a:solidFill>
+              </a:rPr>
+              <a:t>오프라인으로 진행한다</a:t>
+            </a:r>
+            <a:r>
+              <a:rPr lang="en-US" altLang="ko-KR">
+                <a:solidFill>
+                  <a:schemeClr val="bg1"/>
+                </a:solidFill>
+              </a:rPr>
+              <a:t>.</a:t>
+            </a:r>
+            <a:endParaRPr lang="en-US" altLang="ko-KR">
+              <a:solidFill>
+                <a:schemeClr val="bg1"/>
+              </a:solidFill>
+            </a:endParaRPr>
+          </a:p>
+          <a:p>
+            <a:pPr lvl="0">
+              <a:defRPr/>
+            </a:pPr>
+            <a:endParaRPr lang="en-US" altLang="ko-KR">
+              <a:solidFill>
+                <a:schemeClr val="bg1"/>
+              </a:solidFill>
+            </a:endParaRPr>
+          </a:p>
+          <a:p>
+            <a:pPr lvl="0">
+              <a:defRPr/>
+            </a:pPr>
+            <a:r>
+              <a:rPr lang="ko-KR" altLang="en-US">
+                <a:solidFill>
+                  <a:schemeClr val="bg1"/>
+                </a:solidFill>
+              </a:rPr>
+              <a:t>어플이 주문확인과 동시에 영수증 역할까지하게 된다</a:t>
+            </a:r>
+            <a:r>
+              <a:rPr lang="en-US" altLang="ko-KR">
+                <a:solidFill>
+                  <a:schemeClr val="bg1"/>
+                </a:solidFill>
+              </a:rPr>
+              <a:t>.</a:t>
+            </a:r>
+            <a:endParaRPr lang="en-US" altLang="ko-KR">
+              <a:solidFill>
+                <a:schemeClr val="bg1"/>
+              </a:solidFill>
+            </a:endParaRPr>
+          </a:p>
+        </p:txBody>
+      </p:sp>
+      <p:sp>
+        <p:nvSpPr>
+          <p:cNvPr id="10" name="TextBox 1"/>
+          <p:cNvSpPr txBox="1"/>
+          <p:nvPr/>
+        </p:nvSpPr>
+        <p:spPr>
+          <a:xfrm>
+            <a:off x="551230" y="143326"/>
+            <a:ext cx="6904030" cy="693314"/>
+          </a:xfrm>
+          <a:prstGeom prst="rect">
+            <a:avLst/>
+          </a:prstGeom>
+          <a:noFill/>
+        </p:spPr>
+        <p:txBody>
+          <a:bodyPr wrap="square">
+            <a:spAutoFit/>
+          </a:bodyPr>
+          <a:lstStyle/>
+          <a:p>
+            <a:pPr lvl="0">
+              <a:defRPr/>
+            </a:pPr>
+            <a:r>
+              <a:rPr lang="ko-KR" altLang="en-US" sz="4000">
+                <a:solidFill>
+                  <a:schemeClr val="bg1"/>
+                </a:solidFill>
+              </a:rPr>
+              <a:t>점주 입장에서의 화면</a:t>
+            </a:r>
+            <a:endParaRPr lang="ko-KR" altLang="en-US" sz="4000">
+              <a:solidFill>
+                <a:schemeClr val="bg1"/>
+              </a:solidFill>
+            </a:endParaRPr>
+          </a:p>
+        </p:txBody>
+      </p:sp>
+    </p:spTree>
+  </p:cSld>
+  <p:clrMapOvr>
+    <a:masterClrMapping/>
+  </p:clrMapOvr>
+  <mc:AlternateContent xmlns:mc="http://schemas.openxmlformats.org/markup-compatibility/2006">
+    <mc:Choice xmlns:p14="http://schemas.microsoft.com/office/powerpoint/2010/main" Requires="p14">
+      <p:transition xmlns:mc="http://schemas.openxmlformats.org/markup-compatibility/2006" xmlns:p14="http://schemas.microsoft.com/office/powerpoint/2010/main" mc:Ignorable="p14" p14:dur="500"/>
+    </mc:Choice>
+    <mc:Fallback>
+      <p:transition/>
+    </mc:Fallback>
+  </mc:AlternateContent>
+</p:sld>
+</file>
+
+<file path=ppt/slides/slide8.xml><?xml version="1.0" encoding="utf-8"?>
 <p:sld xmlns:r="http://schemas.openxmlformats.org/officeDocument/2006/relationships" xmlns:c="http://schemas.openxmlformats.org/drawingml/2006/chart" xmlns:a="http://schemas.openxmlformats.org/drawingml/2006/main" xmlns:dgm="http://schemas.openxmlformats.org/drawingml/2006/diagram" xmlns:dsp="http://schemas.microsoft.com/office/drawing/2008/diagram" xmlns:p="http://schemas.openxmlformats.org/presentationml/2006/main">
   <p:cSld>
     <p:bg>
@@ -5009,7 +5637,7 @@
 </p:sld>
 </file>
 
-<file path=ppt/slides/slide8.xml><?xml version="1.0" encoding="utf-8"?>
+<file path=ppt/slides/slide9.xml><?xml version="1.0" encoding="utf-8"?>
 <p:sld xmlns:r="http://schemas.openxmlformats.org/officeDocument/2006/relationships" xmlns:c="http://schemas.openxmlformats.org/drawingml/2006/chart" xmlns:a="http://schemas.openxmlformats.org/drawingml/2006/main" xmlns:dgm="http://schemas.openxmlformats.org/drawingml/2006/diagram" xmlns:dsp="http://schemas.microsoft.com/office/drawing/2008/diagram" xmlns:p="http://schemas.openxmlformats.org/presentationml/2006/main">
   <p:cSld>
     <p:bg>

--- a/기획발표 수정안.pptx
+++ b/기획발표 수정안.pptx
@@ -2,7 +2,7 @@
 <file path=ppt/presentation.xml><?xml version="1.0" encoding="utf-8"?>
 <p:presentation xmlns:r="http://schemas.openxmlformats.org/officeDocument/2006/relationships" xmlns:c="http://schemas.openxmlformats.org/drawingml/2006/chart" xmlns:a="http://schemas.openxmlformats.org/drawingml/2006/main" xmlns:dgm="http://schemas.openxmlformats.org/drawingml/2006/diagram" xmlns:dsp="http://schemas.microsoft.com/office/drawing/2008/diagram" xmlns:p="http://schemas.openxmlformats.org/presentationml/2006/main" saveSubsetFonts="1">
   <p:sldMasterIdLst>
-    <p:sldMasterId id="2147483721" r:id="rId1"/>
+    <p:sldMasterId id="2147483724" r:id="rId1"/>
   </p:sldMasterIdLst>
   <p:sldIdLst>
     <p:sldId id="256" r:id="rId2"/>
@@ -14,6 +14,11 @@
     <p:sldId id="262" r:id="rId8"/>
     <p:sldId id="263" r:id="rId9"/>
     <p:sldId id="264" r:id="rId10"/>
+    <p:sldId id="265" r:id="rId11"/>
+    <p:sldId id="266" r:id="rId12"/>
+    <p:sldId id="267" r:id="rId13"/>
+    <p:sldId id="268" r:id="rId14"/>
+    <p:sldId id="269" r:id="rId15"/>
   </p:sldIdLst>
   <p:sldSz cx="12192000" cy="6858000"/>
   <p:notesSz cx="6858000" cy="9144000"/>
@@ -295,7 +300,7 @@
             <a:fld id="{940A130E-E3B8-4EBE-931F-81B26B8448AA}" type="datetime1">
               <a:rPr lang="ko-KR" altLang="en-US" smtClean="0"/>
               <a:pPr/>
-              <a:t>2019-09-16</a:t>
+              <a:t>2019-11-25</a:t>
             </a:fld>
             <a:endParaRPr lang="ko-KR" altLang="en-US"/>
           </a:p>
@@ -420,7 +425,7 @@
             <a:fld id="{CA348888-F454-4AD2-BA62-3AF29D9807C0}" type="datetime1">
               <a:rPr lang="ko-KR" altLang="en-US" smtClean="0"/>
               <a:pPr/>
-              <a:t>2019-09-16</a:t>
+              <a:t>2019-11-25</a:t>
             </a:fld>
             <a:endParaRPr lang="ko-KR" altLang="en-US"/>
           </a:p>
@@ -608,7 +613,7 @@
             <a:fld id="{956FEC12-A4C9-4837-AF94-AD867782C04C}" type="datetime1">
               <a:rPr lang="ko-KR" altLang="en-US" smtClean="0"/>
               <a:pPr/>
-              <a:t>2019-09-16</a:t>
+              <a:t>2019-11-25</a:t>
             </a:fld>
             <a:endParaRPr lang="ko-KR" altLang="en-US"/>
           </a:p>
@@ -783,7 +788,7 @@
             <a:fld id="{957F84A3-4F29-4053-ACFD-1BAF2D3F140C}" type="datetime1">
               <a:rPr lang="ko-KR" altLang="en-US" smtClean="0"/>
               <a:pPr/>
-              <a:t>2019-09-16</a:t>
+              <a:t>2019-11-25</a:t>
             </a:fld>
             <a:endParaRPr lang="ko-KR" altLang="en-US"/>
           </a:p>
@@ -948,7 +953,7 @@
             <a:fld id="{4953836A-82A3-4C8B-9D31-CD724F3673ED}" type="datetime1">
               <a:rPr lang="ko-KR" altLang="en-US" smtClean="0"/>
               <a:pPr/>
-              <a:t>2019-09-16</a:t>
+              <a:t>2019-11-25</a:t>
             </a:fld>
             <a:endParaRPr lang="ko-KR" altLang="en-US"/>
           </a:p>
@@ -1040,7 +1045,7 @@
             <a:fld id="{AD2EBAF6-36D0-4DD8-B695-D4C1B37E35D6}" type="datetime1">
               <a:rPr lang="ko-KR" altLang="en-US" smtClean="0"/>
               <a:pPr/>
-              <a:t>2019-09-16</a:t>
+              <a:t>2019-11-25</a:t>
             </a:fld>
             <a:endParaRPr lang="ko-KR" altLang="en-US"/>
           </a:p>
@@ -1282,7 +1287,7 @@
             <a:fld id="{60728D28-603B-4EFC-80F8-17E5E9107035}" type="datetime1">
               <a:rPr lang="ko-KR" altLang="en-US" smtClean="0"/>
               <a:pPr/>
-              <a:t>2019-09-16</a:t>
+              <a:t>2019-11-25</a:t>
             </a:fld>
             <a:endParaRPr lang="ko-KR" altLang="en-US"/>
           </a:p>
@@ -1564,7 +1569,7 @@
             <a:fld id="{A27A1F4E-0809-4239-8034-C38E431DAF92}" type="datetime1">
               <a:rPr lang="ko-KR" altLang="en-US" smtClean="0"/>
               <a:pPr/>
-              <a:t>2019-09-16</a:t>
+              <a:t>2019-11-25</a:t>
             </a:fld>
             <a:endParaRPr lang="ko-KR" altLang="en-US"/>
           </a:p>
@@ -1678,7 +1683,7 @@
             <a:fld id="{5E0DA496-7307-4E8B-88DE-CB97B48BAB6F}" type="datetime1">
               <a:rPr lang="ko-KR" altLang="en-US" smtClean="0"/>
               <a:pPr/>
-              <a:t>2019-09-16</a:t>
+              <a:t>2019-11-25</a:t>
             </a:fld>
             <a:endParaRPr lang="ko-KR" altLang="en-US"/>
           </a:p>
@@ -1825,7 +1830,7 @@
             <a:fld id="{58721E90-850C-410B-8B89-8394F580CFDA}" type="datetime1">
               <a:rPr lang="ko-KR" altLang="en-US" smtClean="0"/>
               <a:pPr/>
-              <a:t>2019-09-16</a:t>
+              <a:t>2019-11-25</a:t>
             </a:fld>
             <a:endParaRPr lang="ko-KR" altLang="en-US"/>
           </a:p>
@@ -2275,7 +2280,7 @@
             <a:fld id="{5ACE7E28-9336-4363-8674-B91477D8F243}" type="datetime1">
               <a:rPr lang="ko-KR" altLang="en-US" smtClean="0"/>
               <a:pPr/>
-              <a:t>2019-09-16</a:t>
+              <a:t>2019-11-25</a:t>
             </a:fld>
             <a:endParaRPr lang="ko-KR" altLang="en-US"/>
           </a:p>
@@ -2526,7 +2531,7 @@
             <a:fld id="{5ACE7E28-9336-4363-8674-B91477D8F243}" type="datetime1">
               <a:rPr lang="ko-KR" altLang="en-US" smtClean="0"/>
               <a:pPr/>
-              <a:t>2019-09-16</a:t>
+              <a:t>2019-11-25</a:t>
             </a:fld>
             <a:endParaRPr lang="ko-KR" altLang="en-US"/>
           </a:p>
@@ -2735,7 +2740,7 @@
             <a:fld id="{D422D86A-5F52-4165-8473-F1B836277586}" type="datetime1">
               <a:rPr lang="ko-KR" altLang="en-US" smtClean="0"/>
               <a:pPr/>
-              <a:t>2019-09-16</a:t>
+              <a:t>2019-11-25</a:t>
             </a:fld>
             <a:endParaRPr lang="ko-KR" altLang="en-US"/>
           </a:p>
@@ -3148,12 +3153,319 @@
 </file>
 
 <file path=ppt/slides/slide1.xml><?xml version="1.0" encoding="utf-8"?>
+<p:sld xmlns:r="http://schemas.openxmlformats.org/officeDocument/2006/relationships" xmlns:c="http://schemas.openxmlformats.org/drawingml/2006/chart" xmlns:a="http://schemas.openxmlformats.org/drawingml/2006/main" xmlns:dgm="http://schemas.openxmlformats.org/drawingml/2006/diagram" xmlns:dsp="http://schemas.microsoft.com/office/drawing/2008/diagram" xmlns:p="http://schemas.openxmlformats.org/presentationml/2006/main">
+  <p:cSld>
+    <p:bg>
+      <p:bgPr shadeToTitle="0">
+        <a:solidFill>
+          <a:schemeClr val="dk1"/>
+        </a:solidFill>
+      </p:bgPr>
+    </p:bg>
+    <p:spTree>
+      <p:nvGrpSpPr>
+        <p:cNvPr id="1" name=""/>
+        <p:cNvGrpSpPr/>
+        <p:nvPr/>
+      </p:nvGrpSpPr>
+      <p:grpSpPr>
+        <a:xfrm>
+          <a:off x="0" y="0"/>
+          <a:ext cx="0" cy="0"/>
+          <a:chOff x="0" y="0"/>
+          <a:chExt cx="0" cy="0"/>
+        </a:xfrm>
+      </p:grpSpPr>
+      <p:sp>
+        <p:nvSpPr>
+          <p:cNvPr id="4" name="TextBox 3"/>
+          <p:cNvSpPr txBox="1"/>
+          <p:nvPr/>
+        </p:nvSpPr>
+        <p:spPr>
+          <a:xfrm>
+            <a:off x="839305" y="831680"/>
+            <a:ext cx="4824635" cy="757090"/>
+          </a:xfrm>
+          <a:prstGeom prst="rect">
+            <a:avLst/>
+          </a:prstGeom>
+        </p:spPr>
+        <p:txBody>
+          <a:bodyPr wrap="square">
+            <a:spAutoFit/>
+          </a:bodyPr>
+          <a:lstStyle/>
+          <a:p>
+            <a:pPr>
+              <a:defRPr/>
+            </a:pPr>
+            <a:r>
+              <a:rPr lang="ko-KR" altLang="en-US" sz="4400">
+                <a:solidFill>
+                  <a:schemeClr val="lt1"/>
+                </a:solidFill>
+                <a:latin typeface="양진체 "/>
+                <a:ea typeface="양진체 "/>
+              </a:rPr>
+              <a:t>모바일 </a:t>
+            </a:r>
+            <a:r>
+              <a:rPr lang="en-US" altLang="ko-KR" sz="4400">
+                <a:solidFill>
+                  <a:schemeClr val="lt1"/>
+                </a:solidFill>
+                <a:latin typeface="양진체 "/>
+                <a:ea typeface="양진체 "/>
+              </a:rPr>
+              <a:t>SW </a:t>
+            </a:r>
+            <a:r>
+              <a:rPr lang="ko-KR" altLang="en-US" sz="4400">
+                <a:solidFill>
+                  <a:schemeClr val="lt1"/>
+                </a:solidFill>
+                <a:latin typeface="양진체 "/>
+                <a:ea typeface="양진체 "/>
+              </a:rPr>
+              <a:t>스튜디오</a:t>
+            </a:r>
+            <a:endParaRPr lang="ko-KR" altLang="en-US" sz="4400">
+              <a:solidFill>
+                <a:schemeClr val="lt1"/>
+              </a:solidFill>
+              <a:latin typeface="양진체 "/>
+            </a:endParaRPr>
+          </a:p>
+        </p:txBody>
+      </p:sp>
+      <p:sp>
+        <p:nvSpPr>
+          <p:cNvPr id="5" name="TextBox 4"/>
+          <p:cNvSpPr txBox="1"/>
+          <p:nvPr/>
+        </p:nvSpPr>
+        <p:spPr>
+          <a:xfrm>
+            <a:off x="3791671" y="1581149"/>
+            <a:ext cx="1872269" cy="449961"/>
+          </a:xfrm>
+          <a:prstGeom prst="rect">
+            <a:avLst/>
+          </a:prstGeom>
+        </p:spPr>
+        <p:txBody>
+          <a:bodyPr wrap="square">
+            <a:spAutoFit/>
+          </a:bodyPr>
+          <a:lstStyle/>
+          <a:p>
+            <a:pPr>
+              <a:defRPr/>
+            </a:pPr>
+            <a:r>
+              <a:rPr lang="ko-KR" altLang="en-US" sz="2400">
+                <a:solidFill>
+                  <a:srgbClr val="ffff00"/>
+                </a:solidFill>
+                <a:latin typeface="양진체 "/>
+                <a:ea typeface="양진체 "/>
+              </a:rPr>
+              <a:t>프로젝트 발표</a:t>
+            </a:r>
+            <a:endParaRPr lang="ko-KR" altLang="en-US" sz="2400">
+              <a:solidFill>
+                <a:srgbClr val="ffff00"/>
+              </a:solidFill>
+              <a:latin typeface="양진체 "/>
+            </a:endParaRPr>
+          </a:p>
+        </p:txBody>
+      </p:sp>
+      <p:sp>
+        <p:nvSpPr>
+          <p:cNvPr id="6" name="TextBox 5"/>
+          <p:cNvSpPr txBox="1"/>
+          <p:nvPr/>
+        </p:nvSpPr>
+        <p:spPr>
+          <a:xfrm>
+            <a:off x="2927560" y="3830955"/>
+            <a:ext cx="3168440" cy="824865"/>
+          </a:xfrm>
+          <a:prstGeom prst="rect">
+            <a:avLst/>
+          </a:prstGeom>
+        </p:spPr>
+        <p:txBody>
+          <a:bodyPr wrap="square">
+            <a:spAutoFit/>
+          </a:bodyPr>
+          <a:lstStyle/>
+          <a:p>
+            <a:pPr algn="r">
+              <a:defRPr/>
+            </a:pPr>
+            <a:r>
+              <a:rPr lang="en-US" altLang="ko-KR" sz="2400">
+                <a:solidFill>
+                  <a:schemeClr val="lt1"/>
+                </a:solidFill>
+                <a:latin typeface="양진체 "/>
+                <a:ea typeface="양진체 "/>
+              </a:rPr>
+              <a:t>2015125001</a:t>
+            </a:r>
+            <a:r>
+              <a:rPr lang="ko-KR" altLang="en-US" sz="2400">
+                <a:solidFill>
+                  <a:schemeClr val="lt1"/>
+                </a:solidFill>
+                <a:latin typeface="양진체 "/>
+                <a:ea typeface="양진체 "/>
+              </a:rPr>
+              <a:t> 가예한</a:t>
+            </a:r>
+            <a:endParaRPr lang="ko-KR" altLang="en-US" sz="2400">
+              <a:solidFill>
+                <a:schemeClr val="lt1"/>
+              </a:solidFill>
+              <a:latin typeface="양진체 "/>
+            </a:endParaRPr>
+          </a:p>
+          <a:p>
+            <a:pPr algn="r">
+              <a:defRPr/>
+            </a:pPr>
+            <a:r>
+              <a:rPr lang="en-US" altLang="ko-KR" sz="2400">
+                <a:solidFill>
+                  <a:schemeClr val="lt1"/>
+                </a:solidFill>
+                <a:latin typeface="양진체 "/>
+                <a:ea typeface="양진체 "/>
+              </a:rPr>
+              <a:t>2015125017</a:t>
+            </a:r>
+            <a:r>
+              <a:rPr lang="ko-KR" altLang="en-US" sz="2400">
+                <a:solidFill>
+                  <a:schemeClr val="lt1"/>
+                </a:solidFill>
+                <a:latin typeface="양진체 "/>
+                <a:ea typeface="양진체 "/>
+              </a:rPr>
+              <a:t> 김세종</a:t>
+            </a:r>
+            <a:endParaRPr lang="ko-KR" altLang="en-US" sz="2400">
+              <a:solidFill>
+                <a:schemeClr val="lt1"/>
+              </a:solidFill>
+              <a:latin typeface="양진체 "/>
+            </a:endParaRPr>
+          </a:p>
+        </p:txBody>
+      </p:sp>
+      <p:sp>
+        <p:nvSpPr>
+          <p:cNvPr id="7" name="TextBox 6"/>
+          <p:cNvSpPr txBox="1"/>
+          <p:nvPr/>
+        </p:nvSpPr>
+        <p:spPr>
+          <a:xfrm>
+            <a:off x="2027487" y="2606785"/>
+            <a:ext cx="1224135" cy="822215"/>
+          </a:xfrm>
+          <a:prstGeom prst="rect">
+            <a:avLst/>
+          </a:prstGeom>
+        </p:spPr>
+        <p:txBody>
+          <a:bodyPr wrap="square">
+            <a:spAutoFit/>
+          </a:bodyPr>
+          <a:lstStyle/>
+          <a:p>
+            <a:pPr>
+              <a:defRPr/>
+            </a:pPr>
+            <a:r>
+              <a:rPr lang="en-US" altLang="ko-KR" sz="4800">
+                <a:solidFill>
+                  <a:schemeClr val="lt1"/>
+                </a:solidFill>
+                <a:latin typeface="양진체 "/>
+                <a:ea typeface="양진체 "/>
+              </a:rPr>
+              <a:t>1</a:t>
+            </a:r>
+            <a:r>
+              <a:rPr lang="ko-KR" altLang="en-US" sz="4800">
+                <a:solidFill>
+                  <a:schemeClr val="lt1"/>
+                </a:solidFill>
+                <a:latin typeface="양진체 "/>
+                <a:ea typeface="양진체 "/>
+              </a:rPr>
+              <a:t>조</a:t>
+            </a:r>
+            <a:endParaRPr lang="ko-KR" altLang="en-US" sz="4800">
+              <a:solidFill>
+                <a:schemeClr val="lt1"/>
+              </a:solidFill>
+              <a:latin typeface="양진체 "/>
+            </a:endParaRPr>
+          </a:p>
+        </p:txBody>
+      </p:sp>
+      <p:pic>
+        <p:nvPicPr>
+          <p:cNvPr id="9" name="그림 8"/>
+          <p:cNvPicPr>
+            <a:picLocks noChangeAspect="1"/>
+          </p:cNvPicPr>
+          <p:nvPr/>
+        </p:nvPicPr>
+        <p:blipFill rotWithShape="1">
+          <a:blip r:embed="rId2"/>
+          <a:stretch>
+            <a:fillRect/>
+          </a:stretch>
+        </p:blipFill>
+        <p:spPr>
+          <a:xfrm>
+            <a:off x="6528060" y="0"/>
+            <a:ext cx="4451610" cy="6858000"/>
+          </a:xfrm>
+          <a:prstGeom prst="rect">
+            <a:avLst/>
+          </a:prstGeom>
+        </p:spPr>
+      </p:pic>
+    </p:spTree>
+  </p:cSld>
+  <p:clrMapOvr>
+    <a:masterClrMapping/>
+  </p:clrMapOvr>
+  <mc:AlternateContent xmlns:mc="http://schemas.openxmlformats.org/markup-compatibility/2006">
+    <mc:Choice xmlns:p14="http://schemas.microsoft.com/office/powerpoint/2010/main" Requires="p14">
+      <p:transition xmlns:mc="http://schemas.openxmlformats.org/markup-compatibility/2006" xmlns:p14="http://schemas.microsoft.com/office/powerpoint/2010/main" mc:Ignorable="p14" p14:dur="500"/>
+    </mc:Choice>
+    <mc:Fallback>
+      <p:transition/>
+    </mc:Fallback>
+  </mc:AlternateContent>
+</p:sld>
+</file>
+
+<file path=ppt/slides/slide10.xml><?xml version="1.0" encoding="utf-8"?>
 <p:sld xmlns:a="http://schemas.openxmlformats.org/drawingml/2006/main" xmlns:r="http://schemas.openxmlformats.org/officeDocument/2006/relationships" xmlns:p="http://schemas.openxmlformats.org/presentationml/2006/main">
   <p:cSld>
     <p:bg>
       <p:bgPr>
         <a:solidFill>
-          <a:schemeClr val="dk1"/>
+          <a:schemeClr val="tx1"/>
         </a:solidFill>
         <a:effectLst/>
       </p:bgPr>
@@ -3174,272 +3486,46 @@
       </p:grpSpPr>
       <p:pic>
         <p:nvPicPr>
-          <p:cNvPr id="3" name="그림 2"/>
+          <p:cNvPr id="5" name="그림 4" descr="그리기이(가) 표시된 사진&#10;&#10;자동 생성된 설명">
+            <a:extLst>
+              <a:ext uri="{FF2B5EF4-FFF2-40B4-BE49-F238E27FC236}">
+                <a16:creationId xmlns:a16="http://schemas.microsoft.com/office/drawing/2014/main" id="{78D21B34-6304-4C40-BC3F-BE6CA2DA8691}"/>
+              </a:ext>
+            </a:extLst>
+          </p:cNvPr>
           <p:cNvPicPr>
             <a:picLocks noChangeAspect="1"/>
           </p:cNvPicPr>
           <p:nvPr/>
         </p:nvPicPr>
-        <p:blipFill rotWithShape="1">
-          <a:blip r:embed="rId2"/>
+        <p:blipFill>
+          <a:blip r:embed="rId2" cstate="print">
+            <a:extLst>
+              <a:ext uri="{28A0092B-C50C-407E-A947-70E740481C1C}">
+                <a14:useLocalDpi xmlns:a14="http://schemas.microsoft.com/office/drawing/2010/main" val="0"/>
+              </a:ext>
+            </a:extLst>
+          </a:blip>
           <a:stretch>
             <a:fillRect/>
           </a:stretch>
         </p:blipFill>
         <p:spPr>
           <a:xfrm>
-            <a:off x="3052089" y="0"/>
-            <a:ext cx="9139911" cy="6858000"/>
+            <a:off x="4427934" y="-9"/>
+            <a:ext cx="3336132" cy="6858001"/>
           </a:xfrm>
           <a:prstGeom prst="rect">
             <a:avLst/>
           </a:prstGeom>
         </p:spPr>
       </p:pic>
-      <p:sp>
-        <p:nvSpPr>
-          <p:cNvPr id="4" name="TextBox 3"/>
-          <p:cNvSpPr txBox="1"/>
-          <p:nvPr/>
-        </p:nvSpPr>
-        <p:spPr>
-          <a:xfrm>
-            <a:off x="191262" y="332613"/>
-            <a:ext cx="2520315" cy="1186434"/>
-          </a:xfrm>
-          <a:prstGeom prst="rect">
-            <a:avLst/>
-          </a:prstGeom>
-        </p:spPr>
-        <p:txBody>
-          <a:bodyPr wrap="square">
-            <a:spAutoFit/>
-          </a:bodyPr>
-          <a:lstStyle/>
-          <a:p>
-            <a:pPr>
-              <a:defRPr/>
-            </a:pPr>
-            <a:r>
-              <a:rPr lang="ko-KR" altLang="en-US" sz="3600">
-                <a:solidFill>
-                  <a:schemeClr val="lt1"/>
-                </a:solidFill>
-                <a:latin typeface="휴먼명조"/>
-                <a:ea typeface="휴먼명조"/>
-              </a:rPr>
-              <a:t>모바일 </a:t>
-            </a:r>
-            <a:r>
-              <a:rPr lang="en-US" altLang="ko-KR" sz="3600">
-                <a:solidFill>
-                  <a:schemeClr val="lt1"/>
-                </a:solidFill>
-                <a:latin typeface="휴먼명조"/>
-                <a:ea typeface="휴먼명조"/>
-              </a:rPr>
-              <a:t>SW</a:t>
-            </a:r>
-          </a:p>
-          <a:p>
-            <a:pPr>
-              <a:defRPr/>
-            </a:pPr>
-            <a:r>
-              <a:rPr lang="ko-KR" altLang="en-US" sz="3600">
-                <a:solidFill>
-                  <a:schemeClr val="lt1"/>
-                </a:solidFill>
-                <a:latin typeface="휴먼명조"/>
-                <a:ea typeface="휴먼명조"/>
-              </a:rPr>
-              <a:t>스튜디오</a:t>
-            </a:r>
-          </a:p>
-        </p:txBody>
-      </p:sp>
-      <p:sp>
-        <p:nvSpPr>
-          <p:cNvPr id="5" name="TextBox 4"/>
-          <p:cNvSpPr txBox="1"/>
-          <p:nvPr/>
-        </p:nvSpPr>
-        <p:spPr>
-          <a:xfrm>
-            <a:off x="191262" y="1700784"/>
-            <a:ext cx="2520315" cy="449961"/>
-          </a:xfrm>
-          <a:prstGeom prst="rect">
-            <a:avLst/>
-          </a:prstGeom>
-        </p:spPr>
-        <p:txBody>
-          <a:bodyPr wrap="square">
-            <a:spAutoFit/>
-          </a:bodyPr>
-          <a:lstStyle/>
-          <a:p>
-            <a:pPr>
-              <a:defRPr/>
-            </a:pPr>
-            <a:r>
-              <a:rPr lang="ko-KR" altLang="en-US" sz="2400">
-                <a:solidFill>
-                  <a:srgbClr val="FFFF00"/>
-                </a:solidFill>
-                <a:latin typeface="휴먼명조"/>
-                <a:ea typeface="휴먼명조"/>
-              </a:rPr>
-              <a:t>기획 발표</a:t>
-            </a:r>
-          </a:p>
-        </p:txBody>
-      </p:sp>
-      <p:sp>
-        <p:nvSpPr>
-          <p:cNvPr id="6" name="TextBox 5"/>
-          <p:cNvSpPr txBox="1"/>
-          <p:nvPr/>
-        </p:nvSpPr>
-        <p:spPr>
-          <a:xfrm>
-            <a:off x="0" y="3834003"/>
-            <a:ext cx="2927604" cy="1183767"/>
-          </a:xfrm>
-          <a:prstGeom prst="rect">
-            <a:avLst/>
-          </a:prstGeom>
-        </p:spPr>
-        <p:txBody>
-          <a:bodyPr wrap="square">
-            <a:spAutoFit/>
-          </a:bodyPr>
-          <a:lstStyle/>
-          <a:p>
-            <a:pPr algn="r">
-              <a:defRPr/>
-            </a:pPr>
-            <a:r>
-              <a:rPr lang="en-US" altLang="ko-KR" sz="2400">
-                <a:solidFill>
-                  <a:schemeClr val="lt1"/>
-                </a:solidFill>
-                <a:latin typeface="휴먼명조"/>
-                <a:ea typeface="휴먼명조"/>
-              </a:rPr>
-              <a:t>2015125001</a:t>
-            </a:r>
-            <a:r>
-              <a:rPr lang="ko-KR" altLang="en-US" sz="2400">
-                <a:solidFill>
-                  <a:schemeClr val="lt1"/>
-                </a:solidFill>
-                <a:latin typeface="휴먼명조"/>
-                <a:ea typeface="휴먼명조"/>
-              </a:rPr>
-              <a:t> 가예한</a:t>
-            </a:r>
-          </a:p>
-          <a:p>
-            <a:pPr algn="r">
-              <a:defRPr/>
-            </a:pPr>
-            <a:r>
-              <a:rPr lang="en-US" altLang="ko-KR" sz="2400">
-                <a:solidFill>
-                  <a:schemeClr val="lt1"/>
-                </a:solidFill>
-                <a:latin typeface="휴먼명조"/>
-                <a:ea typeface="휴먼명조"/>
-              </a:rPr>
-              <a:t>2015125017</a:t>
-            </a:r>
-            <a:r>
-              <a:rPr lang="ko-KR" altLang="en-US" sz="2400">
-                <a:solidFill>
-                  <a:schemeClr val="lt1"/>
-                </a:solidFill>
-                <a:latin typeface="휴먼명조"/>
-                <a:ea typeface="휴먼명조"/>
-              </a:rPr>
-              <a:t> 김세종</a:t>
-            </a:r>
-          </a:p>
-          <a:p>
-            <a:pPr algn="r">
-              <a:defRPr/>
-            </a:pPr>
-            <a:r>
-              <a:rPr lang="en-US" altLang="ko-KR" sz="2400">
-                <a:solidFill>
-                  <a:schemeClr val="lt1"/>
-                </a:solidFill>
-                <a:latin typeface="휴먼명조"/>
-                <a:ea typeface="휴먼명조"/>
-              </a:rPr>
-              <a:t>2018125035</a:t>
-            </a:r>
-            <a:r>
-              <a:rPr lang="ko-KR" altLang="en-US" sz="2400">
-                <a:solidFill>
-                  <a:schemeClr val="lt1"/>
-                </a:solidFill>
-                <a:latin typeface="휴먼명조"/>
-                <a:ea typeface="휴먼명조"/>
-              </a:rPr>
-              <a:t> 오현욱</a:t>
-            </a:r>
-          </a:p>
-        </p:txBody>
-      </p:sp>
-      <p:sp>
-        <p:nvSpPr>
-          <p:cNvPr id="7" name="TextBox 6"/>
-          <p:cNvSpPr txBox="1"/>
-          <p:nvPr/>
-        </p:nvSpPr>
-        <p:spPr>
-          <a:xfrm>
-            <a:off x="191262" y="2780919"/>
-            <a:ext cx="2520315" cy="449961"/>
-          </a:xfrm>
-          <a:prstGeom prst="rect">
-            <a:avLst/>
-          </a:prstGeom>
-        </p:spPr>
-        <p:txBody>
-          <a:bodyPr wrap="square">
-            <a:spAutoFit/>
-          </a:bodyPr>
-          <a:lstStyle/>
-          <a:p>
-            <a:pPr>
-              <a:defRPr/>
-            </a:pPr>
-            <a:r>
-              <a:rPr lang="en-US" altLang="ko-KR" sz="2400">
-                <a:solidFill>
-                  <a:schemeClr val="lt1"/>
-                </a:solidFill>
-                <a:latin typeface="휴먼명조"/>
-                <a:ea typeface="휴먼명조"/>
-              </a:rPr>
-              <a:t>1</a:t>
-            </a:r>
-            <a:r>
-              <a:rPr lang="ko-KR" altLang="en-US" sz="2400">
-                <a:solidFill>
-                  <a:schemeClr val="lt1"/>
-                </a:solidFill>
-                <a:latin typeface="휴먼명조"/>
-                <a:ea typeface="휴먼명조"/>
-              </a:rPr>
-              <a:t>조</a:t>
-            </a:r>
-          </a:p>
-        </p:txBody>
-      </p:sp>
     </p:spTree>
+    <p:extLst>
+      <p:ext uri="{BB962C8B-B14F-4D97-AF65-F5344CB8AC3E}">
+        <p14:creationId xmlns:p14="http://schemas.microsoft.com/office/powerpoint/2010/main" val="2380804914"/>
+      </p:ext>
+    </p:extLst>
   </p:cSld>
   <p:clrMapOvr>
     <a:masterClrMapping/>
@@ -3448,20 +3534,20 @@
     <mc:Choice Requires="p14">
       <p:transition/>
     </mc:Choice>
-    <mc:Fallback xmlns:dsp="http://schemas.microsoft.com/office/drawing/2008/diagram" xmlns:dgm="http://schemas.openxmlformats.org/drawingml/2006/diagram" xmlns:c="http://schemas.openxmlformats.org/drawingml/2006/chart" xmlns="">
+    <mc:Fallback xmlns="" xmlns:c="http://schemas.openxmlformats.org/drawingml/2006/chart" xmlns:dgm="http://schemas.openxmlformats.org/drawingml/2006/diagram" xmlns:dsp="http://schemas.microsoft.com/office/drawing/2008/diagram">
       <p:transition/>
     </mc:Fallback>
   </mc:AlternateContent>
 </p:sld>
 </file>
 
-<file path=ppt/slides/slide2.xml><?xml version="1.0" encoding="utf-8"?>
+<file path=ppt/slides/slide11.xml><?xml version="1.0" encoding="utf-8"?>
 <p:sld xmlns:a="http://schemas.openxmlformats.org/drawingml/2006/main" xmlns:r="http://schemas.openxmlformats.org/officeDocument/2006/relationships" xmlns:p="http://schemas.openxmlformats.org/presentationml/2006/main">
   <p:cSld>
     <p:bg>
       <p:bgPr>
         <a:solidFill>
-          <a:schemeClr val="dk1"/>
+          <a:schemeClr val="tx1"/>
         </a:solidFill>
         <a:effectLst/>
       </p:bgPr>
@@ -3480,79 +3566,48 @@
           <a:chExt cx="0" cy="0"/>
         </a:xfrm>
       </p:grpSpPr>
-      <p:sp>
-        <p:nvSpPr>
-          <p:cNvPr id="2" name="TextBox 1"/>
-          <p:cNvSpPr txBox="1"/>
+      <p:pic>
+        <p:nvPicPr>
+          <p:cNvPr id="6" name="그림 5" descr="스크린샷이(가) 표시된 사진&#10;&#10;자동 생성된 설명">
+            <a:extLst>
+              <a:ext uri="{FF2B5EF4-FFF2-40B4-BE49-F238E27FC236}">
+                <a16:creationId xmlns:a16="http://schemas.microsoft.com/office/drawing/2014/main" id="{AF941EF7-6306-4D71-A986-F86792B0DC6A}"/>
+              </a:ext>
+            </a:extLst>
+          </p:cNvPr>
+          <p:cNvPicPr>
+            <a:picLocks noChangeAspect="1"/>
+          </p:cNvPicPr>
           <p:nvPr/>
-        </p:nvSpPr>
+        </p:nvPicPr>
+        <p:blipFill>
+          <a:blip r:embed="rId2" cstate="print">
+            <a:extLst>
+              <a:ext uri="{28A0092B-C50C-407E-A947-70E740481C1C}">
+                <a14:useLocalDpi xmlns:a14="http://schemas.microsoft.com/office/drawing/2010/main" val="0"/>
+              </a:ext>
+            </a:extLst>
+          </a:blip>
+          <a:stretch>
+            <a:fillRect/>
+          </a:stretch>
+        </p:blipFill>
         <p:spPr>
           <a:xfrm>
-            <a:off x="623316" y="654557"/>
-            <a:ext cx="6912864" cy="1553338"/>
+            <a:off x="4427934" y="-1"/>
+            <a:ext cx="3336132" cy="6858001"/>
           </a:xfrm>
           <a:prstGeom prst="rect">
             <a:avLst/>
           </a:prstGeom>
         </p:spPr>
-        <p:txBody>
-          <a:bodyPr wrap="square">
-            <a:spAutoFit/>
-          </a:bodyPr>
-          <a:lstStyle/>
-          <a:p>
-            <a:pPr>
-              <a:defRPr/>
-            </a:pPr>
-            <a:r>
-              <a:rPr lang="en-US" altLang="ko-KR" sz="9600">
-                <a:solidFill>
-                  <a:schemeClr val="lt1"/>
-                </a:solidFill>
-                <a:latin typeface="BernhardFashion BT"/>
-              </a:rPr>
-              <a:t>WHAT?</a:t>
-            </a:r>
-          </a:p>
-        </p:txBody>
-      </p:sp>
-      <p:sp>
-        <p:nvSpPr>
-          <p:cNvPr id="3" name="TextBox 2"/>
-          <p:cNvSpPr txBox="1"/>
-          <p:nvPr/>
-        </p:nvSpPr>
-        <p:spPr>
-          <a:xfrm>
-            <a:off x="6888098" y="3887343"/>
-            <a:ext cx="4536568" cy="1557908"/>
-          </a:xfrm>
-          <a:prstGeom prst="rect">
-            <a:avLst/>
-          </a:prstGeom>
-        </p:spPr>
-        <p:txBody>
-          <a:bodyPr wrap="square">
-            <a:spAutoFit/>
-          </a:bodyPr>
-          <a:lstStyle/>
-          <a:p>
-            <a:pPr>
-              <a:defRPr/>
-            </a:pPr>
-            <a:r>
-              <a:rPr lang="en-US" altLang="ko-KR" sz="9600">
-                <a:solidFill>
-                  <a:schemeClr val="lt1"/>
-                </a:solidFill>
-                <a:latin typeface="BernhardFashion BT"/>
-              </a:rPr>
-              <a:t>WHY?</a:t>
-            </a:r>
-          </a:p>
-        </p:txBody>
-      </p:sp>
+      </p:pic>
     </p:spTree>
+    <p:extLst>
+      <p:ext uri="{BB962C8B-B14F-4D97-AF65-F5344CB8AC3E}">
+        <p14:creationId xmlns:p14="http://schemas.microsoft.com/office/powerpoint/2010/main" val="3359153168"/>
+      </p:ext>
+    </p:extLst>
   </p:cSld>
   <p:clrMapOvr>
     <a:masterClrMapping/>
@@ -3561,10 +3616,1070 @@
     <mc:Choice Requires="p14">
       <p:transition/>
     </mc:Choice>
-    <mc:Fallback xmlns:dsp="http://schemas.microsoft.com/office/drawing/2008/diagram" xmlns:dgm="http://schemas.openxmlformats.org/drawingml/2006/diagram" xmlns:c="http://schemas.openxmlformats.org/drawingml/2006/chart" xmlns="">
+    <mc:Fallback xmlns="" xmlns:c="http://schemas.openxmlformats.org/drawingml/2006/chart" xmlns:dgm="http://schemas.openxmlformats.org/drawingml/2006/diagram" xmlns:dsp="http://schemas.microsoft.com/office/drawing/2008/diagram">
       <p:transition/>
     </mc:Fallback>
   </mc:AlternateContent>
+</p:sld>
+</file>
+
+<file path=ppt/slides/slide12.xml><?xml version="1.0" encoding="utf-8"?>
+<p:sld xmlns:a="http://schemas.openxmlformats.org/drawingml/2006/main" xmlns:r="http://schemas.openxmlformats.org/officeDocument/2006/relationships" xmlns:p="http://schemas.openxmlformats.org/presentationml/2006/main">
+  <p:cSld>
+    <p:bg>
+      <p:bgPr>
+        <a:solidFill>
+          <a:schemeClr val="tx1"/>
+        </a:solidFill>
+        <a:effectLst/>
+      </p:bgPr>
+    </p:bg>
+    <p:spTree>
+      <p:nvGrpSpPr>
+        <p:cNvPr id="1" name=""/>
+        <p:cNvGrpSpPr/>
+        <p:nvPr/>
+      </p:nvGrpSpPr>
+      <p:grpSpPr>
+        <a:xfrm>
+          <a:off x="0" y="0"/>
+          <a:ext cx="0" cy="0"/>
+          <a:chOff x="0" y="0"/>
+          <a:chExt cx="0" cy="0"/>
+        </a:xfrm>
+      </p:grpSpPr>
+      <p:pic>
+        <p:nvPicPr>
+          <p:cNvPr id="7" name="그림 6" descr="스크린샷이(가) 표시된 사진&#10;&#10;자동 생성된 설명">
+            <a:extLst>
+              <a:ext uri="{FF2B5EF4-FFF2-40B4-BE49-F238E27FC236}">
+                <a16:creationId xmlns:a16="http://schemas.microsoft.com/office/drawing/2014/main" id="{8568E2B6-2EAC-4A28-A9DF-869B9624ACDF}"/>
+              </a:ext>
+            </a:extLst>
+          </p:cNvPr>
+          <p:cNvPicPr>
+            <a:picLocks noChangeAspect="1"/>
+          </p:cNvPicPr>
+          <p:nvPr/>
+        </p:nvPicPr>
+        <p:blipFill>
+          <a:blip r:embed="rId2" cstate="print">
+            <a:extLst>
+              <a:ext uri="{28A0092B-C50C-407E-A947-70E740481C1C}">
+                <a14:useLocalDpi xmlns:a14="http://schemas.microsoft.com/office/drawing/2010/main" val="0"/>
+              </a:ext>
+            </a:extLst>
+          </a:blip>
+          <a:stretch>
+            <a:fillRect/>
+          </a:stretch>
+        </p:blipFill>
+        <p:spPr>
+          <a:xfrm>
+            <a:off x="4427935" y="0"/>
+            <a:ext cx="3336130" cy="6858000"/>
+          </a:xfrm>
+          <a:prstGeom prst="rect">
+            <a:avLst/>
+          </a:prstGeom>
+        </p:spPr>
+      </p:pic>
+    </p:spTree>
+    <p:extLst>
+      <p:ext uri="{BB962C8B-B14F-4D97-AF65-F5344CB8AC3E}">
+        <p14:creationId xmlns:p14="http://schemas.microsoft.com/office/powerpoint/2010/main" val="1799409813"/>
+      </p:ext>
+    </p:extLst>
+  </p:cSld>
+  <p:clrMapOvr>
+    <a:masterClrMapping/>
+  </p:clrMapOvr>
+  <mc:AlternateContent xmlns:mc="http://schemas.openxmlformats.org/markup-compatibility/2006" xmlns:p14="http://schemas.microsoft.com/office/powerpoint/2010/main">
+    <mc:Choice Requires="p14">
+      <p:transition/>
+    </mc:Choice>
+    <mc:Fallback xmlns="" xmlns:c="http://schemas.openxmlformats.org/drawingml/2006/chart" xmlns:dgm="http://schemas.openxmlformats.org/drawingml/2006/diagram" xmlns:dsp="http://schemas.microsoft.com/office/drawing/2008/diagram">
+      <p:transition/>
+    </mc:Fallback>
+  </mc:AlternateContent>
+</p:sld>
+</file>
+
+<file path=ppt/slides/slide13.xml><?xml version="1.0" encoding="utf-8"?>
+<p:sld xmlns:r="http://schemas.openxmlformats.org/officeDocument/2006/relationships" xmlns:c="http://schemas.openxmlformats.org/drawingml/2006/chart" xmlns:a="http://schemas.openxmlformats.org/drawingml/2006/main" xmlns:dgm="http://schemas.openxmlformats.org/drawingml/2006/diagram" xmlns:dsp="http://schemas.microsoft.com/office/drawing/2008/diagram" xmlns:p="http://schemas.openxmlformats.org/presentationml/2006/main">
+  <p:cSld>
+    <p:bg>
+      <p:bgPr shadeToTitle="0">
+        <a:solidFill>
+          <a:schemeClr val="dk1"/>
+        </a:solidFill>
+      </p:bgPr>
+    </p:bg>
+    <p:spTree>
+      <p:nvGrpSpPr>
+        <p:cNvPr id="1" name=""/>
+        <p:cNvGrpSpPr/>
+        <p:nvPr/>
+      </p:nvGrpSpPr>
+      <p:grpSpPr>
+        <a:xfrm>
+          <a:off x="0" y="0"/>
+          <a:ext cx="0" cy="0"/>
+          <a:chOff x="0" y="0"/>
+          <a:chExt cx="0" cy="0"/>
+        </a:xfrm>
+      </p:grpSpPr>
+      <p:sp>
+        <p:nvSpPr>
+          <p:cNvPr id="2" name="TextBox 1"/>
+          <p:cNvSpPr txBox="1"/>
+          <p:nvPr/>
+        </p:nvSpPr>
+        <p:spPr>
+          <a:xfrm>
+            <a:off x="2531505" y="2650183"/>
+            <a:ext cx="7128990" cy="1557962"/>
+          </a:xfrm>
+          <a:prstGeom prst="rect">
+            <a:avLst/>
+          </a:prstGeom>
+        </p:spPr>
+        <p:txBody>
+          <a:bodyPr wrap="square">
+            <a:spAutoFit/>
+          </a:bodyPr>
+          <a:lstStyle/>
+          <a:p>
+            <a:pPr>
+              <a:defRPr/>
+            </a:pPr>
+            <a:r>
+              <a:rPr lang="ko-KR" altLang="en-US" sz="9600">
+                <a:solidFill>
+                  <a:schemeClr val="lt1"/>
+                </a:solidFill>
+                <a:latin typeface="양진체 "/>
+                <a:ea typeface="양진체 "/>
+              </a:rPr>
+              <a:t>어플 시연 영상</a:t>
+            </a:r>
+            <a:endParaRPr lang="ko-KR" altLang="en-US" sz="9600">
+              <a:solidFill>
+                <a:schemeClr val="lt1"/>
+              </a:solidFill>
+              <a:latin typeface="양진체 "/>
+              <a:ea typeface="양진체 "/>
+            </a:endParaRPr>
+          </a:p>
+        </p:txBody>
+      </p:sp>
+    </p:spTree>
+  </p:cSld>
+  <p:clrMapOvr>
+    <a:masterClrMapping/>
+  </p:clrMapOvr>
+  <mc:AlternateContent xmlns:mc="http://schemas.openxmlformats.org/markup-compatibility/2006">
+    <mc:Choice xmlns:p14="http://schemas.microsoft.com/office/powerpoint/2010/main" Requires="p14">
+      <p:transition xmlns:mc="http://schemas.openxmlformats.org/markup-compatibility/2006" xmlns:p14="http://schemas.microsoft.com/office/powerpoint/2010/main" mc:Ignorable="p14" p14:dur="500"/>
+    </mc:Choice>
+    <mc:Fallback>
+      <p:transition/>
+    </mc:Fallback>
+  </mc:AlternateContent>
+  <p:timing>
+    <p:tnLst>
+      <p:par>
+        <p:cTn id="1" dur="indefinite" restart="never" nodeType="tmRoot"/>
+      </p:par>
+    </p:tnLst>
+  </p:timing>
+</p:sld>
+</file>
+
+<file path=ppt/slides/slide14.xml><?xml version="1.0" encoding="utf-8"?>
+<p:sld xmlns:r="http://schemas.openxmlformats.org/officeDocument/2006/relationships" xmlns:c="http://schemas.openxmlformats.org/drawingml/2006/chart" xmlns:a="http://schemas.openxmlformats.org/drawingml/2006/main" xmlns:dgm="http://schemas.openxmlformats.org/drawingml/2006/diagram" xmlns:dsp="http://schemas.microsoft.com/office/drawing/2008/diagram" xmlns:p="http://schemas.openxmlformats.org/presentationml/2006/main">
+  <p:cSld>
+    <p:bg>
+      <p:bgPr shadeToTitle="0">
+        <a:solidFill>
+          <a:schemeClr val="dk1"/>
+        </a:solidFill>
+      </p:bgPr>
+    </p:bg>
+    <p:spTree>
+      <p:nvGrpSpPr>
+        <p:cNvPr id="1" name=""/>
+        <p:cNvGrpSpPr/>
+        <p:nvPr/>
+      </p:nvGrpSpPr>
+      <p:grpSpPr>
+        <a:xfrm>
+          <a:off x="0" y="0"/>
+          <a:ext cx="0" cy="0"/>
+          <a:chOff x="0" y="0"/>
+          <a:chExt cx="0" cy="0"/>
+        </a:xfrm>
+      </p:grpSpPr>
+      <p:sp>
+        <p:nvSpPr>
+          <p:cNvPr id="2" name="TextBox 1"/>
+          <p:cNvSpPr txBox="1"/>
+          <p:nvPr/>
+        </p:nvSpPr>
+        <p:spPr>
+          <a:xfrm>
+            <a:off x="2567547" y="2469632"/>
+            <a:ext cx="7056905" cy="1919488"/>
+          </a:xfrm>
+          <a:prstGeom prst="rect">
+            <a:avLst/>
+          </a:prstGeom>
+        </p:spPr>
+        <p:txBody>
+          <a:bodyPr wrap="square">
+            <a:spAutoFit/>
+          </a:bodyPr>
+          <a:lstStyle/>
+          <a:p>
+            <a:pPr>
+              <a:defRPr/>
+            </a:pPr>
+            <a:r>
+              <a:rPr lang="ko-KR" altLang="en-US" sz="12000">
+                <a:solidFill>
+                  <a:schemeClr val="lt1"/>
+                </a:solidFill>
+                <a:latin typeface="양진체 "/>
+                <a:ea typeface="양진체 "/>
+              </a:rPr>
+              <a:t>감사합니다</a:t>
+            </a:r>
+            <a:endParaRPr lang="ko-KR" altLang="en-US" sz="12000">
+              <a:solidFill>
+                <a:schemeClr val="lt1"/>
+              </a:solidFill>
+              <a:latin typeface="양진체 "/>
+              <a:ea typeface="양진체 "/>
+            </a:endParaRPr>
+          </a:p>
+        </p:txBody>
+      </p:sp>
+    </p:spTree>
+  </p:cSld>
+  <p:clrMapOvr>
+    <a:masterClrMapping/>
+  </p:clrMapOvr>
+  <mc:AlternateContent xmlns:mc="http://schemas.openxmlformats.org/markup-compatibility/2006">
+    <mc:Choice xmlns:p14="http://schemas.microsoft.com/office/powerpoint/2010/main" Requires="p14">
+      <p:transition xmlns:mc="http://schemas.openxmlformats.org/markup-compatibility/2006" xmlns:p14="http://schemas.microsoft.com/office/powerpoint/2010/main" mc:Ignorable="p14" p14:dur="500"/>
+    </mc:Choice>
+    <mc:Fallback>
+      <p:transition/>
+    </mc:Fallback>
+  </mc:AlternateContent>
+  <p:timing>
+    <p:tnLst>
+      <p:par>
+        <p:cTn id="1" dur="indefinite" restart="never" nodeType="tmRoot"/>
+      </p:par>
+    </p:tnLst>
+  </p:timing>
+</p:sld>
+</file>
+
+<file path=ppt/slides/slide2.xml><?xml version="1.0" encoding="utf-8"?>
+<p:sld xmlns:r="http://schemas.openxmlformats.org/officeDocument/2006/relationships" xmlns:c="http://schemas.openxmlformats.org/drawingml/2006/chart" xmlns:a="http://schemas.openxmlformats.org/drawingml/2006/main" xmlns:dgm="http://schemas.openxmlformats.org/drawingml/2006/diagram" xmlns:dsp="http://schemas.microsoft.com/office/drawing/2008/diagram" xmlns:p="http://schemas.openxmlformats.org/presentationml/2006/main">
+  <p:cSld>
+    <p:bg>
+      <p:bgPr shadeToTitle="0">
+        <a:solidFill>
+          <a:schemeClr val="dk1"/>
+        </a:solidFill>
+      </p:bgPr>
+    </p:bg>
+    <p:spTree>
+      <p:nvGrpSpPr>
+        <p:cNvPr id="1" name=""/>
+        <p:cNvGrpSpPr/>
+        <p:nvPr/>
+      </p:nvGrpSpPr>
+      <p:grpSpPr>
+        <a:xfrm>
+          <a:off x="0" y="0"/>
+          <a:ext cx="0" cy="0"/>
+          <a:chOff x="0" y="0"/>
+          <a:chExt cx="0" cy="0"/>
+        </a:xfrm>
+      </p:grpSpPr>
+      <p:sp>
+        <p:nvSpPr>
+          <p:cNvPr id="2" name="TextBox 1"/>
+          <p:cNvSpPr txBox="1"/>
+          <p:nvPr/>
+        </p:nvSpPr>
+        <p:spPr>
+          <a:xfrm>
+            <a:off x="407285" y="404580"/>
+            <a:ext cx="4896605" cy="1555665"/>
+          </a:xfrm>
+          <a:prstGeom prst="rect">
+            <a:avLst/>
+          </a:prstGeom>
+        </p:spPr>
+        <p:txBody>
+          <a:bodyPr wrap="square">
+            <a:spAutoFit/>
+          </a:bodyPr>
+          <a:lstStyle/>
+          <a:p>
+            <a:pPr>
+              <a:defRPr/>
+            </a:pPr>
+            <a:r>
+              <a:rPr lang="ko-KR" altLang="en-US" sz="9600">
+                <a:solidFill>
+                  <a:schemeClr val="lt1"/>
+                </a:solidFill>
+                <a:latin typeface="양진체 "/>
+                <a:ea typeface="양진체 "/>
+              </a:rPr>
+              <a:t>어플 소개</a:t>
+            </a:r>
+            <a:endParaRPr lang="en-US" altLang="ko-KR" sz="9600">
+              <a:solidFill>
+                <a:schemeClr val="lt1"/>
+              </a:solidFill>
+              <a:latin typeface="양진체 "/>
+            </a:endParaRPr>
+          </a:p>
+        </p:txBody>
+      </p:sp>
+      <p:sp>
+        <p:nvSpPr>
+          <p:cNvPr id="3" name="TextBox 2"/>
+          <p:cNvSpPr txBox="1"/>
+          <p:nvPr/>
+        </p:nvSpPr>
+        <p:spPr>
+          <a:xfrm>
+            <a:off x="2423490" y="3429000"/>
+            <a:ext cx="9768510" cy="2827020"/>
+          </a:xfrm>
+          <a:prstGeom prst="rect">
+            <a:avLst/>
+          </a:prstGeom>
+        </p:spPr>
+        <p:txBody>
+          <a:bodyPr wrap="square">
+            <a:spAutoFit/>
+          </a:bodyPr>
+          <a:lstStyle/>
+          <a:p>
+            <a:pPr>
+              <a:defRPr/>
+            </a:pPr>
+            <a:r>
+              <a:rPr lang="en-US" altLang="ko-KR" sz="3600">
+                <a:solidFill>
+                  <a:schemeClr val="lt1"/>
+                </a:solidFill>
+                <a:latin typeface="양진체 "/>
+                <a:ea typeface="양진체 "/>
+              </a:rPr>
+              <a:t>1. </a:t>
+            </a:r>
+            <a:r>
+              <a:rPr lang="ko-KR" altLang="en-US" sz="3600">
+                <a:solidFill>
+                  <a:schemeClr val="lt1"/>
+                </a:solidFill>
+                <a:latin typeface="양진체 "/>
+                <a:ea typeface="양진체 "/>
+              </a:rPr>
+              <a:t>매장 테이블에 붙여진 </a:t>
+            </a:r>
+            <a:r>
+              <a:rPr lang="en-US" altLang="ko-KR" sz="3600">
+                <a:solidFill>
+                  <a:schemeClr val="lt1"/>
+                </a:solidFill>
+                <a:latin typeface="양진체 "/>
+                <a:ea typeface="양진체 "/>
+              </a:rPr>
+              <a:t>QR</a:t>
+            </a:r>
+            <a:r>
+              <a:rPr lang="ko-KR" altLang="en-US" sz="3600">
+                <a:solidFill>
+                  <a:schemeClr val="lt1"/>
+                </a:solidFill>
+                <a:latin typeface="양진체 "/>
+                <a:ea typeface="양진체 "/>
+              </a:rPr>
+              <a:t>코드를 스캔</a:t>
+            </a:r>
+            <a:endParaRPr lang="ko-KR" altLang="en-US" sz="3600">
+              <a:solidFill>
+                <a:schemeClr val="lt1"/>
+              </a:solidFill>
+              <a:latin typeface="양진체 "/>
+              <a:ea typeface="양진체 "/>
+            </a:endParaRPr>
+          </a:p>
+          <a:p>
+            <a:pPr>
+              <a:defRPr/>
+            </a:pPr>
+            <a:endParaRPr lang="ko-KR" altLang="en-US" sz="3600">
+              <a:solidFill>
+                <a:schemeClr val="lt1"/>
+              </a:solidFill>
+              <a:latin typeface="양진체 "/>
+              <a:ea typeface="양진체 "/>
+            </a:endParaRPr>
+          </a:p>
+          <a:p>
+            <a:pPr>
+              <a:defRPr/>
+            </a:pPr>
+            <a:r>
+              <a:rPr lang="en-US" altLang="ko-KR" sz="3600">
+                <a:solidFill>
+                  <a:schemeClr val="lt1"/>
+                </a:solidFill>
+                <a:latin typeface="양진체 "/>
+                <a:ea typeface="양진체 "/>
+              </a:rPr>
+              <a:t>2.</a:t>
+            </a:r>
+            <a:r>
+              <a:rPr lang="ko-KR" altLang="en-US" sz="3600">
+                <a:solidFill>
+                  <a:schemeClr val="lt1"/>
+                </a:solidFill>
+                <a:latin typeface="양진체 "/>
+                <a:ea typeface="양진체 "/>
+              </a:rPr>
+              <a:t> 주문 페이지에서 주문메뉴의 수량을 선택 후 주문</a:t>
+            </a:r>
+            <a:endParaRPr lang="ko-KR" altLang="en-US" sz="3600">
+              <a:solidFill>
+                <a:schemeClr val="lt1"/>
+              </a:solidFill>
+              <a:latin typeface="양진체 "/>
+              <a:ea typeface="양진체 "/>
+            </a:endParaRPr>
+          </a:p>
+          <a:p>
+            <a:pPr>
+              <a:defRPr/>
+            </a:pPr>
+            <a:endParaRPr lang="ko-KR" altLang="en-US" sz="3600">
+              <a:solidFill>
+                <a:schemeClr val="lt1"/>
+              </a:solidFill>
+              <a:latin typeface="양진체 "/>
+              <a:ea typeface="양진체 "/>
+            </a:endParaRPr>
+          </a:p>
+          <a:p>
+            <a:pPr>
+              <a:defRPr/>
+            </a:pPr>
+            <a:r>
+              <a:rPr lang="en-US" altLang="ko-KR" sz="3600">
+                <a:solidFill>
+                  <a:schemeClr val="lt1"/>
+                </a:solidFill>
+                <a:latin typeface="양진체 "/>
+                <a:ea typeface="양진체 "/>
+              </a:rPr>
+              <a:t>3. </a:t>
+            </a:r>
+            <a:r>
+              <a:rPr lang="ko-KR" altLang="en-US" sz="3600">
+                <a:solidFill>
+                  <a:schemeClr val="lt1"/>
+                </a:solidFill>
+                <a:latin typeface="양진체 "/>
+                <a:ea typeface="양진체 "/>
+              </a:rPr>
+              <a:t>현재까지 주문현황 확인</a:t>
+            </a:r>
+            <a:r>
+              <a:rPr lang="en-US" altLang="ko-KR" sz="3600">
+                <a:solidFill>
+                  <a:schemeClr val="lt1"/>
+                </a:solidFill>
+                <a:latin typeface="양진체 "/>
+                <a:ea typeface="양진체 "/>
+              </a:rPr>
+              <a:t>,</a:t>
+            </a:r>
+            <a:r>
+              <a:rPr lang="ko-KR" altLang="en-US" sz="3600">
+                <a:solidFill>
+                  <a:schemeClr val="lt1"/>
+                </a:solidFill>
+                <a:latin typeface="양진체 "/>
+                <a:ea typeface="양진체 "/>
+              </a:rPr>
+              <a:t> 추가주문 및 결제 </a:t>
+            </a:r>
+            <a:endParaRPr lang="ko-KR" altLang="en-US" sz="3600">
+              <a:solidFill>
+                <a:schemeClr val="lt1"/>
+              </a:solidFill>
+              <a:latin typeface="양진체 "/>
+              <a:ea typeface="양진체 "/>
+            </a:endParaRPr>
+          </a:p>
+        </p:txBody>
+      </p:sp>
+      <p:sp>
+        <p:nvSpPr>
+          <p:cNvPr id="4" name="TextBox 2"/>
+          <p:cNvSpPr txBox="1"/>
+          <p:nvPr/>
+        </p:nvSpPr>
+        <p:spPr>
+          <a:xfrm>
+            <a:off x="1775475" y="1960245"/>
+            <a:ext cx="3528415" cy="819859"/>
+          </a:xfrm>
+          <a:prstGeom prst="rect">
+            <a:avLst/>
+          </a:prstGeom>
+        </p:spPr>
+        <p:txBody>
+          <a:bodyPr wrap="square">
+            <a:spAutoFit/>
+          </a:bodyPr>
+          <a:lstStyle/>
+          <a:p>
+            <a:pPr>
+              <a:defRPr/>
+            </a:pPr>
+            <a:r>
+              <a:rPr lang="ko-KR" altLang="en-US" sz="4800">
+                <a:solidFill>
+                  <a:schemeClr val="lt1"/>
+                </a:solidFill>
+                <a:latin typeface="양진체 "/>
+                <a:ea typeface="양진체 "/>
+              </a:rPr>
+              <a:t>  </a:t>
+            </a:r>
+            <a:r>
+              <a:rPr lang="en-US" altLang="ko-KR" sz="4800">
+                <a:solidFill>
+                  <a:schemeClr val="lt1"/>
+                </a:solidFill>
+                <a:latin typeface="양진체 "/>
+                <a:ea typeface="양진체 "/>
+              </a:rPr>
+              <a:t>ORDERED</a:t>
+            </a:r>
+            <a:endParaRPr lang="en-US" altLang="ko-KR" sz="4800">
+              <a:solidFill>
+                <a:schemeClr val="lt1"/>
+              </a:solidFill>
+              <a:latin typeface="양진체 "/>
+              <a:ea typeface="양진체 "/>
+            </a:endParaRPr>
+          </a:p>
+        </p:txBody>
+      </p:sp>
+    </p:spTree>
+  </p:cSld>
+  <p:clrMapOvr>
+    <a:masterClrMapping/>
+  </p:clrMapOvr>
+  <mc:AlternateContent xmlns:mc="http://schemas.openxmlformats.org/markup-compatibility/2006">
+    <mc:Choice xmlns:p14="http://schemas.microsoft.com/office/powerpoint/2010/main" Requires="p14">
+      <p:transition xmlns:mc="http://schemas.openxmlformats.org/markup-compatibility/2006" xmlns:p14="http://schemas.microsoft.com/office/powerpoint/2010/main" mc:Ignorable="p14" p14:dur="500"/>
+    </mc:Choice>
+    <mc:Fallback>
+      <p:transition/>
+    </mc:Fallback>
+  </mc:AlternateContent>
+  <p:timing>
+    <p:tnLst>
+      <p:par>
+        <p:cTn id="1" dur="indefinite" restart="never" nodeType="tmRoot">
+          <p:childTnLst>
+            <p:seq concurrent="1" nextAc="seek">
+              <p:cTn id="2" dur="indefinite" nodeType="mainSeq">
+                <p:childTnLst>
+                  <p:par>
+                    <p:cTn id="3" fill="hold">
+                      <p:stCondLst>
+                        <p:cond delay="indefinite"/>
+                      </p:stCondLst>
+                      <p:childTnLst>
+                        <p:par>
+                          <p:cTn id="4" fill="hold">
+                            <p:stCondLst>
+                              <p:cond delay="0"/>
+                            </p:stCondLst>
+                            <p:childTnLst>
+                              <p:par>
+                                <p:cTn id="5" presetID="42" presetClass="entr" presetSubtype="0" fill="hold" grpId="0" nodeType="clickEffect">
+                                  <p:stCondLst>
+                                    <p:cond delay="0"/>
+                                  </p:stCondLst>
+                                  <p:childTnLst>
+                                    <p:set>
+                                      <p:cBhvr>
+                                        <p:cTn id="6" dur="1" fill="hold">
+                                          <p:stCondLst>
+                                            <p:cond delay="0"/>
+                                          </p:stCondLst>
+                                        </p:cTn>
+                                        <p:tgtEl>
+                                          <p:spTgt spid="4"/>
+                                        </p:tgtEl>
+                                        <p:attrNameLst>
+                                          <p:attrName>style.visibility</p:attrName>
+                                        </p:attrNameLst>
+                                      </p:cBhvr>
+                                      <p:to>
+                                        <p:strVal val="visible"/>
+                                      </p:to>
+                                    </p:set>
+                                    <p:animEffect transition="in" filter="fade">
+                                      <p:cBhvr>
+                                        <p:cTn id="7" dur="1000"/>
+                                        <p:tgtEl>
+                                          <p:spTgt spid="4"/>
+                                        </p:tgtEl>
+                                      </p:cBhvr>
+                                    </p:animEffect>
+                                    <p:anim calcmode="lin" valueType="num">
+                                      <p:cBhvr>
+                                        <p:cTn id="8" dur="1000" fill="hold"/>
+                                        <p:tgtEl>
+                                          <p:spTgt spid="4"/>
+                                        </p:tgtEl>
+                                        <p:attrNameLst>
+                                          <p:attrName>ppt_x</p:attrName>
+                                        </p:attrNameLst>
+                                      </p:cBhvr>
+                                      <p:tavLst>
+                                        <p:tav tm="0">
+                                          <p:val>
+                                            <p:strVal val="#ppt_x"/>
+                                          </p:val>
+                                        </p:tav>
+                                        <p:tav tm="100000">
+                                          <p:val>
+                                            <p:strVal val="#ppt_x"/>
+                                          </p:val>
+                                        </p:tav>
+                                      </p:tavLst>
+                                    </p:anim>
+                                    <p:anim calcmode="lin" valueType="num">
+                                      <p:cBhvr>
+                                        <p:cTn id="9" dur="1000" fill="hold"/>
+                                        <p:tgtEl>
+                                          <p:spTgt spid="4"/>
+                                        </p:tgtEl>
+                                        <p:attrNameLst>
+                                          <p:attrName>ppt_y</p:attrName>
+                                        </p:attrNameLst>
+                                      </p:cBhvr>
+                                      <p:tavLst>
+                                        <p:tav tm="0">
+                                          <p:val>
+                                            <p:strVal val="#ppt_y+.1"/>
+                                          </p:val>
+                                        </p:tav>
+                                        <p:tav tm="100000">
+                                          <p:val>
+                                            <p:strVal val="#ppt_y"/>
+                                          </p:val>
+                                        </p:tav>
+                                      </p:tavLst>
+                                    </p:anim>
+                                  </p:childTnLst>
+                                </p:cTn>
+                              </p:par>
+                            </p:childTnLst>
+                          </p:cTn>
+                        </p:par>
+                      </p:childTnLst>
+                    </p:cTn>
+                  </p:par>
+                  <p:par>
+                    <p:cTn id="10" fill="hold">
+                      <p:stCondLst>
+                        <p:cond delay="indefinite"/>
+                      </p:stCondLst>
+                      <p:childTnLst>
+                        <p:par>
+                          <p:cTn id="11" fill="hold">
+                            <p:stCondLst>
+                              <p:cond delay="0"/>
+                            </p:stCondLst>
+                            <p:childTnLst>
+                              <p:par>
+                                <p:cTn id="12" presetID="42" presetClass="entr" presetSubtype="0" fill="hold" nodeType="clickEffect">
+                                  <p:stCondLst>
+                                    <p:cond delay="0"/>
+                                  </p:stCondLst>
+                                  <p:childTnLst>
+                                    <p:set>
+                                      <p:cBhvr>
+                                        <p:cTn id="13" dur="1" fill="hold">
+                                          <p:stCondLst>
+                                            <p:cond delay="0"/>
+                                          </p:stCondLst>
+                                        </p:cTn>
+                                        <p:tgtEl>
+                                          <p:spTgt spid="3">
+                                            <p:txEl>
+                                              <p:pRg st="0" end="0"/>
+                                            </p:txEl>
+                                          </p:spTgt>
+                                        </p:tgtEl>
+                                        <p:attrNameLst>
+                                          <p:attrName>style.visibility</p:attrName>
+                                        </p:attrNameLst>
+                                      </p:cBhvr>
+                                      <p:to>
+                                        <p:strVal val="visible"/>
+                                      </p:to>
+                                    </p:set>
+                                    <p:animEffect transition="in" filter="fade">
+                                      <p:cBhvr>
+                                        <p:cTn id="14" dur="1000"/>
+                                        <p:tgtEl>
+                                          <p:spTgt spid="3">
+                                            <p:txEl>
+                                              <p:pRg st="0" end="0"/>
+                                            </p:txEl>
+                                          </p:spTgt>
+                                        </p:tgtEl>
+                                      </p:cBhvr>
+                                    </p:animEffect>
+                                    <p:anim calcmode="lin" valueType="num">
+                                      <p:cBhvr>
+                                        <p:cTn id="15" dur="1000" fill="hold"/>
+                                        <p:tgtEl>
+                                          <p:spTgt spid="3">
+                                            <p:txEl>
+                                              <p:pRg st="0" end="0"/>
+                                            </p:txEl>
+                                          </p:spTgt>
+                                        </p:tgtEl>
+                                        <p:attrNameLst>
+                                          <p:attrName>ppt_x</p:attrName>
+                                        </p:attrNameLst>
+                                      </p:cBhvr>
+                                      <p:tavLst>
+                                        <p:tav tm="0">
+                                          <p:val>
+                                            <p:strVal val="#ppt_x"/>
+                                          </p:val>
+                                        </p:tav>
+                                        <p:tav tm="100000">
+                                          <p:val>
+                                            <p:strVal val="#ppt_x"/>
+                                          </p:val>
+                                        </p:tav>
+                                      </p:tavLst>
+                                    </p:anim>
+                                    <p:anim calcmode="lin" valueType="num">
+                                      <p:cBhvr>
+                                        <p:cTn id="16" dur="1000" fill="hold"/>
+                                        <p:tgtEl>
+                                          <p:spTgt spid="3">
+                                            <p:txEl>
+                                              <p:pRg st="0" end="0"/>
+                                            </p:txEl>
+                                          </p:spTgt>
+                                        </p:tgtEl>
+                                        <p:attrNameLst>
+                                          <p:attrName>ppt_y</p:attrName>
+                                        </p:attrNameLst>
+                                      </p:cBhvr>
+                                      <p:tavLst>
+                                        <p:tav tm="0">
+                                          <p:val>
+                                            <p:strVal val="#ppt_y+.1"/>
+                                          </p:val>
+                                        </p:tav>
+                                        <p:tav tm="100000">
+                                          <p:val>
+                                            <p:strVal val="#ppt_y"/>
+                                          </p:val>
+                                        </p:tav>
+                                      </p:tavLst>
+                                    </p:anim>
+                                  </p:childTnLst>
+                                </p:cTn>
+                              </p:par>
+                            </p:childTnLst>
+                          </p:cTn>
+                        </p:par>
+                      </p:childTnLst>
+                    </p:cTn>
+                  </p:par>
+                  <p:par>
+                    <p:cTn id="17" fill="hold">
+                      <p:stCondLst>
+                        <p:cond delay="indefinite"/>
+                      </p:stCondLst>
+                      <p:childTnLst>
+                        <p:par>
+                          <p:cTn id="18" fill="hold">
+                            <p:stCondLst>
+                              <p:cond delay="0"/>
+                            </p:stCondLst>
+                            <p:childTnLst>
+                              <p:par>
+                                <p:cTn id="19" presetID="42" presetClass="entr" presetSubtype="0" fill="hold" nodeType="clickEffect">
+                                  <p:stCondLst>
+                                    <p:cond delay="0"/>
+                                  </p:stCondLst>
+                                  <p:childTnLst>
+                                    <p:set>
+                                      <p:cBhvr>
+                                        <p:cTn id="20" dur="1" fill="hold">
+                                          <p:stCondLst>
+                                            <p:cond delay="0"/>
+                                          </p:stCondLst>
+                                        </p:cTn>
+                                        <p:tgtEl>
+                                          <p:spTgt spid="3">
+                                            <p:txEl>
+                                              <p:pRg st="2" end="2"/>
+                                            </p:txEl>
+                                          </p:spTgt>
+                                        </p:tgtEl>
+                                        <p:attrNameLst>
+                                          <p:attrName>style.visibility</p:attrName>
+                                        </p:attrNameLst>
+                                      </p:cBhvr>
+                                      <p:to>
+                                        <p:strVal val="visible"/>
+                                      </p:to>
+                                    </p:set>
+                                    <p:animEffect transition="in" filter="fade">
+                                      <p:cBhvr>
+                                        <p:cTn id="21" dur="1000"/>
+                                        <p:tgtEl>
+                                          <p:spTgt spid="3">
+                                            <p:txEl>
+                                              <p:pRg st="2" end="2"/>
+                                            </p:txEl>
+                                          </p:spTgt>
+                                        </p:tgtEl>
+                                      </p:cBhvr>
+                                    </p:animEffect>
+                                    <p:anim calcmode="lin" valueType="num">
+                                      <p:cBhvr>
+                                        <p:cTn id="22" dur="1000" fill="hold"/>
+                                        <p:tgtEl>
+                                          <p:spTgt spid="3">
+                                            <p:txEl>
+                                              <p:pRg st="2" end="2"/>
+                                            </p:txEl>
+                                          </p:spTgt>
+                                        </p:tgtEl>
+                                        <p:attrNameLst>
+                                          <p:attrName>ppt_x</p:attrName>
+                                        </p:attrNameLst>
+                                      </p:cBhvr>
+                                      <p:tavLst>
+                                        <p:tav tm="0">
+                                          <p:val>
+                                            <p:strVal val="#ppt_x"/>
+                                          </p:val>
+                                        </p:tav>
+                                        <p:tav tm="100000">
+                                          <p:val>
+                                            <p:strVal val="#ppt_x"/>
+                                          </p:val>
+                                        </p:tav>
+                                      </p:tavLst>
+                                    </p:anim>
+                                    <p:anim calcmode="lin" valueType="num">
+                                      <p:cBhvr>
+                                        <p:cTn id="23" dur="1000" fill="hold"/>
+                                        <p:tgtEl>
+                                          <p:spTgt spid="3">
+                                            <p:txEl>
+                                              <p:pRg st="2" end="2"/>
+                                            </p:txEl>
+                                          </p:spTgt>
+                                        </p:tgtEl>
+                                        <p:attrNameLst>
+                                          <p:attrName>ppt_y</p:attrName>
+                                        </p:attrNameLst>
+                                      </p:cBhvr>
+                                      <p:tavLst>
+                                        <p:tav tm="0">
+                                          <p:val>
+                                            <p:strVal val="#ppt_y+.1"/>
+                                          </p:val>
+                                        </p:tav>
+                                        <p:tav tm="100000">
+                                          <p:val>
+                                            <p:strVal val="#ppt_y"/>
+                                          </p:val>
+                                        </p:tav>
+                                      </p:tavLst>
+                                    </p:anim>
+                                  </p:childTnLst>
+                                </p:cTn>
+                              </p:par>
+                            </p:childTnLst>
+                          </p:cTn>
+                        </p:par>
+                      </p:childTnLst>
+                    </p:cTn>
+                  </p:par>
+                  <p:par>
+                    <p:cTn id="24" fill="hold">
+                      <p:stCondLst>
+                        <p:cond delay="indefinite"/>
+                      </p:stCondLst>
+                      <p:childTnLst>
+                        <p:par>
+                          <p:cTn id="25" fill="hold">
+                            <p:stCondLst>
+                              <p:cond delay="0"/>
+                            </p:stCondLst>
+                            <p:childTnLst>
+                              <p:par>
+                                <p:cTn id="26" presetID="42" presetClass="entr" presetSubtype="0" fill="hold" nodeType="clickEffect">
+                                  <p:stCondLst>
+                                    <p:cond delay="0"/>
+                                  </p:stCondLst>
+                                  <p:childTnLst>
+                                    <p:set>
+                                      <p:cBhvr>
+                                        <p:cTn id="27" dur="1" fill="hold">
+                                          <p:stCondLst>
+                                            <p:cond delay="0"/>
+                                          </p:stCondLst>
+                                        </p:cTn>
+                                        <p:tgtEl>
+                                          <p:spTgt spid="3">
+                                            <p:txEl>
+                                              <p:pRg st="4" end="4"/>
+                                            </p:txEl>
+                                          </p:spTgt>
+                                        </p:tgtEl>
+                                        <p:attrNameLst>
+                                          <p:attrName>style.visibility</p:attrName>
+                                        </p:attrNameLst>
+                                      </p:cBhvr>
+                                      <p:to>
+                                        <p:strVal val="visible"/>
+                                      </p:to>
+                                    </p:set>
+                                    <p:animEffect transition="in" filter="fade">
+                                      <p:cBhvr>
+                                        <p:cTn id="28" dur="1000"/>
+                                        <p:tgtEl>
+                                          <p:spTgt spid="3">
+                                            <p:txEl>
+                                              <p:pRg st="4" end="4"/>
+                                            </p:txEl>
+                                          </p:spTgt>
+                                        </p:tgtEl>
+                                      </p:cBhvr>
+                                    </p:animEffect>
+                                    <p:anim calcmode="lin" valueType="num">
+                                      <p:cBhvr>
+                                        <p:cTn id="29" dur="1000" fill="hold"/>
+                                        <p:tgtEl>
+                                          <p:spTgt spid="3">
+                                            <p:txEl>
+                                              <p:pRg st="4" end="4"/>
+                                            </p:txEl>
+                                          </p:spTgt>
+                                        </p:tgtEl>
+                                        <p:attrNameLst>
+                                          <p:attrName>ppt_x</p:attrName>
+                                        </p:attrNameLst>
+                                      </p:cBhvr>
+                                      <p:tavLst>
+                                        <p:tav tm="0">
+                                          <p:val>
+                                            <p:strVal val="#ppt_x"/>
+                                          </p:val>
+                                        </p:tav>
+                                        <p:tav tm="100000">
+                                          <p:val>
+                                            <p:strVal val="#ppt_x"/>
+                                          </p:val>
+                                        </p:tav>
+                                      </p:tavLst>
+                                    </p:anim>
+                                    <p:anim calcmode="lin" valueType="num">
+                                      <p:cBhvr>
+                                        <p:cTn id="30" dur="1000" fill="hold"/>
+                                        <p:tgtEl>
+                                          <p:spTgt spid="3">
+                                            <p:txEl>
+                                              <p:pRg st="4" end="4"/>
+                                            </p:txEl>
+                                          </p:spTgt>
+                                        </p:tgtEl>
+                                        <p:attrNameLst>
+                                          <p:attrName>ppt_y</p:attrName>
+                                        </p:attrNameLst>
+                                      </p:cBhvr>
+                                      <p:tavLst>
+                                        <p:tav tm="0">
+                                          <p:val>
+                                            <p:strVal val="#ppt_y+.1"/>
+                                          </p:val>
+                                        </p:tav>
+                                        <p:tav tm="100000">
+                                          <p:val>
+                                            <p:strVal val="#ppt_y"/>
+                                          </p:val>
+                                        </p:tav>
+                                      </p:tavLst>
+                                    </p:anim>
+                                  </p:childTnLst>
+                                </p:cTn>
+                              </p:par>
+                            </p:childTnLst>
+                          </p:cTn>
+                        </p:par>
+                      </p:childTnLst>
+                    </p:cTn>
+                  </p:par>
+                </p:childTnLst>
+              </p:cTn>
+              <p:prevCondLst>
+                <p:cond evt="onPrev" delay="0">
+                  <p:tgtEl>
+                    <p:sldTgt/>
+                  </p:tgtEl>
+                </p:cond>
+              </p:prevCondLst>
+              <p:nextCondLst>
+                <p:cond evt="onNext" delay="0">
+                  <p:tgtEl>
+                    <p:sldTgt/>
+                  </p:tgtEl>
+                </p:cond>
+              </p:nextCondLst>
+            </p:seq>
+          </p:childTnLst>
+        </p:cTn>
+      </p:par>
+    </p:tnLst>
+    <p:bldLst>
+      <p:bldP spid="4" grpId="0" animBg="1"/>
+    </p:bldLst>
+  </p:timing>
 </p:sld>
 </file>
 
@@ -3600,8 +4715,8 @@
         </p:nvSpPr>
         <p:spPr>
           <a:xfrm>
-            <a:off x="1199320" y="1139544"/>
-            <a:ext cx="8641200" cy="3840126"/>
+            <a:off x="263190" y="260560"/>
+            <a:ext cx="8641200" cy="1185335"/>
           </a:xfrm>
           <a:prstGeom prst="rect">
             <a:avLst/>
@@ -3618,123 +4733,171 @@
               <a:defRPr/>
             </a:pPr>
             <a:r>
-              <a:rPr lang="ko-KR" altLang="en-US" sz="4000">
+              <a:rPr lang="en-US" altLang="ko-KR" sz="5400">
                 <a:solidFill>
                   <a:schemeClr val="bg1"/>
                 </a:solidFill>
+                <a:latin typeface="양진체 "/>
+                <a:ea typeface="양진체 "/>
               </a:rPr>
-              <a:t>장점</a:t>
-            </a:r>
-            <a:r>
-              <a:rPr lang="en-US" altLang="ko-KR" sz="4000">
+              <a:t>ORDERED </a:t>
+            </a:r>
+            <a:r>
+              <a:rPr lang="ko-KR" altLang="en-US" sz="5400">
                 <a:solidFill>
                   <a:schemeClr val="bg1"/>
                 </a:solidFill>
+                <a:latin typeface="양진체 "/>
+                <a:ea typeface="양진체 "/>
               </a:rPr>
-              <a:t>1</a:t>
-            </a:r>
-            <a:r>
-              <a:rPr lang="ko-KR" altLang="en-US" sz="4000">
-                <a:solidFill>
-                  <a:schemeClr val="bg1"/>
-                </a:solidFill>
-              </a:rPr>
-              <a:t> </a:t>
-            </a:r>
-            <a:r>
-              <a:rPr lang="en-US" altLang="ko-KR" sz="4000">
-                <a:solidFill>
-                  <a:schemeClr val="bg1"/>
-                </a:solidFill>
-              </a:rPr>
-              <a:t>. </a:t>
-            </a:r>
-            <a:r>
-              <a:rPr lang="ko-KR" altLang="en-US" sz="4000">
-                <a:solidFill>
-                  <a:schemeClr val="bg1"/>
-                </a:solidFill>
-              </a:rPr>
-              <a:t>주문하는 과정에서의 편리함</a:t>
-            </a:r>
-            <a:endParaRPr lang="ko-KR" altLang="en-US" sz="4000">
+              <a:t>어플의 장점</a:t>
+            </a:r>
+            <a:endParaRPr lang="ko-KR" altLang="en-US" sz="5400">
               <a:solidFill>
                 <a:schemeClr val="bg1"/>
               </a:solidFill>
+              <a:latin typeface="양진체 "/>
+              <a:ea typeface="양진체 "/>
             </a:endParaRPr>
           </a:p>
           <a:p>
             <a:pPr lvl="0">
               <a:defRPr/>
             </a:pPr>
-            <a:endParaRPr lang="en-US" altLang="ko-KR">
-              <a:solidFill>
-                <a:schemeClr val="bg1"/>
-              </a:solidFill>
-            </a:endParaRPr>
-          </a:p>
-          <a:p>
-            <a:pPr lvl="0">
-              <a:defRPr/>
-            </a:pPr>
-            <a:r>
-              <a:rPr lang="ko-KR" altLang="en-US">
-                <a:solidFill>
-                  <a:schemeClr val="bg1"/>
-                </a:solidFill>
-              </a:rPr>
-              <a:t>고객에게는 아날로그식 주문에서 겪을 수 있었던 직원과 의사소통의 불편함 해결</a:t>
-            </a:r>
             <a:endParaRPr lang="ko-KR" altLang="en-US">
               <a:solidFill>
                 <a:schemeClr val="bg1"/>
               </a:solidFill>
+              <a:latin typeface="양진체 "/>
             </a:endParaRPr>
           </a:p>
+        </p:txBody>
+      </p:sp>
+      <p:sp>
+        <p:nvSpPr>
+          <p:cNvPr id="4" name="TextBox 1"/>
+          <p:cNvSpPr txBox="1"/>
+          <p:nvPr/>
+        </p:nvSpPr>
+        <p:spPr>
+          <a:xfrm>
+            <a:off x="6912960" y="1445894"/>
+            <a:ext cx="5087860" cy="4781551"/>
+          </a:xfrm>
+          <a:prstGeom prst="rect">
+            <a:avLst/>
+          </a:prstGeom>
+          <a:noFill/>
+        </p:spPr>
+        <p:txBody>
+          <a:bodyPr wrap="square">
+            <a:spAutoFit/>
+          </a:bodyPr>
+          <a:lstStyle/>
           <a:p>
             <a:pPr lvl="0">
               <a:defRPr/>
             </a:pPr>
             <a:r>
-              <a:rPr lang="ko-KR" altLang="en-US">
+              <a:rPr lang="ko-KR" altLang="en-US" sz="2200">
                 <a:solidFill>
                   <a:schemeClr val="bg1"/>
                 </a:solidFill>
+                <a:latin typeface="양진체 "/>
+                <a:ea typeface="양진체 "/>
               </a:rPr>
-              <a:t>편리한 주문 시스템을 통해 접근법을 쉽게하여 주문하는 과정에서 보다 더 쉽게 했다</a:t>
-            </a:r>
-            <a:r>
-              <a:rPr lang="en-US" altLang="ko-KR">
-                <a:solidFill>
-                  <a:schemeClr val="bg1"/>
-                </a:solidFill>
-              </a:rPr>
-              <a:t>.</a:t>
-            </a:r>
-            <a:endParaRPr lang="en-US" altLang="ko-KR">
+              <a:t>요즘 식당에서 인건비 절약과</a:t>
+            </a:r>
+            <a:endParaRPr lang="ko-KR" altLang="en-US" sz="2200">
               <a:solidFill>
                 <a:schemeClr val="bg1"/>
               </a:solidFill>
+              <a:latin typeface="양진체 "/>
+              <a:ea typeface="양진체 "/>
             </a:endParaRPr>
           </a:p>
           <a:p>
             <a:pPr lvl="0">
               <a:defRPr/>
             </a:pPr>
-            <a:endParaRPr lang="en-US" altLang="ko-KR">
+            <a:r>
+              <a:rPr lang="ko-KR" altLang="en-US" sz="2200">
+                <a:solidFill>
+                  <a:schemeClr val="bg1"/>
+                </a:solidFill>
+                <a:latin typeface="양진체 "/>
+                <a:ea typeface="양진체 "/>
+              </a:rPr>
+              <a:t>손님들이 주문하는 과정에서</a:t>
+            </a:r>
+            <a:endParaRPr lang="ko-KR" altLang="en-US" sz="2200">
               <a:solidFill>
                 <a:schemeClr val="bg1"/>
               </a:solidFill>
+              <a:latin typeface="양진체 "/>
+              <a:ea typeface="양진체 "/>
             </a:endParaRPr>
           </a:p>
           <a:p>
             <a:pPr lvl="0">
               <a:defRPr/>
             </a:pPr>
-            <a:endParaRPr lang="ko-KR" altLang="en-US" sz="4000">
+            <a:r>
+              <a:rPr lang="ko-KR" altLang="en-US" sz="2200">
+                <a:solidFill>
+                  <a:schemeClr val="bg1"/>
+                </a:solidFill>
+                <a:latin typeface="양진체 "/>
+                <a:ea typeface="양진체 "/>
+              </a:rPr>
+              <a:t>혼자 편하게 주문할 수 있도록 하기 위해 </a:t>
+            </a:r>
+            <a:r>
+              <a:rPr lang="en-US" altLang="ko-KR" sz="2200">
+                <a:solidFill>
+                  <a:schemeClr val="bg1"/>
+                </a:solidFill>
+                <a:latin typeface="양진체 "/>
+                <a:ea typeface="양진체 "/>
+              </a:rPr>
+              <a:t>Self-POS</a:t>
+            </a:r>
+            <a:r>
+              <a:rPr lang="ko-KR" altLang="en-US" sz="2200">
+                <a:solidFill>
+                  <a:schemeClr val="bg1"/>
+                </a:solidFill>
+                <a:latin typeface="양진체 "/>
+                <a:ea typeface="양진체 "/>
+              </a:rPr>
+              <a:t>기기</a:t>
+            </a:r>
+            <a:r>
+              <a:rPr lang="en-US" altLang="ko-KR" sz="2200">
+                <a:solidFill>
+                  <a:schemeClr val="bg1"/>
+                </a:solidFill>
+                <a:latin typeface="양진체 "/>
+                <a:ea typeface="양진체 "/>
+              </a:rPr>
+              <a:t>(KIOSK)</a:t>
+            </a:r>
+            <a:r>
+              <a:rPr lang="ko-KR" altLang="en-US" sz="2200">
+                <a:solidFill>
+                  <a:schemeClr val="bg1"/>
+                </a:solidFill>
+                <a:latin typeface="양진체 "/>
+                <a:ea typeface="양진체 "/>
+              </a:rPr>
+              <a:t>를 </a:t>
+            </a:r>
+            <a:endParaRPr lang="ko-KR" altLang="en-US" sz="2200">
               <a:solidFill>
                 <a:schemeClr val="bg1"/>
               </a:solidFill>
+              <a:latin typeface="양진체 "/>
+              <a:ea typeface="양진체 "/>
             </a:endParaRPr>
           </a:p>
           <a:p>
@@ -3742,59 +4905,62 @@
               <a:defRPr/>
             </a:pPr>
             <a:r>
-              <a:rPr lang="ko-KR" altLang="en-US" sz="4000">
+              <a:rPr lang="ko-KR" altLang="en-US" sz="2200">
                 <a:solidFill>
                   <a:schemeClr val="bg1"/>
                 </a:solidFill>
+                <a:latin typeface="양진체 "/>
+                <a:ea typeface="양진체 "/>
               </a:rPr>
-              <a:t>장점</a:t>
-            </a:r>
-            <a:r>
-              <a:rPr lang="en-US" altLang="ko-KR" sz="4000">
+              <a:t>구비해놓은</a:t>
+            </a:r>
+            <a:r>
+              <a:rPr lang="en-US" altLang="ko-KR" sz="2200">
                 <a:solidFill>
                   <a:schemeClr val="bg1"/>
                 </a:solidFill>
-              </a:rPr>
-              <a:t>2</a:t>
-            </a:r>
-            <a:r>
-              <a:rPr lang="ko-KR" altLang="en-US" sz="4000">
-                <a:solidFill>
-                  <a:schemeClr val="bg1"/>
-                </a:solidFill>
+                <a:latin typeface="양진체 "/>
+                <a:ea typeface="양진체 "/>
               </a:rPr>
               <a:t> </a:t>
             </a:r>
             <a:r>
-              <a:rPr lang="en-US" altLang="ko-KR" sz="4000">
+              <a:rPr lang="ko-KR" altLang="en-US" sz="2200">
                 <a:solidFill>
                   <a:schemeClr val="bg1"/>
                 </a:solidFill>
+                <a:latin typeface="양진체 "/>
+                <a:ea typeface="양진체 "/>
               </a:rPr>
-              <a:t>. </a:t>
-            </a:r>
-            <a:r>
-              <a:rPr lang="ko-KR" altLang="en-US" sz="4000">
+              <a:t>매장들이 많이 있다</a:t>
+            </a:r>
+            <a:r>
+              <a:rPr lang="en-US" altLang="ko-KR" sz="2200">
                 <a:solidFill>
                   <a:schemeClr val="bg1"/>
                 </a:solidFill>
+                <a:latin typeface="양진체 "/>
+                <a:ea typeface="양진체 "/>
               </a:rPr>
-              <a:t>인건비 절약 효과</a:t>
-            </a:r>
-            <a:endParaRPr lang="ko-KR" altLang="en-US" sz="4000">
+              <a:t>.</a:t>
+            </a:r>
+            <a:endParaRPr lang="en-US" altLang="ko-KR" sz="2200">
               <a:solidFill>
                 <a:schemeClr val="bg1"/>
               </a:solidFill>
+              <a:latin typeface="양진체 "/>
+              <a:ea typeface="양진체 "/>
             </a:endParaRPr>
           </a:p>
           <a:p>
             <a:pPr lvl="0">
               <a:defRPr/>
             </a:pPr>
-            <a:endParaRPr lang="en-US" altLang="ko-KR">
+            <a:endParaRPr lang="en-US" altLang="ko-KR" sz="2200">
               <a:solidFill>
                 <a:schemeClr val="bg1"/>
               </a:solidFill>
+              <a:latin typeface="양진체 "/>
             </a:endParaRPr>
           </a:p>
           <a:p>
@@ -3802,49 +4968,41 @@
               <a:defRPr/>
             </a:pPr>
             <a:r>
-              <a:rPr lang="ko-KR" altLang="en-US">
+              <a:rPr lang="ko-KR" altLang="en-US" sz="2200">
                 <a:solidFill>
                   <a:schemeClr val="bg1"/>
                 </a:solidFill>
+                <a:latin typeface="양진체 "/>
+                <a:ea typeface="양진체 "/>
               </a:rPr>
-              <a:t>주문을 받으러 다니는 직원이나</a:t>
-            </a:r>
-            <a:r>
-              <a:rPr lang="en-US" altLang="ko-KR">
+              <a:t>점주 입장에서는 </a:t>
+            </a:r>
+            <a:r>
+              <a:rPr lang="en-US" altLang="ko-KR" sz="2200">
                 <a:solidFill>
                   <a:schemeClr val="bg1"/>
                 </a:solidFill>
+                <a:latin typeface="양진체 "/>
+                <a:ea typeface="양진체 "/>
               </a:rPr>
-              <a:t>,</a:t>
-            </a:r>
-            <a:r>
-              <a:rPr lang="ko-KR" altLang="en-US">
+              <a:t>KIOSK</a:t>
+            </a:r>
+            <a:r>
+              <a:rPr lang="ko-KR" altLang="en-US" sz="2200">
                 <a:solidFill>
                   <a:schemeClr val="bg1"/>
                 </a:solidFill>
+                <a:latin typeface="양진체 "/>
+                <a:ea typeface="양진체 "/>
               </a:rPr>
-              <a:t> </a:t>
-            </a:r>
-            <a:r>
-              <a:rPr lang="en-US" altLang="ko-KR">
-                <a:solidFill>
-                  <a:schemeClr val="bg1"/>
-                </a:solidFill>
-              </a:rPr>
-              <a:t>POS</a:t>
-            </a:r>
-            <a:r>
-              <a:rPr lang="ko-KR" altLang="en-US">
-                <a:solidFill>
-                  <a:schemeClr val="bg1"/>
-                </a:solidFill>
-              </a:rPr>
-              <a:t>기에서 주문을 하나하나 등록해야하는 등의</a:t>
-            </a:r>
-            <a:endParaRPr lang="ko-KR" altLang="en-US">
+              <a:t>와 같이</a:t>
+            </a:r>
+            <a:endParaRPr lang="ko-KR" altLang="en-US" sz="2200">
               <a:solidFill>
                 <a:schemeClr val="bg1"/>
               </a:solidFill>
+              <a:latin typeface="양진체 "/>
+              <a:ea typeface="양진체 "/>
             </a:endParaRPr>
           </a:p>
           <a:p>
@@ -3852,29 +5010,241 @@
               <a:defRPr/>
             </a:pPr>
             <a:r>
-              <a:rPr lang="ko-KR" altLang="en-US">
+              <a:rPr lang="ko-KR" altLang="en-US" sz="2200">
                 <a:solidFill>
                   <a:schemeClr val="bg1"/>
                 </a:solidFill>
+                <a:latin typeface="양진체 "/>
+                <a:ea typeface="양진체 "/>
               </a:rPr>
-              <a:t>노동력이 줄어 그만큼 인건비가 절약되는 효과를 기대할 수 있다</a:t>
-            </a:r>
-            <a:r>
-              <a:rPr lang="en-US" altLang="ko-KR">
-                <a:solidFill>
-                  <a:schemeClr val="bg1"/>
-                </a:solidFill>
-              </a:rPr>
-              <a:t>.</a:t>
-            </a:r>
-            <a:endParaRPr lang="en-US" altLang="ko-KR">
+              <a:t>셀프 주문 기기를 따로 배치할 필요없이</a:t>
+            </a:r>
+            <a:endParaRPr lang="ko-KR" altLang="en-US" sz="2200">
               <a:solidFill>
                 <a:schemeClr val="bg1"/>
               </a:solidFill>
+              <a:latin typeface="양진체 "/>
+              <a:ea typeface="양진체 "/>
             </a:endParaRPr>
           </a:p>
-        </p:txBody>
-      </p:sp>
+          <a:p>
+            <a:pPr lvl="0">
+              <a:defRPr/>
+            </a:pPr>
+            <a:r>
+              <a:rPr lang="ko-KR" altLang="en-US" sz="2200">
+                <a:solidFill>
+                  <a:schemeClr val="bg1"/>
+                </a:solidFill>
+                <a:latin typeface="양진체 "/>
+                <a:ea typeface="양진체 "/>
+              </a:rPr>
+              <a:t>테이블에 </a:t>
+            </a:r>
+            <a:r>
+              <a:rPr lang="en-US" altLang="ko-KR" sz="2200">
+                <a:solidFill>
+                  <a:schemeClr val="bg1"/>
+                </a:solidFill>
+                <a:latin typeface="양진체 "/>
+                <a:ea typeface="양진체 "/>
+              </a:rPr>
+              <a:t>QR</a:t>
+            </a:r>
+            <a:r>
+              <a:rPr lang="ko-KR" altLang="en-US" sz="2200">
+                <a:solidFill>
+                  <a:schemeClr val="bg1"/>
+                </a:solidFill>
+                <a:latin typeface="양진체 "/>
+                <a:ea typeface="양진체 "/>
+              </a:rPr>
+              <a:t>코드를 부착해놓기만 하면되고</a:t>
+            </a:r>
+            <a:endParaRPr lang="ko-KR" altLang="en-US" sz="2200">
+              <a:solidFill>
+                <a:schemeClr val="bg1"/>
+              </a:solidFill>
+              <a:latin typeface="양진체 "/>
+              <a:ea typeface="양진체 "/>
+            </a:endParaRPr>
+          </a:p>
+          <a:p>
+            <a:pPr lvl="0">
+              <a:defRPr/>
+            </a:pPr>
+            <a:endParaRPr lang="ko-KR" altLang="en-US" sz="2200">
+              <a:solidFill>
+                <a:schemeClr val="bg1"/>
+              </a:solidFill>
+              <a:latin typeface="양진체 "/>
+              <a:ea typeface="양진체 "/>
+            </a:endParaRPr>
+          </a:p>
+          <a:p>
+            <a:pPr lvl="0">
+              <a:defRPr/>
+            </a:pPr>
+            <a:r>
+              <a:rPr lang="ko-KR" altLang="en-US" sz="2200">
+                <a:solidFill>
+                  <a:schemeClr val="bg1"/>
+                </a:solidFill>
+                <a:latin typeface="양진체 "/>
+                <a:ea typeface="양진체 "/>
+              </a:rPr>
+              <a:t>손님 입장에서는 주문을 하러 </a:t>
+            </a:r>
+            <a:r>
+              <a:rPr lang="en-US" altLang="ko-KR" sz="2200">
+                <a:solidFill>
+                  <a:schemeClr val="bg1"/>
+                </a:solidFill>
+                <a:latin typeface="양진체 "/>
+                <a:ea typeface="양진체 "/>
+              </a:rPr>
+              <a:t>KIOSK</a:t>
+            </a:r>
+            <a:r>
+              <a:rPr lang="ko-KR" altLang="en-US" sz="2200">
+                <a:solidFill>
+                  <a:schemeClr val="bg1"/>
+                </a:solidFill>
+                <a:latin typeface="양진체 "/>
+                <a:ea typeface="양진체 "/>
+              </a:rPr>
+              <a:t>나</a:t>
+            </a:r>
+            <a:endParaRPr lang="ko-KR" altLang="en-US" sz="2200">
+              <a:solidFill>
+                <a:schemeClr val="bg1"/>
+              </a:solidFill>
+              <a:latin typeface="양진체 "/>
+              <a:ea typeface="양진체 "/>
+            </a:endParaRPr>
+          </a:p>
+          <a:p>
+            <a:pPr lvl="0">
+              <a:defRPr/>
+            </a:pPr>
+            <a:r>
+              <a:rPr lang="en-US" altLang="ko-KR" sz="2200">
+                <a:solidFill>
+                  <a:schemeClr val="bg1"/>
+                </a:solidFill>
+                <a:latin typeface="양진체 "/>
+                <a:ea typeface="양진체 "/>
+              </a:rPr>
+              <a:t>POS</a:t>
+            </a:r>
+            <a:r>
+              <a:rPr lang="ko-KR" altLang="en-US" sz="2200">
+                <a:solidFill>
+                  <a:schemeClr val="bg1"/>
+                </a:solidFill>
+                <a:latin typeface="양진체 "/>
+                <a:ea typeface="양진체 "/>
+              </a:rPr>
+              <a:t>기에 가는 대신 바로 테이블에 앉아</a:t>
+            </a:r>
+            <a:endParaRPr lang="ko-KR" altLang="en-US" sz="2200">
+              <a:solidFill>
+                <a:schemeClr val="bg1"/>
+              </a:solidFill>
+              <a:latin typeface="양진체 "/>
+              <a:ea typeface="양진체 "/>
+            </a:endParaRPr>
+          </a:p>
+          <a:p>
+            <a:pPr lvl="0">
+              <a:defRPr/>
+            </a:pPr>
+            <a:r>
+              <a:rPr lang="en-US" altLang="ko-KR" sz="2200">
+                <a:solidFill>
+                  <a:schemeClr val="bg1"/>
+                </a:solidFill>
+                <a:latin typeface="양진체 "/>
+                <a:ea typeface="양진체 "/>
+              </a:rPr>
+              <a:t>QR</a:t>
+            </a:r>
+            <a:r>
+              <a:rPr lang="ko-KR" altLang="en-US" sz="2200">
+                <a:solidFill>
+                  <a:schemeClr val="bg1"/>
+                </a:solidFill>
+                <a:latin typeface="양진체 "/>
+                <a:ea typeface="양진체 "/>
+              </a:rPr>
+              <a:t>코드 스캔 후 주문을 할 수 있다는</a:t>
+            </a:r>
+            <a:endParaRPr lang="ko-KR" altLang="en-US" sz="2200">
+              <a:solidFill>
+                <a:schemeClr val="bg1"/>
+              </a:solidFill>
+              <a:latin typeface="양진체 "/>
+              <a:ea typeface="양진체 "/>
+            </a:endParaRPr>
+          </a:p>
+          <a:p>
+            <a:pPr lvl="0">
+              <a:defRPr/>
+            </a:pPr>
+            <a:r>
+              <a:rPr lang="ko-KR" altLang="en-US" sz="2200">
+                <a:solidFill>
+                  <a:schemeClr val="bg1"/>
+                </a:solidFill>
+                <a:latin typeface="양진체 "/>
+                <a:ea typeface="양진체 "/>
+              </a:rPr>
+              <a:t>편리함을 보고 어플을 개발하게 되었다</a:t>
+            </a:r>
+            <a:r>
+              <a:rPr lang="en-US" altLang="ko-KR" sz="2200">
+                <a:solidFill>
+                  <a:schemeClr val="bg1"/>
+                </a:solidFill>
+                <a:latin typeface="양진체 "/>
+                <a:ea typeface="양진체 "/>
+              </a:rPr>
+              <a:t>.</a:t>
+            </a:r>
+            <a:endParaRPr lang="en-US" altLang="ko-KR" sz="2200">
+              <a:solidFill>
+                <a:schemeClr val="bg1"/>
+              </a:solidFill>
+              <a:latin typeface="양진체 "/>
+              <a:ea typeface="양진체 "/>
+            </a:endParaRPr>
+          </a:p>
+        </p:txBody>
+      </p:sp>
+      <p:pic>
+        <p:nvPicPr>
+          <p:cNvPr id="5" name="그림 4"/>
+          <p:cNvPicPr>
+            <a:picLocks noChangeAspect="1"/>
+          </p:cNvPicPr>
+          <p:nvPr/>
+        </p:nvPicPr>
+        <p:blipFill rotWithShape="1">
+          <a:blip r:embed="rId2"/>
+          <a:stretch>
+            <a:fillRect/>
+          </a:stretch>
+        </p:blipFill>
+        <p:spPr>
+          <a:xfrm>
+            <a:off x="263190" y="1159779"/>
+            <a:ext cx="6408890" cy="5293640"/>
+          </a:xfrm>
+          <a:prstGeom prst="rect">
+            <a:avLst/>
+          </a:prstGeom>
+        </p:spPr>
+      </p:pic>
     </p:spTree>
   </p:cSld>
   <p:clrMapOvr>
@@ -3888,6 +5258,238 @@
       <p:transition/>
     </mc:Fallback>
   </mc:AlternateContent>
+  <p:timing>
+    <p:tnLst>
+      <p:par>
+        <p:cTn id="1" dur="indefinite" restart="never" nodeType="tmRoot">
+          <p:childTnLst>
+            <p:seq concurrent="1" nextAc="seek">
+              <p:cTn id="2" dur="indefinite" nodeType="mainSeq">
+                <p:childTnLst>
+                  <p:par>
+                    <p:cTn id="3" fill="hold">
+                      <p:stCondLst>
+                        <p:cond delay="indefinite"/>
+                      </p:stCondLst>
+                      <p:childTnLst>
+                        <p:par>
+                          <p:cTn id="4" fill="hold">
+                            <p:stCondLst>
+                              <p:cond delay="0"/>
+                            </p:stCondLst>
+                            <p:childTnLst>
+                              <p:par>
+                                <p:cTn id="5" presetID="42" presetClass="entr" presetSubtype="0" fill="hold" grpId="0" nodeType="clickEffect">
+                                  <p:stCondLst>
+                                    <p:cond delay="0"/>
+                                  </p:stCondLst>
+                                  <p:childTnLst>
+                                    <p:set>
+                                      <p:cBhvr>
+                                        <p:cTn id="6" dur="1" fill="hold">
+                                          <p:stCondLst>
+                                            <p:cond delay="0"/>
+                                          </p:stCondLst>
+                                        </p:cTn>
+                                        <p:tgtEl>
+                                          <p:spTgt spid="5"/>
+                                        </p:tgtEl>
+                                        <p:attrNameLst>
+                                          <p:attrName>style.visibility</p:attrName>
+                                        </p:attrNameLst>
+                                      </p:cBhvr>
+                                      <p:to>
+                                        <p:strVal val="visible"/>
+                                      </p:to>
+                                    </p:set>
+                                    <p:animEffect transition="in" filter="fade">
+                                      <p:cBhvr>
+                                        <p:cTn id="7" dur="1000"/>
+                                        <p:tgtEl>
+                                          <p:spTgt spid="5"/>
+                                        </p:tgtEl>
+                                      </p:cBhvr>
+                                    </p:animEffect>
+                                    <p:anim calcmode="lin" valueType="num">
+                                      <p:cBhvr>
+                                        <p:cTn id="8" dur="1000" fill="hold"/>
+                                        <p:tgtEl>
+                                          <p:spTgt spid="5"/>
+                                        </p:tgtEl>
+                                        <p:attrNameLst>
+                                          <p:attrName>ppt_x</p:attrName>
+                                        </p:attrNameLst>
+                                      </p:cBhvr>
+                                      <p:tavLst>
+                                        <p:tav tm="0">
+                                          <p:val>
+                                            <p:strVal val="#ppt_x"/>
+                                          </p:val>
+                                        </p:tav>
+                                        <p:tav tm="100000">
+                                          <p:val>
+                                            <p:strVal val="#ppt_x"/>
+                                          </p:val>
+                                        </p:tav>
+                                      </p:tavLst>
+                                    </p:anim>
+                                    <p:anim calcmode="lin" valueType="num">
+                                      <p:cBhvr>
+                                        <p:cTn id="9" dur="1000" fill="hold"/>
+                                        <p:tgtEl>
+                                          <p:spTgt spid="5"/>
+                                        </p:tgtEl>
+                                        <p:attrNameLst>
+                                          <p:attrName>ppt_y</p:attrName>
+                                        </p:attrNameLst>
+                                      </p:cBhvr>
+                                      <p:tavLst>
+                                        <p:tav tm="0">
+                                          <p:val>
+                                            <p:strVal val="#ppt_y+.1"/>
+                                          </p:val>
+                                        </p:tav>
+                                        <p:tav tm="100000">
+                                          <p:val>
+                                            <p:strVal val="#ppt_y"/>
+                                          </p:val>
+                                        </p:tav>
+                                      </p:tavLst>
+                                    </p:anim>
+                                  </p:childTnLst>
+                                </p:cTn>
+                              </p:par>
+                            </p:childTnLst>
+                          </p:cTn>
+                        </p:par>
+                      </p:childTnLst>
+                    </p:cTn>
+                  </p:par>
+                  <p:par>
+                    <p:cTn id="10" fill="hold">
+                      <p:stCondLst>
+                        <p:cond delay="indefinite"/>
+                      </p:stCondLst>
+                      <p:childTnLst>
+                        <p:par>
+                          <p:cTn id="11" fill="hold">
+                            <p:stCondLst>
+                              <p:cond delay="0"/>
+                            </p:stCondLst>
+                            <p:childTnLst>
+                              <p:par>
+                                <p:cTn id="12" presetID="42" presetClass="entr" presetSubtype="0" fill="hold" grpId="1" nodeType="clickEffect">
+                                  <p:stCondLst>
+                                    <p:cond delay="0"/>
+                                  </p:stCondLst>
+                                  <p:childTnLst>
+                                    <p:set>
+                                      <p:cBhvr>
+                                        <p:cTn id="13" dur="1" fill="hold">
+                                          <p:stCondLst>
+                                            <p:cond delay="0"/>
+                                          </p:stCondLst>
+                                        </p:cTn>
+                                        <p:tgtEl>
+                                          <p:spTgt spid="4"/>
+                                        </p:tgtEl>
+                                        <p:attrNameLst>
+                                          <p:attrName>style.visibility</p:attrName>
+                                        </p:attrNameLst>
+                                      </p:cBhvr>
+                                      <p:to>
+                                        <p:strVal val="visible"/>
+                                      </p:to>
+                                    </p:set>
+                                    <p:animEffect transition="in" filter="fade">
+                                      <p:cBhvr>
+                                        <p:cTn id="14" dur="1000"/>
+                                        <p:tgtEl>
+                                          <p:spTgt spid="4"/>
+                                        </p:tgtEl>
+                                      </p:cBhvr>
+                                    </p:animEffect>
+                                    <p:anim calcmode="lin" valueType="num">
+                                      <p:cBhvr>
+                                        <p:cTn id="15" dur="1000" fill="hold"/>
+                                        <p:tgtEl>
+                                          <p:spTgt spid="4"/>
+                                        </p:tgtEl>
+                                        <p:attrNameLst>
+                                          <p:attrName>ppt_x</p:attrName>
+                                        </p:attrNameLst>
+                                      </p:cBhvr>
+                                      <p:tavLst>
+                                        <p:tav tm="0">
+                                          <p:val>
+                                            <p:strVal val="#ppt_x"/>
+                                          </p:val>
+                                        </p:tav>
+                                        <p:tav tm="100000">
+                                          <p:val>
+                                            <p:strVal val="#ppt_x"/>
+                                          </p:val>
+                                        </p:tav>
+                                      </p:tavLst>
+                                    </p:anim>
+                                    <p:anim calcmode="lin" valueType="num">
+                                      <p:cBhvr>
+                                        <p:cTn id="16" dur="1000" fill="hold"/>
+                                        <p:tgtEl>
+                                          <p:spTgt spid="4"/>
+                                        </p:tgtEl>
+                                        <p:attrNameLst>
+                                          <p:attrName>ppt_y</p:attrName>
+                                        </p:attrNameLst>
+                                      </p:cBhvr>
+                                      <p:tavLst>
+                                        <p:tav tm="0">
+                                          <p:val>
+                                            <p:strVal val="#ppt_y+.1"/>
+                                          </p:val>
+                                        </p:tav>
+                                        <p:tav tm="100000">
+                                          <p:val>
+                                            <p:strVal val="#ppt_y"/>
+                                          </p:val>
+                                        </p:tav>
+                                      </p:tavLst>
+                                    </p:anim>
+                                  </p:childTnLst>
+                                </p:cTn>
+                              </p:par>
+                            </p:childTnLst>
+                          </p:cTn>
+                        </p:par>
+                      </p:childTnLst>
+                    </p:cTn>
+                  </p:par>
+                </p:childTnLst>
+              </p:cTn>
+              <p:prevCondLst>
+                <p:cond evt="onPrev" delay="0">
+                  <p:tgtEl>
+                    <p:sldTgt/>
+                  </p:tgtEl>
+                </p:cond>
+              </p:prevCondLst>
+              <p:nextCondLst>
+                <p:cond evt="onNext" delay="0">
+                  <p:tgtEl>
+                    <p:sldTgt/>
+                  </p:tgtEl>
+                </p:cond>
+              </p:nextCondLst>
+            </p:seq>
+          </p:childTnLst>
+        </p:cTn>
+      </p:par>
+    </p:tnLst>
+    <p:bldLst>
+      <p:bldP spid="5" grpId="0" animBg="1"/>
+      <p:bldP spid="4" grpId="1" animBg="1"/>
+    </p:bldLst>
+  </p:timing>
 </p:sld>
 </file>
 
@@ -3915,9 +5517,100 @@
           <a:chExt cx="0" cy="0"/>
         </a:xfrm>
       </p:grpSpPr>
+      <p:sp>
+        <p:nvSpPr>
+          <p:cNvPr id="2" name="TextBox 1"/>
+          <p:cNvSpPr txBox="1"/>
+          <p:nvPr/>
+        </p:nvSpPr>
+        <p:spPr>
+          <a:xfrm>
+            <a:off x="551230" y="2650511"/>
+            <a:ext cx="11089540" cy="1557634"/>
+          </a:xfrm>
+          <a:prstGeom prst="rect">
+            <a:avLst/>
+          </a:prstGeom>
+        </p:spPr>
+        <p:txBody>
+          <a:bodyPr wrap="square">
+            <a:spAutoFit/>
+          </a:bodyPr>
+          <a:lstStyle/>
+          <a:p>
+            <a:pPr>
+              <a:defRPr/>
+            </a:pPr>
+            <a:r>
+              <a:rPr lang="ko-KR" altLang="en-US" sz="9600">
+                <a:solidFill>
+                  <a:schemeClr val="lt1"/>
+                </a:solidFill>
+                <a:latin typeface="양진체 "/>
+                <a:ea typeface="양진체 "/>
+              </a:rPr>
+              <a:t>어플 화면구성 및 기능</a:t>
+            </a:r>
+            <a:endParaRPr lang="ko-KR" altLang="en-US" sz="9600">
+              <a:solidFill>
+                <a:schemeClr val="lt1"/>
+              </a:solidFill>
+              <a:latin typeface="양진체 "/>
+              <a:ea typeface="양진체 "/>
+            </a:endParaRPr>
+          </a:p>
+        </p:txBody>
+      </p:sp>
+    </p:spTree>
+  </p:cSld>
+  <p:clrMapOvr>
+    <a:masterClrMapping/>
+  </p:clrMapOvr>
+  <mc:AlternateContent xmlns:mc="http://schemas.openxmlformats.org/markup-compatibility/2006">
+    <mc:Choice xmlns:p14="http://schemas.microsoft.com/office/powerpoint/2010/main" Requires="p14">
+      <p:transition xmlns:mc="http://schemas.openxmlformats.org/markup-compatibility/2006" xmlns:p14="http://schemas.microsoft.com/office/powerpoint/2010/main" mc:Ignorable="p14" p14:dur="500"/>
+    </mc:Choice>
+    <mc:Fallback>
+      <p:transition/>
+    </mc:Fallback>
+  </mc:AlternateContent>
+  <p:timing>
+    <p:tnLst>
+      <p:par>
+        <p:cTn id="1" dur="indefinite" restart="never" nodeType="tmRoot"/>
+      </p:par>
+    </p:tnLst>
+  </p:timing>
+</p:sld>
+</file>
+
+<file path=ppt/slides/slide5.xml><?xml version="1.0" encoding="utf-8"?>
+<p:sld xmlns:r="http://schemas.openxmlformats.org/officeDocument/2006/relationships" xmlns:c="http://schemas.openxmlformats.org/drawingml/2006/chart" xmlns:a="http://schemas.openxmlformats.org/drawingml/2006/main" xmlns:dgm="http://schemas.openxmlformats.org/drawingml/2006/diagram" xmlns:dsp="http://schemas.microsoft.com/office/drawing/2008/diagram" xmlns:p="http://schemas.openxmlformats.org/presentationml/2006/main">
+  <p:cSld>
+    <p:bg>
+      <p:bgPr shadeToTitle="0">
+        <a:solidFill>
+          <a:schemeClr val="tx1"/>
+        </a:solidFill>
+      </p:bgPr>
+    </p:bg>
+    <p:spTree>
+      <p:nvGrpSpPr>
+        <p:cNvPr id="1" name=""/>
+        <p:cNvGrpSpPr/>
+        <p:nvPr/>
+      </p:nvGrpSpPr>
+      <p:grpSpPr>
+        <a:xfrm>
+          <a:off x="0" y="0"/>
+          <a:ext cx="0" cy="0"/>
+          <a:chOff x="0" y="0"/>
+          <a:chExt cx="0" cy="0"/>
+        </a:xfrm>
+      </p:grpSpPr>
       <p:pic>
         <p:nvPicPr>
-          <p:cNvPr id="5" name="그림 4"/>
+          <p:cNvPr id="9" name="그림 8" descr="하얀색, 사진, 앉아있는, 검은색이(가) 표시된 사진  자동 생성된 설명"/>
           <p:cNvPicPr>
             <a:picLocks noChangeAspect="1"/>
           </p:cNvPicPr>
@@ -3930,281 +5623,9 @@
           </a:stretch>
         </p:blipFill>
         <p:spPr>
-          <a:xfrm>
-            <a:off x="0" y="1052670"/>
-            <a:ext cx="3522852" cy="5085230"/>
-          </a:xfrm>
-          <a:prstGeom prst="rect">
-            <a:avLst/>
-          </a:prstGeom>
-        </p:spPr>
-      </p:pic>
-      <p:sp>
-        <p:nvSpPr>
-          <p:cNvPr id="8" name="TextBox 1"/>
-          <p:cNvSpPr txBox="1"/>
-          <p:nvPr/>
-        </p:nvSpPr>
-        <p:spPr>
-          <a:xfrm>
-            <a:off x="7783468" y="1916790"/>
-            <a:ext cx="4408532" cy="2348505"/>
-          </a:xfrm>
-          <a:prstGeom prst="rect">
-            <a:avLst/>
-          </a:prstGeom>
-          <a:noFill/>
-        </p:spPr>
-        <p:txBody>
-          <a:bodyPr wrap="square">
-            <a:spAutoFit/>
-          </a:bodyPr>
-          <a:lstStyle/>
-          <a:p>
-            <a:pPr lvl="0">
-              <a:defRPr/>
-            </a:pPr>
-            <a:r>
-              <a:rPr lang="ko-KR" altLang="en-US" sz="4000">
-                <a:solidFill>
-                  <a:schemeClr val="bg1"/>
-                </a:solidFill>
-              </a:rPr>
-              <a:t>주문에서의 편리함</a:t>
-            </a:r>
-            <a:endParaRPr lang="ko-KR" altLang="en-US" sz="4000">
-              <a:solidFill>
-                <a:schemeClr val="bg1"/>
-              </a:solidFill>
-            </a:endParaRPr>
-          </a:p>
-          <a:p>
-            <a:pPr lvl="0">
-              <a:defRPr/>
-            </a:pPr>
-            <a:endParaRPr lang="en-US" altLang="ko-KR">
-              <a:solidFill>
-                <a:schemeClr val="bg1"/>
-              </a:solidFill>
-            </a:endParaRPr>
-          </a:p>
-          <a:p>
-            <a:pPr lvl="0">
-              <a:defRPr/>
-            </a:pPr>
-            <a:r>
-              <a:rPr lang="ko-KR" altLang="en-US">
-                <a:solidFill>
-                  <a:schemeClr val="bg1"/>
-                </a:solidFill>
-              </a:rPr>
-              <a:t>직원을 불러서 어떤 메뉴를 주문할지</a:t>
-            </a:r>
-            <a:endParaRPr lang="ko-KR" altLang="en-US">
-              <a:solidFill>
-                <a:schemeClr val="bg1"/>
-              </a:solidFill>
-            </a:endParaRPr>
-          </a:p>
-          <a:p>
-            <a:pPr lvl="0">
-              <a:defRPr/>
-            </a:pPr>
-            <a:r>
-              <a:rPr lang="ko-KR" altLang="en-US">
-                <a:solidFill>
-                  <a:schemeClr val="bg1"/>
-                </a:solidFill>
-              </a:rPr>
-              <a:t>얘기할 필요 없이</a:t>
-            </a:r>
-            <a:endParaRPr lang="ko-KR" altLang="en-US">
-              <a:solidFill>
-                <a:schemeClr val="bg1"/>
-              </a:solidFill>
-            </a:endParaRPr>
-          </a:p>
-          <a:p>
-            <a:pPr lvl="0">
-              <a:defRPr/>
-            </a:pPr>
-            <a:endParaRPr lang="ko-KR" altLang="en-US">
-              <a:solidFill>
-                <a:schemeClr val="bg1"/>
-              </a:solidFill>
-            </a:endParaRPr>
-          </a:p>
-          <a:p>
-            <a:pPr lvl="0">
-              <a:defRPr/>
-            </a:pPr>
-            <a:r>
-              <a:rPr lang="ko-KR" altLang="en-US">
-                <a:solidFill>
-                  <a:schemeClr val="bg1"/>
-                </a:solidFill>
-              </a:rPr>
-              <a:t>테이블 마다 부착된</a:t>
-            </a:r>
-            <a:r>
-              <a:rPr lang="en-US" altLang="ko-KR">
-                <a:solidFill>
-                  <a:schemeClr val="bg1"/>
-                </a:solidFill>
-              </a:rPr>
-              <a:t> QR</a:t>
-            </a:r>
-            <a:r>
-              <a:rPr lang="ko-KR" altLang="en-US">
-                <a:solidFill>
-                  <a:schemeClr val="bg1"/>
-                </a:solidFill>
-              </a:rPr>
-              <a:t>코드를 찍어</a:t>
-            </a:r>
-            <a:endParaRPr lang="ko-KR" altLang="en-US">
-              <a:solidFill>
-                <a:schemeClr val="bg1"/>
-              </a:solidFill>
-            </a:endParaRPr>
-          </a:p>
-          <a:p>
-            <a:pPr lvl="0">
-              <a:defRPr/>
-            </a:pPr>
-            <a:r>
-              <a:rPr lang="ko-KR" altLang="en-US">
-                <a:solidFill>
-                  <a:schemeClr val="bg1"/>
-                </a:solidFill>
-              </a:rPr>
-              <a:t>바로 주문페이지로 넘어가서 주문을 한다</a:t>
-            </a:r>
-            <a:r>
-              <a:rPr lang="en-US" altLang="ko-KR">
-                <a:solidFill>
-                  <a:schemeClr val="bg1"/>
-                </a:solidFill>
-              </a:rPr>
-              <a:t>.</a:t>
-            </a:r>
-            <a:endParaRPr lang="en-US" altLang="ko-KR">
-              <a:solidFill>
-                <a:schemeClr val="bg1"/>
-              </a:solidFill>
-            </a:endParaRPr>
-          </a:p>
-        </p:txBody>
-      </p:sp>
-      <p:sp>
-        <p:nvSpPr>
-          <p:cNvPr id="10" name="TextBox 1"/>
-          <p:cNvSpPr txBox="1"/>
-          <p:nvPr/>
-        </p:nvSpPr>
-        <p:spPr>
-          <a:xfrm>
-            <a:off x="551230" y="143326"/>
-            <a:ext cx="6904030" cy="693314"/>
-          </a:xfrm>
-          <a:prstGeom prst="rect">
-            <a:avLst/>
-          </a:prstGeom>
-          <a:noFill/>
-        </p:spPr>
-        <p:txBody>
-          <a:bodyPr wrap="square">
-            <a:spAutoFit/>
-          </a:bodyPr>
-          <a:lstStyle/>
-          <a:p>
-            <a:pPr lvl="0">
-              <a:defRPr/>
-            </a:pPr>
-            <a:r>
-              <a:rPr lang="en-US" altLang="ko-KR" sz="4000">
-                <a:solidFill>
-                  <a:schemeClr val="bg1"/>
-                </a:solidFill>
-              </a:rPr>
-              <a:t>WIRE FRAME</a:t>
-            </a:r>
-            <a:endParaRPr lang="en-US" altLang="ko-KR" sz="4000">
-              <a:solidFill>
-                <a:schemeClr val="bg1"/>
-              </a:solidFill>
-            </a:endParaRPr>
-          </a:p>
-        </p:txBody>
-      </p:sp>
-      <p:sp>
-        <p:nvSpPr>
-          <p:cNvPr id="13" name=""/>
-          <p:cNvSpPr/>
-          <p:nvPr/>
-        </p:nvSpPr>
-        <p:spPr>
-          <a:xfrm>
-            <a:off x="3551428" y="3176965"/>
-            <a:ext cx="702635" cy="504070"/>
-          </a:xfrm>
-          <a:prstGeom prst="rightArrow">
-            <a:avLst>
-              <a:gd name="adj1" fmla="val 50000"/>
-              <a:gd name="adj2" fmla="val 50000"/>
-            </a:avLst>
-          </a:prstGeom>
-          <a:solidFill>
-            <a:schemeClr val="lt1"/>
-          </a:solidFill>
-          <a:ln>
-            <a:noFill/>
-          </a:ln>
-        </p:spPr>
-        <p:style>
-          <a:lnRef idx="2">
-            <a:schemeClr val="accent1">
-              <a:shade val="20000"/>
-            </a:schemeClr>
-          </a:lnRef>
-          <a:fillRef idx="1">
-            <a:schemeClr val="accent1"/>
-          </a:fillRef>
-          <a:effectRef idx="0">
-            <a:schemeClr val="accent1"/>
-          </a:effectRef>
-          <a:fontRef idx="minor">
-            <a:schemeClr val="lt1"/>
-          </a:fontRef>
-        </p:style>
-        <p:txBody>
-          <a:bodyPr anchor="ctr"/>
-          <a:p>
-            <a:pPr algn="ctr">
-              <a:defRPr/>
-            </a:pPr>
-            <a:endParaRPr lang="en-US" altLang="ko-KR"/>
-          </a:p>
-        </p:txBody>
-      </p:sp>
-      <p:pic>
-        <p:nvPicPr>
-          <p:cNvPr id="14" name=""/>
-          <p:cNvPicPr>
-            <a:picLocks noChangeAspect="1"/>
-          </p:cNvPicPr>
-          <p:nvPr/>
-        </p:nvPicPr>
-        <p:blipFill rotWithShape="1">
-          <a:blip r:embed="rId3"/>
-          <a:stretch>
-            <a:fillRect/>
-          </a:stretch>
-        </p:blipFill>
-        <p:spPr>
-          <a:xfrm>
-            <a:off x="4330789" y="1123750"/>
-            <a:ext cx="3452679" cy="5014150"/>
+          <a:xfrm rot="5400000">
+            <a:off x="2667000" y="1760934"/>
+            <a:ext cx="6858000" cy="3336131"/>
           </a:xfrm>
           <a:prstGeom prst="rect">
             <a:avLst/>
@@ -4227,13 +5648,13 @@
 </p:sld>
 </file>
 
-<file path=ppt/slides/slide5.xml><?xml version="1.0" encoding="utf-8"?>
+<file path=ppt/slides/slide6.xml><?xml version="1.0" encoding="utf-8"?>
 <p:sld xmlns:r="http://schemas.openxmlformats.org/officeDocument/2006/relationships" xmlns:c="http://schemas.openxmlformats.org/drawingml/2006/chart" xmlns:a="http://schemas.openxmlformats.org/drawingml/2006/main" xmlns:dgm="http://schemas.openxmlformats.org/drawingml/2006/diagram" xmlns:dsp="http://schemas.microsoft.com/office/drawing/2008/diagram" xmlns:p="http://schemas.openxmlformats.org/presentationml/2006/main">
   <p:cSld>
     <p:bg>
       <p:bgPr shadeToTitle="0">
         <a:solidFill>
-          <a:schemeClr val="dk1"/>
+          <a:schemeClr val="tx1"/>
         </a:solidFill>
       </p:bgPr>
     </p:bg>
@@ -4251,199 +5672,9 @@
           <a:chExt cx="0" cy="0"/>
         </a:xfrm>
       </p:grpSpPr>
-      <p:sp>
-        <p:nvSpPr>
-          <p:cNvPr id="8" name="TextBox 1"/>
-          <p:cNvSpPr txBox="1"/>
-          <p:nvPr/>
-        </p:nvSpPr>
-        <p:spPr>
-          <a:xfrm>
-            <a:off x="8087430" y="2210390"/>
-            <a:ext cx="4104570" cy="2340655"/>
-          </a:xfrm>
-          <a:prstGeom prst="rect">
-            <a:avLst/>
-          </a:prstGeom>
-          <a:noFill/>
-        </p:spPr>
-        <p:txBody>
-          <a:bodyPr wrap="square">
-            <a:spAutoFit/>
-          </a:bodyPr>
-          <a:lstStyle/>
-          <a:p>
-            <a:pPr lvl="0">
-              <a:defRPr/>
-            </a:pPr>
-            <a:r>
-              <a:rPr lang="ko-KR" altLang="en-US" sz="4000">
-                <a:solidFill>
-                  <a:schemeClr val="bg1"/>
-                </a:solidFill>
-              </a:rPr>
-              <a:t>주문 사항 확인</a:t>
-            </a:r>
-            <a:endParaRPr lang="ko-KR" altLang="en-US" sz="4000">
-              <a:solidFill>
-                <a:schemeClr val="bg1"/>
-              </a:solidFill>
-            </a:endParaRPr>
-          </a:p>
-          <a:p>
-            <a:pPr lvl="0">
-              <a:defRPr/>
-            </a:pPr>
-            <a:endParaRPr lang="en-US" altLang="ko-KR">
-              <a:solidFill>
-                <a:schemeClr val="bg1"/>
-              </a:solidFill>
-            </a:endParaRPr>
-          </a:p>
-          <a:p>
-            <a:pPr lvl="0">
-              <a:defRPr/>
-            </a:pPr>
-            <a:r>
-              <a:rPr lang="ko-KR" altLang="en-US">
-                <a:solidFill>
-                  <a:schemeClr val="bg1"/>
-                </a:solidFill>
-              </a:rPr>
-              <a:t>주문을 완료하면 본인의 지금까지</a:t>
-            </a:r>
-            <a:endParaRPr lang="ko-KR" altLang="en-US">
-              <a:solidFill>
-                <a:schemeClr val="bg1"/>
-              </a:solidFill>
-            </a:endParaRPr>
-          </a:p>
-          <a:p>
-            <a:pPr lvl="0">
-              <a:defRPr/>
-            </a:pPr>
-            <a:r>
-              <a:rPr lang="ko-KR" altLang="en-US">
-                <a:solidFill>
-                  <a:schemeClr val="bg1"/>
-                </a:solidFill>
-              </a:rPr>
-              <a:t>주문사항들과 총액을 확인할 수 있다</a:t>
-            </a:r>
-            <a:r>
-              <a:rPr lang="en-US" altLang="ko-KR">
-                <a:solidFill>
-                  <a:schemeClr val="bg1"/>
-                </a:solidFill>
-              </a:rPr>
-              <a:t>.</a:t>
-            </a:r>
-            <a:endParaRPr lang="en-US" altLang="ko-KR">
-              <a:solidFill>
-                <a:schemeClr val="bg1"/>
-              </a:solidFill>
-            </a:endParaRPr>
-          </a:p>
-          <a:p>
-            <a:pPr lvl="0">
-              <a:defRPr/>
-            </a:pPr>
-            <a:endParaRPr lang="en-US" altLang="ko-KR">
-              <a:solidFill>
-                <a:schemeClr val="bg1"/>
-              </a:solidFill>
-            </a:endParaRPr>
-          </a:p>
-          <a:p>
-            <a:pPr lvl="0">
-              <a:defRPr/>
-            </a:pPr>
-            <a:r>
-              <a:rPr lang="ko-KR" altLang="en-US">
-                <a:solidFill>
-                  <a:schemeClr val="bg1"/>
-                </a:solidFill>
-              </a:rPr>
-              <a:t>추가주문을 원한다면 추가주문을</a:t>
-            </a:r>
-            <a:endParaRPr lang="ko-KR" altLang="en-US">
-              <a:solidFill>
-                <a:schemeClr val="bg1"/>
-              </a:solidFill>
-            </a:endParaRPr>
-          </a:p>
-          <a:p>
-            <a:pPr lvl="0">
-              <a:defRPr/>
-            </a:pPr>
-            <a:r>
-              <a:rPr lang="ko-KR" altLang="en-US">
-                <a:solidFill>
-                  <a:schemeClr val="bg1"/>
-                </a:solidFill>
-              </a:rPr>
-              <a:t>할 수 있게 버튼을 만들어 주었다</a:t>
-            </a:r>
-            <a:r>
-              <a:rPr lang="en-US" altLang="ko-KR">
-                <a:solidFill>
-                  <a:schemeClr val="bg1"/>
-                </a:solidFill>
-              </a:rPr>
-              <a:t>.</a:t>
-            </a:r>
-            <a:endParaRPr lang="en-US" altLang="ko-KR">
-              <a:solidFill>
-                <a:schemeClr val="bg1"/>
-              </a:solidFill>
-            </a:endParaRPr>
-          </a:p>
-        </p:txBody>
-      </p:sp>
-      <p:sp>
-        <p:nvSpPr>
-          <p:cNvPr id="9" name="TextBox 1"/>
-          <p:cNvSpPr txBox="1"/>
-          <p:nvPr/>
-        </p:nvSpPr>
-        <p:spPr>
-          <a:xfrm>
-            <a:off x="551230" y="143326"/>
-            <a:ext cx="6904030" cy="693314"/>
-          </a:xfrm>
-          <a:prstGeom prst="rect">
-            <a:avLst/>
-          </a:prstGeom>
-          <a:noFill/>
-        </p:spPr>
-        <p:txBody>
-          <a:bodyPr wrap="square">
-            <a:spAutoFit/>
-          </a:bodyPr>
-          <a:lstStyle/>
-          <a:p>
-            <a:pPr lvl="0">
-              <a:defRPr/>
-            </a:pPr>
-            <a:r>
-              <a:rPr lang="en-US" altLang="ko-KR" sz="4000">
-                <a:solidFill>
-                  <a:schemeClr val="bg1"/>
-                </a:solidFill>
-              </a:rPr>
-              <a:t>WIRE FRAME</a:t>
-            </a:r>
-            <a:endParaRPr lang="en-US" altLang="ko-KR" sz="4000">
-              <a:solidFill>
-                <a:schemeClr val="bg1"/>
-              </a:solidFill>
-            </a:endParaRPr>
-          </a:p>
-        </p:txBody>
-      </p:sp>
       <p:pic>
         <p:nvPicPr>
-          <p:cNvPr id="10" name=""/>
+          <p:cNvPr id="11" name="그림 10" descr="그리기이(가) 표시된 사진  자동 생성된 설명"/>
           <p:cNvPicPr>
             <a:picLocks noChangeAspect="1"/>
           </p:cNvPicPr>
@@ -4457,416 +5688,14 @@
         </p:blipFill>
         <p:spPr>
           <a:xfrm>
-            <a:off x="0" y="1124680"/>
-            <a:ext cx="3452679" cy="5014150"/>
+            <a:off x="4403765" y="-49684"/>
+            <a:ext cx="3384470" cy="6957368"/>
           </a:xfrm>
           <a:prstGeom prst="rect">
             <a:avLst/>
           </a:prstGeom>
         </p:spPr>
       </p:pic>
-      <p:pic>
-        <p:nvPicPr>
-          <p:cNvPr id="11" name=""/>
-          <p:cNvPicPr>
-            <a:picLocks noChangeAspect="1"/>
-          </p:cNvPicPr>
-          <p:nvPr/>
-        </p:nvPicPr>
-        <p:blipFill rotWithShape="1">
-          <a:blip r:embed="rId3"/>
-          <a:stretch>
-            <a:fillRect/>
-          </a:stretch>
-        </p:blipFill>
-        <p:spPr>
-          <a:xfrm>
-            <a:off x="4273113" y="1184715"/>
-            <a:ext cx="3407982" cy="4954114"/>
-          </a:xfrm>
-          <a:prstGeom prst="rect">
-            <a:avLst/>
-          </a:prstGeom>
-        </p:spPr>
-      </p:pic>
-      <p:sp>
-        <p:nvSpPr>
-          <p:cNvPr id="12" name=""/>
-          <p:cNvSpPr/>
-          <p:nvPr/>
-        </p:nvSpPr>
-        <p:spPr>
-          <a:xfrm>
-            <a:off x="3551428" y="3176965"/>
-            <a:ext cx="702635" cy="504070"/>
-          </a:xfrm>
-          <a:prstGeom prst="rightArrow">
-            <a:avLst>
-              <a:gd name="adj1" fmla="val 50000"/>
-              <a:gd name="adj2" fmla="val 50000"/>
-            </a:avLst>
-          </a:prstGeom>
-          <a:solidFill>
-            <a:schemeClr val="lt1"/>
-          </a:solidFill>
-          <a:ln>
-            <a:noFill/>
-          </a:ln>
-        </p:spPr>
-        <p:style>
-          <a:lnRef idx="2">
-            <a:schemeClr val="accent1">
-              <a:shade val="20000"/>
-            </a:schemeClr>
-          </a:lnRef>
-          <a:fillRef idx="1">
-            <a:schemeClr val="accent1"/>
-          </a:fillRef>
-          <a:effectRef idx="0">
-            <a:schemeClr val="accent1"/>
-          </a:effectRef>
-          <a:fontRef idx="minor">
-            <a:schemeClr val="lt1"/>
-          </a:fontRef>
-        </p:style>
-        <p:txBody>
-          <a:bodyPr anchor="ctr"/>
-          <a:lstStyle/>
-          <a:p>
-            <a:pPr algn="ctr">
-              <a:defRPr/>
-            </a:pPr>
-            <a:endParaRPr lang="en-US" altLang="ko-KR"/>
-          </a:p>
-        </p:txBody>
-      </p:sp>
-    </p:spTree>
-  </p:cSld>
-  <p:clrMapOvr>
-    <a:masterClrMapping/>
-  </p:clrMapOvr>
-  <mc:AlternateContent xmlns:mc="http://schemas.openxmlformats.org/markup-compatibility/2006">
-    <mc:Choice xmlns:p14="http://schemas.microsoft.com/office/powerpoint/2010/main" Requires="p14">
-      <p:transition xmlns:mc="http://schemas.openxmlformats.org/markup-compatibility/2006" xmlns:p14="http://schemas.microsoft.com/office/powerpoint/2010/main" mc:Ignorable="p14" p14:dur="500"/>
-    </mc:Choice>
-    <mc:Fallback>
-      <p:transition/>
-    </mc:Fallback>
-  </mc:AlternateContent>
-</p:sld>
-</file>
-
-<file path=ppt/slides/slide6.xml><?xml version="1.0" encoding="utf-8"?>
-<p:sld xmlns:r="http://schemas.openxmlformats.org/officeDocument/2006/relationships" xmlns:c="http://schemas.openxmlformats.org/drawingml/2006/chart" xmlns:a="http://schemas.openxmlformats.org/drawingml/2006/main" xmlns:dgm="http://schemas.openxmlformats.org/drawingml/2006/diagram" xmlns:dsp="http://schemas.microsoft.com/office/drawing/2008/diagram" xmlns:p="http://schemas.openxmlformats.org/presentationml/2006/main">
-  <p:cSld>
-    <p:bg>
-      <p:bgPr shadeToTitle="0">
-        <a:solidFill>
-          <a:schemeClr val="dk1"/>
-        </a:solidFill>
-      </p:bgPr>
-    </p:bg>
-    <p:spTree>
-      <p:nvGrpSpPr>
-        <p:cNvPr id="1" name=""/>
-        <p:cNvGrpSpPr/>
-        <p:nvPr/>
-      </p:nvGrpSpPr>
-      <p:grpSpPr>
-        <a:xfrm>
-          <a:off x="0" y="0"/>
-          <a:ext cx="0" cy="0"/>
-          <a:chOff x="0" y="0"/>
-          <a:chExt cx="0" cy="0"/>
-        </a:xfrm>
-      </p:grpSpPr>
-      <p:sp>
-        <p:nvSpPr>
-          <p:cNvPr id="8" name="TextBox 1"/>
-          <p:cNvSpPr txBox="1"/>
-          <p:nvPr/>
-        </p:nvSpPr>
-        <p:spPr>
-          <a:xfrm>
-            <a:off x="8087430" y="2210390"/>
-            <a:ext cx="4104570" cy="2064430"/>
-          </a:xfrm>
-          <a:prstGeom prst="rect">
-            <a:avLst/>
-          </a:prstGeom>
-          <a:noFill/>
-        </p:spPr>
-        <p:txBody>
-          <a:bodyPr wrap="square">
-            <a:spAutoFit/>
-          </a:bodyPr>
-          <a:lstStyle/>
-          <a:p>
-            <a:pPr lvl="0">
-              <a:defRPr/>
-            </a:pPr>
-            <a:r>
-              <a:rPr lang="ko-KR" altLang="en-US" sz="4000">
-                <a:solidFill>
-                  <a:schemeClr val="bg1"/>
-                </a:solidFill>
-              </a:rPr>
-              <a:t>추가 주문</a:t>
-            </a:r>
-            <a:endParaRPr lang="ko-KR" altLang="en-US" sz="4000">
-              <a:solidFill>
-                <a:schemeClr val="bg1"/>
-              </a:solidFill>
-            </a:endParaRPr>
-          </a:p>
-          <a:p>
-            <a:pPr lvl="0">
-              <a:defRPr/>
-            </a:pPr>
-            <a:endParaRPr lang="en-US" altLang="ko-KR">
-              <a:solidFill>
-                <a:schemeClr val="bg1"/>
-              </a:solidFill>
-            </a:endParaRPr>
-          </a:p>
-          <a:p>
-            <a:pPr lvl="0">
-              <a:defRPr/>
-            </a:pPr>
-            <a:r>
-              <a:rPr lang="ko-KR" altLang="en-US">
-                <a:solidFill>
-                  <a:schemeClr val="bg1"/>
-                </a:solidFill>
-              </a:rPr>
-              <a:t>추가 주문을 원해서 추가주문 버튼을</a:t>
-            </a:r>
-            <a:endParaRPr lang="ko-KR" altLang="en-US">
-              <a:solidFill>
-                <a:schemeClr val="bg1"/>
-              </a:solidFill>
-            </a:endParaRPr>
-          </a:p>
-          <a:p>
-            <a:pPr lvl="0">
-              <a:defRPr/>
-            </a:pPr>
-            <a:r>
-              <a:rPr lang="ko-KR" altLang="en-US">
-                <a:solidFill>
-                  <a:schemeClr val="bg1"/>
-                </a:solidFill>
-              </a:rPr>
-              <a:t>누른다면 다시 </a:t>
-            </a:r>
-            <a:r>
-              <a:rPr lang="en-US" altLang="ko-KR">
-                <a:solidFill>
-                  <a:schemeClr val="bg1"/>
-                </a:solidFill>
-              </a:rPr>
-              <a:t>QR</a:t>
-            </a:r>
-            <a:r>
-              <a:rPr lang="ko-KR" altLang="en-US">
-                <a:solidFill>
-                  <a:schemeClr val="bg1"/>
-                </a:solidFill>
-              </a:rPr>
-              <a:t>코드를 새로</a:t>
-            </a:r>
-            <a:endParaRPr lang="ko-KR" altLang="en-US">
-              <a:solidFill>
-                <a:schemeClr val="bg1"/>
-              </a:solidFill>
-            </a:endParaRPr>
-          </a:p>
-          <a:p>
-            <a:pPr lvl="0">
-              <a:defRPr/>
-            </a:pPr>
-            <a:r>
-              <a:rPr lang="ko-KR" altLang="en-US">
-                <a:solidFill>
-                  <a:schemeClr val="bg1"/>
-                </a:solidFill>
-              </a:rPr>
-              <a:t>찍는 것이 아닌 바로 구매 페이지로</a:t>
-            </a:r>
-            <a:endParaRPr lang="ko-KR" altLang="en-US">
-              <a:solidFill>
-                <a:schemeClr val="bg1"/>
-              </a:solidFill>
-            </a:endParaRPr>
-          </a:p>
-          <a:p>
-            <a:pPr lvl="0">
-              <a:defRPr/>
-            </a:pPr>
-            <a:r>
-              <a:rPr lang="ko-KR" altLang="en-US">
-                <a:solidFill>
-                  <a:schemeClr val="bg1"/>
-                </a:solidFill>
-              </a:rPr>
-              <a:t>넘어가서 주문을 할 수 있게 한다</a:t>
-            </a:r>
-            <a:r>
-              <a:rPr lang="en-US" altLang="ko-KR">
-                <a:solidFill>
-                  <a:schemeClr val="bg1"/>
-                </a:solidFill>
-              </a:rPr>
-              <a:t>.</a:t>
-            </a:r>
-            <a:endParaRPr lang="en-US" altLang="ko-KR">
-              <a:solidFill>
-                <a:schemeClr val="bg1"/>
-              </a:solidFill>
-            </a:endParaRPr>
-          </a:p>
-        </p:txBody>
-      </p:sp>
-      <p:sp>
-        <p:nvSpPr>
-          <p:cNvPr id="9" name="TextBox 1"/>
-          <p:cNvSpPr txBox="1"/>
-          <p:nvPr/>
-        </p:nvSpPr>
-        <p:spPr>
-          <a:xfrm>
-            <a:off x="551230" y="143326"/>
-            <a:ext cx="6904030" cy="693314"/>
-          </a:xfrm>
-          <a:prstGeom prst="rect">
-            <a:avLst/>
-          </a:prstGeom>
-          <a:noFill/>
-        </p:spPr>
-        <p:txBody>
-          <a:bodyPr wrap="square">
-            <a:spAutoFit/>
-          </a:bodyPr>
-          <a:lstStyle/>
-          <a:p>
-            <a:pPr lvl="0">
-              <a:defRPr/>
-            </a:pPr>
-            <a:r>
-              <a:rPr lang="en-US" altLang="ko-KR" sz="4000">
-                <a:solidFill>
-                  <a:schemeClr val="bg1"/>
-                </a:solidFill>
-              </a:rPr>
-              <a:t>WIRE FRAME</a:t>
-            </a:r>
-            <a:endParaRPr lang="en-US" altLang="ko-KR" sz="4000">
-              <a:solidFill>
-                <a:schemeClr val="bg1"/>
-              </a:solidFill>
-            </a:endParaRPr>
-          </a:p>
-        </p:txBody>
-      </p:sp>
-      <p:pic>
-        <p:nvPicPr>
-          <p:cNvPr id="10" name=""/>
-          <p:cNvPicPr>
-            <a:picLocks noChangeAspect="1"/>
-          </p:cNvPicPr>
-          <p:nvPr/>
-        </p:nvPicPr>
-        <p:blipFill rotWithShape="1">
-          <a:blip r:embed="rId2"/>
-          <a:stretch>
-            <a:fillRect/>
-          </a:stretch>
-        </p:blipFill>
-        <p:spPr>
-          <a:xfrm>
-            <a:off x="4369660" y="1173959"/>
-            <a:ext cx="3452679" cy="5014150"/>
-          </a:xfrm>
-          <a:prstGeom prst="rect">
-            <a:avLst/>
-          </a:prstGeom>
-        </p:spPr>
-      </p:pic>
-      <p:pic>
-        <p:nvPicPr>
-          <p:cNvPr id="11" name=""/>
-          <p:cNvPicPr>
-            <a:picLocks noChangeAspect="1"/>
-          </p:cNvPicPr>
-          <p:nvPr/>
-        </p:nvPicPr>
-        <p:blipFill rotWithShape="1">
-          <a:blip r:embed="rId3"/>
-          <a:stretch>
-            <a:fillRect/>
-          </a:stretch>
-        </p:blipFill>
-        <p:spPr>
-          <a:xfrm>
-            <a:off x="0" y="1173960"/>
-            <a:ext cx="3407982" cy="4954114"/>
-          </a:xfrm>
-          <a:prstGeom prst="rect">
-            <a:avLst/>
-          </a:prstGeom>
-        </p:spPr>
-      </p:pic>
-      <p:sp>
-        <p:nvSpPr>
-          <p:cNvPr id="12" name=""/>
-          <p:cNvSpPr/>
-          <p:nvPr/>
-        </p:nvSpPr>
-        <p:spPr>
-          <a:xfrm>
-            <a:off x="3551428" y="3176965"/>
-            <a:ext cx="702635" cy="504070"/>
-          </a:xfrm>
-          <a:prstGeom prst="rightArrow">
-            <a:avLst>
-              <a:gd name="adj1" fmla="val 50000"/>
-              <a:gd name="adj2" fmla="val 50000"/>
-            </a:avLst>
-          </a:prstGeom>
-          <a:solidFill>
-            <a:schemeClr val="lt1"/>
-          </a:solidFill>
-          <a:ln>
-            <a:noFill/>
-          </a:ln>
-        </p:spPr>
-        <p:style>
-          <a:lnRef idx="2">
-            <a:schemeClr val="accent1">
-              <a:shade val="20000"/>
-            </a:schemeClr>
-          </a:lnRef>
-          <a:fillRef idx="1">
-            <a:schemeClr val="accent1"/>
-          </a:fillRef>
-          <a:effectRef idx="0">
-            <a:schemeClr val="accent1"/>
-          </a:effectRef>
-          <a:fontRef idx="minor">
-            <a:schemeClr val="lt1"/>
-          </a:fontRef>
-        </p:style>
-        <p:txBody>
-          <a:bodyPr anchor="ctr"/>
-          <a:lstStyle/>
-          <a:p>
-            <a:pPr algn="ctr">
-              <a:defRPr/>
-            </a:pPr>
-            <a:endParaRPr lang="en-US" altLang="ko-KR"/>
-          </a:p>
-        </p:txBody>
-      </p:sp>
     </p:spTree>
   </p:cSld>
   <p:clrMapOvr>
@@ -4889,7 +5718,7 @@
     <p:bg>
       <p:bgPr shadeToTitle="0">
         <a:solidFill>
-          <a:schemeClr val="dk1"/>
+          <a:schemeClr val="tx1"/>
         </a:solidFill>
       </p:bgPr>
     </p:bg>
@@ -4909,7 +5738,7 @@
       </p:grpSpPr>
       <p:pic>
         <p:nvPicPr>
-          <p:cNvPr id="8" name=""/>
+          <p:cNvPr id="12" name=""/>
           <p:cNvPicPr>
             <a:picLocks noChangeAspect="1"/>
           </p:cNvPicPr>
@@ -4923,284 +5752,14 @@
         </p:blipFill>
         <p:spPr>
           <a:xfrm>
-            <a:off x="551230" y="1080150"/>
-            <a:ext cx="4114800" cy="5517290"/>
+            <a:off x="4438650" y="0"/>
+            <a:ext cx="3314700" cy="6858000"/>
           </a:xfrm>
           <a:prstGeom prst="rect">
             <a:avLst/>
           </a:prstGeom>
         </p:spPr>
       </p:pic>
-      <p:sp>
-        <p:nvSpPr>
-          <p:cNvPr id="9" name="TextBox 1"/>
-          <p:cNvSpPr txBox="1"/>
-          <p:nvPr/>
-        </p:nvSpPr>
-        <p:spPr>
-          <a:xfrm>
-            <a:off x="5231880" y="836638"/>
-            <a:ext cx="6192860" cy="3438182"/>
-          </a:xfrm>
-          <a:prstGeom prst="rect">
-            <a:avLst/>
-          </a:prstGeom>
-          <a:noFill/>
-        </p:spPr>
-        <p:txBody>
-          <a:bodyPr wrap="square">
-            <a:spAutoFit/>
-          </a:bodyPr>
-          <a:lstStyle/>
-          <a:p>
-            <a:pPr lvl="0">
-              <a:defRPr/>
-            </a:pPr>
-            <a:r>
-              <a:rPr lang="ko-KR" altLang="en-US" sz="4000">
-                <a:solidFill>
-                  <a:schemeClr val="bg1"/>
-                </a:solidFill>
-              </a:rPr>
-              <a:t>편리한 테이블 관리</a:t>
-            </a:r>
-            <a:endParaRPr lang="ko-KR" altLang="en-US" sz="4000">
-              <a:solidFill>
-                <a:schemeClr val="bg1"/>
-              </a:solidFill>
-            </a:endParaRPr>
-          </a:p>
-          <a:p>
-            <a:pPr lvl="0">
-              <a:defRPr/>
-            </a:pPr>
-            <a:endParaRPr lang="en-US" altLang="ko-KR">
-              <a:solidFill>
-                <a:schemeClr val="bg1"/>
-              </a:solidFill>
-            </a:endParaRPr>
-          </a:p>
-          <a:p>
-            <a:pPr lvl="0">
-              <a:defRPr/>
-            </a:pPr>
-            <a:r>
-              <a:rPr lang="ko-KR" altLang="en-US">
-                <a:solidFill>
-                  <a:schemeClr val="bg1"/>
-                </a:solidFill>
-              </a:rPr>
-              <a:t>점주 입장에서는 </a:t>
-            </a:r>
-            <a:r>
-              <a:rPr lang="en-US" altLang="ko-KR">
-                <a:solidFill>
-                  <a:schemeClr val="bg1"/>
-                </a:solidFill>
-              </a:rPr>
-              <a:t>POS</a:t>
-            </a:r>
-            <a:r>
-              <a:rPr lang="ko-KR" altLang="en-US">
-                <a:solidFill>
-                  <a:schemeClr val="bg1"/>
-                </a:solidFill>
-              </a:rPr>
-              <a:t>기를 따로 하나하나 찍어가면서</a:t>
-            </a:r>
-            <a:endParaRPr lang="ko-KR" altLang="en-US">
-              <a:solidFill>
-                <a:schemeClr val="bg1"/>
-              </a:solidFill>
-            </a:endParaRPr>
-          </a:p>
-          <a:p>
-            <a:pPr lvl="0">
-              <a:defRPr/>
-            </a:pPr>
-            <a:r>
-              <a:rPr lang="ko-KR" altLang="en-US">
-                <a:solidFill>
-                  <a:schemeClr val="bg1"/>
-                </a:solidFill>
-              </a:rPr>
-              <a:t>주문을 확인할 필요 없이 어플을 이용하여</a:t>
-            </a:r>
-            <a:endParaRPr lang="ko-KR" altLang="en-US">
-              <a:solidFill>
-                <a:schemeClr val="bg1"/>
-              </a:solidFill>
-            </a:endParaRPr>
-          </a:p>
-          <a:p>
-            <a:pPr lvl="0">
-              <a:defRPr/>
-            </a:pPr>
-            <a:endParaRPr lang="ko-KR" altLang="en-US">
-              <a:solidFill>
-                <a:schemeClr val="bg1"/>
-              </a:solidFill>
-            </a:endParaRPr>
-          </a:p>
-          <a:p>
-            <a:pPr lvl="0">
-              <a:defRPr/>
-            </a:pPr>
-            <a:r>
-              <a:rPr lang="ko-KR" altLang="en-US">
-                <a:solidFill>
-                  <a:schemeClr val="bg1"/>
-                </a:solidFill>
-              </a:rPr>
-              <a:t>손님들이 어떠한 메뉴를 시켰는지 확인이 가능하다</a:t>
-            </a:r>
-            <a:r>
-              <a:rPr lang="en-US" altLang="ko-KR">
-                <a:solidFill>
-                  <a:schemeClr val="bg1"/>
-                </a:solidFill>
-              </a:rPr>
-              <a:t>.</a:t>
-            </a:r>
-            <a:endParaRPr lang="en-US" altLang="ko-KR">
-              <a:solidFill>
-                <a:schemeClr val="bg1"/>
-              </a:solidFill>
-            </a:endParaRPr>
-          </a:p>
-          <a:p>
-            <a:pPr lvl="0">
-              <a:defRPr/>
-            </a:pPr>
-            <a:endParaRPr lang="en-US" altLang="ko-KR">
-              <a:solidFill>
-                <a:schemeClr val="bg1"/>
-              </a:solidFill>
-            </a:endParaRPr>
-          </a:p>
-          <a:p>
-            <a:pPr lvl="0">
-              <a:defRPr/>
-            </a:pPr>
-            <a:r>
-              <a:rPr lang="ko-KR" altLang="en-US">
-                <a:solidFill>
-                  <a:schemeClr val="bg1"/>
-                </a:solidFill>
-              </a:rPr>
-              <a:t>계산은 나갈 때 손님과 점주가 어플을 확인하여</a:t>
-            </a:r>
-            <a:endParaRPr lang="ko-KR" altLang="en-US">
-              <a:solidFill>
-                <a:schemeClr val="bg1"/>
-              </a:solidFill>
-            </a:endParaRPr>
-          </a:p>
-          <a:p>
-            <a:pPr lvl="0">
-              <a:defRPr/>
-            </a:pPr>
-            <a:r>
-              <a:rPr lang="ko-KR" altLang="en-US">
-                <a:solidFill>
-                  <a:schemeClr val="bg1"/>
-                </a:solidFill>
-              </a:rPr>
-              <a:t>오프라인으로 진행한다</a:t>
-            </a:r>
-            <a:r>
-              <a:rPr lang="en-US" altLang="ko-KR">
-                <a:solidFill>
-                  <a:schemeClr val="bg1"/>
-                </a:solidFill>
-              </a:rPr>
-              <a:t>.</a:t>
-            </a:r>
-            <a:endParaRPr lang="en-US" altLang="ko-KR">
-              <a:solidFill>
-                <a:schemeClr val="bg1"/>
-              </a:solidFill>
-            </a:endParaRPr>
-          </a:p>
-          <a:p>
-            <a:pPr lvl="0">
-              <a:defRPr/>
-            </a:pPr>
-            <a:endParaRPr lang="en-US" altLang="ko-KR">
-              <a:solidFill>
-                <a:schemeClr val="bg1"/>
-              </a:solidFill>
-            </a:endParaRPr>
-          </a:p>
-          <a:p>
-            <a:pPr lvl="0">
-              <a:defRPr/>
-            </a:pPr>
-            <a:r>
-              <a:rPr lang="ko-KR" altLang="en-US">
-                <a:solidFill>
-                  <a:schemeClr val="bg1"/>
-                </a:solidFill>
-              </a:rPr>
-              <a:t>어플이 주문확인과 동시에 영수증 역할까지하게 된다</a:t>
-            </a:r>
-            <a:r>
-              <a:rPr lang="en-US" altLang="ko-KR">
-                <a:solidFill>
-                  <a:schemeClr val="bg1"/>
-                </a:solidFill>
-              </a:rPr>
-              <a:t>.</a:t>
-            </a:r>
-            <a:endParaRPr lang="en-US" altLang="ko-KR">
-              <a:solidFill>
-                <a:schemeClr val="bg1"/>
-              </a:solidFill>
-            </a:endParaRPr>
-          </a:p>
-        </p:txBody>
-      </p:sp>
-      <p:sp>
-        <p:nvSpPr>
-          <p:cNvPr id="10" name="TextBox 1"/>
-          <p:cNvSpPr txBox="1"/>
-          <p:nvPr/>
-        </p:nvSpPr>
-        <p:spPr>
-          <a:xfrm>
-            <a:off x="551230" y="143326"/>
-            <a:ext cx="6904030" cy="693314"/>
-          </a:xfrm>
-          <a:prstGeom prst="rect">
-            <a:avLst/>
-          </a:prstGeom>
-          <a:noFill/>
-        </p:spPr>
-        <p:txBody>
-          <a:bodyPr wrap="square">
-            <a:spAutoFit/>
-          </a:bodyPr>
-          <a:lstStyle/>
-          <a:p>
-            <a:pPr lvl="0">
-              <a:defRPr/>
-            </a:pPr>
-            <a:r>
-              <a:rPr lang="ko-KR" altLang="en-US" sz="4000">
-                <a:solidFill>
-                  <a:schemeClr val="bg1"/>
-                </a:solidFill>
-              </a:rPr>
-              <a:t>점주 입장에서의 화면</a:t>
-            </a:r>
-            <a:endParaRPr lang="ko-KR" altLang="en-US" sz="4000">
-              <a:solidFill>
-                <a:schemeClr val="bg1"/>
-              </a:solidFill>
-            </a:endParaRPr>
-          </a:p>
-        </p:txBody>
-      </p:sp>
     </p:spTree>
   </p:cSld>
   <p:clrMapOvr>
@@ -5241,70 +5800,9 @@
           <a:chExt cx="0" cy="0"/>
         </a:xfrm>
       </p:grpSpPr>
-      <p:sp>
-        <p:nvSpPr>
-          <p:cNvPr id="2" name="TextBox 1"/>
-          <p:cNvSpPr txBox="1"/>
-          <p:nvPr/>
-        </p:nvSpPr>
-        <p:spPr>
-          <a:xfrm>
-            <a:off x="263190" y="260560"/>
-            <a:ext cx="8641200" cy="1252010"/>
-          </a:xfrm>
-          <a:prstGeom prst="rect">
-            <a:avLst/>
-          </a:prstGeom>
-          <a:noFill/>
-        </p:spPr>
-        <p:txBody>
-          <a:bodyPr wrap="square">
-            <a:spAutoFit/>
-          </a:bodyPr>
-          <a:lstStyle/>
-          <a:p>
-            <a:pPr lvl="0">
-              <a:defRPr/>
-            </a:pPr>
-            <a:r>
-              <a:rPr lang="ko-KR" altLang="en-US" sz="4000">
-                <a:solidFill>
-                  <a:schemeClr val="bg1"/>
-                </a:solidFill>
-              </a:rPr>
-              <a:t>이 어플을 사용 해야하는 이유</a:t>
-            </a:r>
-            <a:endParaRPr lang="ko-KR" altLang="en-US" sz="4000">
-              <a:solidFill>
-                <a:schemeClr val="bg1"/>
-              </a:solidFill>
-            </a:endParaRPr>
-          </a:p>
-          <a:p>
-            <a:pPr lvl="0">
-              <a:defRPr/>
-            </a:pPr>
-            <a:endParaRPr lang="en-US" altLang="ko-KR">
-              <a:solidFill>
-                <a:schemeClr val="bg1"/>
-              </a:solidFill>
-            </a:endParaRPr>
-          </a:p>
-          <a:p>
-            <a:pPr lvl="0">
-              <a:defRPr/>
-            </a:pPr>
-            <a:endParaRPr lang="ko-KR" altLang="en-US">
-              <a:solidFill>
-                <a:schemeClr val="bg1"/>
-              </a:solidFill>
-            </a:endParaRPr>
-          </a:p>
-        </p:txBody>
-      </p:sp>
       <p:pic>
         <p:nvPicPr>
-          <p:cNvPr id="3" name=""/>
+          <p:cNvPr id="13" name="그림 12" descr="그리기이(가) 표시된 사진  자동 생성된 설명"/>
           <p:cNvPicPr>
             <a:picLocks noChangeAspect="1"/>
           </p:cNvPicPr>
@@ -5318,309 +5816,14 @@
         </p:blipFill>
         <p:spPr>
           <a:xfrm>
-            <a:off x="432060" y="1398269"/>
-            <a:ext cx="6096000" cy="4695100"/>
+            <a:off x="4427934" y="0"/>
+            <a:ext cx="3336132" cy="6858000"/>
           </a:xfrm>
           <a:prstGeom prst="rect">
             <a:avLst/>
           </a:prstGeom>
         </p:spPr>
       </p:pic>
-      <p:sp>
-        <p:nvSpPr>
-          <p:cNvPr id="4" name="TextBox 1"/>
-          <p:cNvSpPr txBox="1"/>
-          <p:nvPr/>
-        </p:nvSpPr>
-        <p:spPr>
-          <a:xfrm>
-            <a:off x="7104139" y="1398269"/>
-            <a:ext cx="4536630" cy="3381376"/>
-          </a:xfrm>
-          <a:prstGeom prst="rect">
-            <a:avLst/>
-          </a:prstGeom>
-          <a:noFill/>
-        </p:spPr>
-        <p:txBody>
-          <a:bodyPr wrap="square">
-            <a:spAutoFit/>
-          </a:bodyPr>
-          <a:lstStyle/>
-          <a:p>
-            <a:pPr lvl="0">
-              <a:defRPr/>
-            </a:pPr>
-            <a:r>
-              <a:rPr lang="ko-KR" altLang="en-US">
-                <a:solidFill>
-                  <a:schemeClr val="bg1"/>
-                </a:solidFill>
-              </a:rPr>
-              <a:t>중국의 </a:t>
-            </a:r>
-            <a:r>
-              <a:rPr lang="en-US" altLang="ko-KR">
-                <a:solidFill>
-                  <a:schemeClr val="bg1"/>
-                </a:solidFill>
-              </a:rPr>
-              <a:t>QR</a:t>
-            </a:r>
-            <a:r>
-              <a:rPr lang="ko-KR" altLang="en-US">
-                <a:solidFill>
-                  <a:schemeClr val="bg1"/>
-                </a:solidFill>
-              </a:rPr>
-              <a:t>코드로 주문을 하는 형식과</a:t>
-            </a:r>
-            <a:endParaRPr lang="ko-KR" altLang="en-US">
-              <a:solidFill>
-                <a:schemeClr val="bg1"/>
-              </a:solidFill>
-            </a:endParaRPr>
-          </a:p>
-          <a:p>
-            <a:pPr lvl="0">
-              <a:defRPr/>
-            </a:pPr>
-            <a:r>
-              <a:rPr lang="ko-KR" altLang="en-US">
-                <a:solidFill>
-                  <a:schemeClr val="bg1"/>
-                </a:solidFill>
-              </a:rPr>
-              <a:t>차이점이 없다고 생각할 수 있지만</a:t>
-            </a:r>
-            <a:r>
-              <a:rPr lang="en-US" altLang="ko-KR">
-                <a:solidFill>
-                  <a:schemeClr val="bg1"/>
-                </a:solidFill>
-              </a:rPr>
-              <a:t>,</a:t>
-            </a:r>
-            <a:endParaRPr lang="en-US" altLang="ko-KR">
-              <a:solidFill>
-                <a:schemeClr val="bg1"/>
-              </a:solidFill>
-            </a:endParaRPr>
-          </a:p>
-          <a:p>
-            <a:pPr lvl="0">
-              <a:defRPr/>
-            </a:pPr>
-            <a:endParaRPr lang="en-US" altLang="ko-KR">
-              <a:solidFill>
-                <a:schemeClr val="bg1"/>
-              </a:solidFill>
-            </a:endParaRPr>
-          </a:p>
-          <a:p>
-            <a:pPr lvl="0">
-              <a:defRPr/>
-            </a:pPr>
-            <a:r>
-              <a:rPr lang="en-US" altLang="ko-KR">
-                <a:solidFill>
-                  <a:schemeClr val="bg1"/>
-                </a:solidFill>
-              </a:rPr>
-              <a:t>Take-Out</a:t>
-            </a:r>
-            <a:r>
-              <a:rPr lang="ko-KR" altLang="en-US">
-                <a:solidFill>
-                  <a:schemeClr val="bg1"/>
-                </a:solidFill>
-              </a:rPr>
-              <a:t>을 위주로 받는 주문방식과 </a:t>
-            </a:r>
-            <a:endParaRPr lang="ko-KR" altLang="en-US">
-              <a:solidFill>
-                <a:schemeClr val="bg1"/>
-              </a:solidFill>
-            </a:endParaRPr>
-          </a:p>
-          <a:p>
-            <a:pPr lvl="0">
-              <a:defRPr/>
-            </a:pPr>
-            <a:r>
-              <a:rPr lang="ko-KR" altLang="en-US">
-                <a:solidFill>
-                  <a:schemeClr val="bg1"/>
-                </a:solidFill>
-              </a:rPr>
-              <a:t>계산을 주문과 함께 마무리 해야한다는</a:t>
-            </a:r>
-            <a:endParaRPr lang="ko-KR" altLang="en-US">
-              <a:solidFill>
-                <a:schemeClr val="bg1"/>
-              </a:solidFill>
-            </a:endParaRPr>
-          </a:p>
-          <a:p>
-            <a:pPr lvl="0">
-              <a:defRPr/>
-            </a:pPr>
-            <a:r>
-              <a:rPr lang="ko-KR" altLang="en-US">
-                <a:solidFill>
-                  <a:schemeClr val="bg1"/>
-                </a:solidFill>
-              </a:rPr>
-              <a:t>불편함을 해결한 어플이다</a:t>
-            </a:r>
-            <a:r>
-              <a:rPr lang="en-US" altLang="ko-KR">
-                <a:solidFill>
-                  <a:schemeClr val="bg1"/>
-                </a:solidFill>
-              </a:rPr>
-              <a:t>.</a:t>
-            </a:r>
-            <a:endParaRPr lang="en-US" altLang="ko-KR">
-              <a:solidFill>
-                <a:schemeClr val="bg1"/>
-              </a:solidFill>
-            </a:endParaRPr>
-          </a:p>
-          <a:p>
-            <a:pPr lvl="0">
-              <a:defRPr/>
-            </a:pPr>
-            <a:endParaRPr lang="en-US" altLang="ko-KR">
-              <a:solidFill>
-                <a:schemeClr val="bg1"/>
-              </a:solidFill>
-            </a:endParaRPr>
-          </a:p>
-          <a:p>
-            <a:pPr lvl="0">
-              <a:defRPr/>
-            </a:pPr>
-            <a:r>
-              <a:rPr lang="ko-KR" altLang="en-US">
-                <a:solidFill>
-                  <a:schemeClr val="bg1"/>
-                </a:solidFill>
-              </a:rPr>
-              <a:t>중국의 어플과는 다르게</a:t>
-            </a:r>
-            <a:endParaRPr lang="ko-KR" altLang="en-US">
-              <a:solidFill>
-                <a:schemeClr val="bg1"/>
-              </a:solidFill>
-            </a:endParaRPr>
-          </a:p>
-          <a:p>
-            <a:pPr lvl="0">
-              <a:defRPr/>
-            </a:pPr>
-            <a:r>
-              <a:rPr lang="ko-KR" altLang="en-US">
-                <a:solidFill>
-                  <a:schemeClr val="bg1"/>
-                </a:solidFill>
-              </a:rPr>
-              <a:t>테이블에 앉아 </a:t>
-            </a:r>
-            <a:r>
-              <a:rPr lang="en-US" altLang="ko-KR">
-                <a:solidFill>
-                  <a:schemeClr val="bg1"/>
-                </a:solidFill>
-              </a:rPr>
-              <a:t>QR</a:t>
-            </a:r>
-            <a:r>
-              <a:rPr lang="ko-KR" altLang="en-US">
-                <a:solidFill>
-                  <a:schemeClr val="bg1"/>
-                </a:solidFill>
-              </a:rPr>
-              <a:t>코드를 통해 주문을 하고</a:t>
-            </a:r>
-            <a:r>
-              <a:rPr lang="en-US" altLang="ko-KR">
-                <a:solidFill>
-                  <a:schemeClr val="bg1"/>
-                </a:solidFill>
-              </a:rPr>
-              <a:t>,</a:t>
-            </a:r>
-            <a:endParaRPr lang="en-US" altLang="ko-KR">
-              <a:solidFill>
-                <a:schemeClr val="bg1"/>
-              </a:solidFill>
-            </a:endParaRPr>
-          </a:p>
-          <a:p>
-            <a:pPr lvl="0">
-              <a:defRPr/>
-            </a:pPr>
-            <a:r>
-              <a:rPr lang="ko-KR" altLang="en-US">
-                <a:solidFill>
-                  <a:schemeClr val="bg1"/>
-                </a:solidFill>
-              </a:rPr>
-              <a:t>추가 주문을 할 때마다 주문등록을</a:t>
-            </a:r>
-            <a:endParaRPr lang="ko-KR" altLang="en-US">
-              <a:solidFill>
-                <a:schemeClr val="bg1"/>
-              </a:solidFill>
-            </a:endParaRPr>
-          </a:p>
-          <a:p>
-            <a:pPr lvl="0">
-              <a:defRPr/>
-            </a:pPr>
-            <a:r>
-              <a:rPr lang="ko-KR" altLang="en-US">
-                <a:solidFill>
-                  <a:schemeClr val="bg1"/>
-                </a:solidFill>
-              </a:rPr>
-              <a:t>계속해서 한 후 나갈 때 한번에 계산하는</a:t>
-            </a:r>
-            <a:endParaRPr lang="ko-KR" altLang="en-US">
-              <a:solidFill>
-                <a:schemeClr val="bg1"/>
-              </a:solidFill>
-            </a:endParaRPr>
-          </a:p>
-          <a:p>
-            <a:pPr lvl="0">
-              <a:defRPr/>
-            </a:pPr>
-            <a:r>
-              <a:rPr lang="ko-KR" altLang="en-US">
-                <a:solidFill>
-                  <a:schemeClr val="bg1"/>
-                </a:solidFill>
-              </a:rPr>
-              <a:t>편리함을 가지고 있다</a:t>
-            </a:r>
-            <a:r>
-              <a:rPr lang="en-US" altLang="ko-KR">
-                <a:solidFill>
-                  <a:schemeClr val="bg1"/>
-                </a:solidFill>
-              </a:rPr>
-              <a:t>.</a:t>
-            </a:r>
-            <a:endParaRPr lang="en-US" altLang="ko-KR">
-              <a:solidFill>
-                <a:schemeClr val="bg1"/>
-              </a:solidFill>
-            </a:endParaRPr>
-          </a:p>
-        </p:txBody>
-      </p:sp>
     </p:spTree>
   </p:cSld>
   <p:clrMapOvr>
@@ -5661,321 +5864,9 @@
           <a:chExt cx="0" cy="0"/>
         </a:xfrm>
       </p:grpSpPr>
-      <p:sp>
-        <p:nvSpPr>
-          <p:cNvPr id="2" name="TextBox 1"/>
-          <p:cNvSpPr txBox="1"/>
-          <p:nvPr/>
-        </p:nvSpPr>
-        <p:spPr>
-          <a:xfrm>
-            <a:off x="263190" y="260560"/>
-            <a:ext cx="8641200" cy="1252010"/>
-          </a:xfrm>
-          <a:prstGeom prst="rect">
-            <a:avLst/>
-          </a:prstGeom>
-          <a:noFill/>
-        </p:spPr>
-        <p:txBody>
-          <a:bodyPr wrap="square">
-            <a:spAutoFit/>
-          </a:bodyPr>
-          <a:lstStyle/>
-          <a:p>
-            <a:pPr lvl="0">
-              <a:defRPr/>
-            </a:pPr>
-            <a:r>
-              <a:rPr lang="ko-KR" altLang="en-US" sz="4000">
-                <a:solidFill>
-                  <a:schemeClr val="bg1"/>
-                </a:solidFill>
-              </a:rPr>
-              <a:t>이 어플을 사용 해야하는 이유</a:t>
-            </a:r>
-            <a:endParaRPr lang="ko-KR" altLang="en-US" sz="4000">
-              <a:solidFill>
-                <a:schemeClr val="bg1"/>
-              </a:solidFill>
-            </a:endParaRPr>
-          </a:p>
-          <a:p>
-            <a:pPr lvl="0">
-              <a:defRPr/>
-            </a:pPr>
-            <a:endParaRPr lang="en-US" altLang="ko-KR">
-              <a:solidFill>
-                <a:schemeClr val="bg1"/>
-              </a:solidFill>
-            </a:endParaRPr>
-          </a:p>
-          <a:p>
-            <a:pPr lvl="0">
-              <a:defRPr/>
-            </a:pPr>
-            <a:endParaRPr lang="ko-KR" altLang="en-US">
-              <a:solidFill>
-                <a:schemeClr val="bg1"/>
-              </a:solidFill>
-            </a:endParaRPr>
-          </a:p>
-        </p:txBody>
-      </p:sp>
-      <p:sp>
-        <p:nvSpPr>
-          <p:cNvPr id="4" name="TextBox 1"/>
-          <p:cNvSpPr txBox="1"/>
-          <p:nvPr/>
-        </p:nvSpPr>
-        <p:spPr>
-          <a:xfrm>
-            <a:off x="7104140" y="2013004"/>
-            <a:ext cx="4536630" cy="2833315"/>
-          </a:xfrm>
-          <a:prstGeom prst="rect">
-            <a:avLst/>
-          </a:prstGeom>
-          <a:noFill/>
-        </p:spPr>
-        <p:txBody>
-          <a:bodyPr wrap="square">
-            <a:spAutoFit/>
-          </a:bodyPr>
-          <a:lstStyle/>
-          <a:p>
-            <a:pPr lvl="0">
-              <a:defRPr/>
-            </a:pPr>
-            <a:r>
-              <a:rPr lang="ko-KR" altLang="en-US">
-                <a:solidFill>
-                  <a:schemeClr val="bg1"/>
-                </a:solidFill>
-              </a:rPr>
-              <a:t>요즘 식당에서 인건비 절약</a:t>
-            </a:r>
-            <a:r>
-              <a:rPr lang="en-US" altLang="ko-KR">
-                <a:solidFill>
-                  <a:schemeClr val="bg1"/>
-                </a:solidFill>
-              </a:rPr>
-              <a:t>,</a:t>
-            </a:r>
-            <a:r>
-              <a:rPr lang="ko-KR" altLang="en-US">
-                <a:solidFill>
-                  <a:schemeClr val="bg1"/>
-                </a:solidFill>
-              </a:rPr>
-              <a:t> 손님들이</a:t>
-            </a:r>
-            <a:endParaRPr lang="ko-KR" altLang="en-US">
-              <a:solidFill>
-                <a:schemeClr val="bg1"/>
-              </a:solidFill>
-            </a:endParaRPr>
-          </a:p>
-          <a:p>
-            <a:pPr lvl="0">
-              <a:defRPr/>
-            </a:pPr>
-            <a:r>
-              <a:rPr lang="ko-KR" altLang="en-US">
-                <a:solidFill>
-                  <a:schemeClr val="bg1"/>
-                </a:solidFill>
-              </a:rPr>
-              <a:t>구매하는 과정에서 혼자 편하게 주문할 수</a:t>
-            </a:r>
-            <a:endParaRPr lang="ko-KR" altLang="en-US">
-              <a:solidFill>
-                <a:schemeClr val="bg1"/>
-              </a:solidFill>
-            </a:endParaRPr>
-          </a:p>
-          <a:p>
-            <a:pPr lvl="0">
-              <a:defRPr/>
-            </a:pPr>
-            <a:r>
-              <a:rPr lang="ko-KR" altLang="en-US">
-                <a:solidFill>
-                  <a:schemeClr val="bg1"/>
-                </a:solidFill>
-              </a:rPr>
-              <a:t>있도록 하기 위해 </a:t>
-            </a:r>
-            <a:r>
-              <a:rPr lang="en-US" altLang="ko-KR">
-                <a:solidFill>
-                  <a:schemeClr val="bg1"/>
-                </a:solidFill>
-              </a:rPr>
-              <a:t>Self-POS</a:t>
-            </a:r>
-            <a:r>
-              <a:rPr lang="ko-KR" altLang="en-US">
-                <a:solidFill>
-                  <a:schemeClr val="bg1"/>
-                </a:solidFill>
-              </a:rPr>
-              <a:t>기기를</a:t>
-            </a:r>
-            <a:endParaRPr lang="ko-KR" altLang="en-US">
-              <a:solidFill>
-                <a:schemeClr val="bg1"/>
-              </a:solidFill>
-            </a:endParaRPr>
-          </a:p>
-          <a:p>
-            <a:pPr lvl="0">
-              <a:defRPr/>
-            </a:pPr>
-            <a:r>
-              <a:rPr lang="ko-KR" altLang="en-US">
-                <a:solidFill>
-                  <a:schemeClr val="bg1"/>
-                </a:solidFill>
-              </a:rPr>
-              <a:t>구비해놓은 매장들이 많이 있다</a:t>
-            </a:r>
-            <a:r>
-              <a:rPr lang="en-US" altLang="ko-KR">
-                <a:solidFill>
-                  <a:schemeClr val="bg1"/>
-                </a:solidFill>
-              </a:rPr>
-              <a:t>.</a:t>
-            </a:r>
-            <a:endParaRPr lang="en-US" altLang="ko-KR">
-              <a:solidFill>
-                <a:schemeClr val="bg1"/>
-              </a:solidFill>
-            </a:endParaRPr>
-          </a:p>
-          <a:p>
-            <a:pPr lvl="0">
-              <a:defRPr/>
-            </a:pPr>
-            <a:endParaRPr lang="en-US" altLang="ko-KR">
-              <a:solidFill>
-                <a:schemeClr val="bg1"/>
-              </a:solidFill>
-            </a:endParaRPr>
-          </a:p>
-          <a:p>
-            <a:pPr lvl="0">
-              <a:defRPr/>
-            </a:pPr>
-            <a:r>
-              <a:rPr lang="ko-KR" altLang="en-US">
-                <a:solidFill>
-                  <a:schemeClr val="bg1"/>
-                </a:solidFill>
-              </a:rPr>
-              <a:t>이 어플을 사용한다면</a:t>
-            </a:r>
-            <a:endParaRPr lang="ko-KR" altLang="en-US">
-              <a:solidFill>
-                <a:schemeClr val="bg1"/>
-              </a:solidFill>
-            </a:endParaRPr>
-          </a:p>
-          <a:p>
-            <a:pPr lvl="0">
-              <a:defRPr/>
-            </a:pPr>
-            <a:r>
-              <a:rPr lang="en-US" altLang="ko-KR">
-                <a:solidFill>
-                  <a:schemeClr val="bg1"/>
-                </a:solidFill>
-              </a:rPr>
-              <a:t>Self-POS</a:t>
-            </a:r>
-            <a:r>
-              <a:rPr lang="ko-KR" altLang="en-US">
-                <a:solidFill>
-                  <a:schemeClr val="bg1"/>
-                </a:solidFill>
-              </a:rPr>
-              <a:t>기기와 같이 따로 단말기를</a:t>
-            </a:r>
-            <a:endParaRPr lang="ko-KR" altLang="en-US">
-              <a:solidFill>
-                <a:schemeClr val="bg1"/>
-              </a:solidFill>
-            </a:endParaRPr>
-          </a:p>
-          <a:p>
-            <a:pPr lvl="0">
-              <a:defRPr/>
-            </a:pPr>
-            <a:r>
-              <a:rPr lang="ko-KR" altLang="en-US">
-                <a:solidFill>
-                  <a:schemeClr val="bg1"/>
-                </a:solidFill>
-              </a:rPr>
-              <a:t>구비하여 매장에 놓을 필요 없이</a:t>
-            </a:r>
-            <a:endParaRPr lang="ko-KR" altLang="en-US">
-              <a:solidFill>
-                <a:schemeClr val="bg1"/>
-              </a:solidFill>
-            </a:endParaRPr>
-          </a:p>
-          <a:p>
-            <a:pPr lvl="0">
-              <a:defRPr/>
-            </a:pPr>
-            <a:r>
-              <a:rPr lang="ko-KR" altLang="en-US">
-                <a:solidFill>
-                  <a:schemeClr val="bg1"/>
-                </a:solidFill>
-              </a:rPr>
-              <a:t>어플을 통해 손님들의 주문상에서 편리함도</a:t>
-            </a:r>
-            <a:endParaRPr lang="ko-KR" altLang="en-US">
-              <a:solidFill>
-                <a:schemeClr val="bg1"/>
-              </a:solidFill>
-            </a:endParaRPr>
-          </a:p>
-          <a:p>
-            <a:pPr lvl="0">
-              <a:defRPr/>
-            </a:pPr>
-            <a:r>
-              <a:rPr lang="ko-KR" altLang="en-US">
-                <a:solidFill>
-                  <a:schemeClr val="bg1"/>
-                </a:solidFill>
-              </a:rPr>
-              <a:t>챙길 수 있다는 장점이 있다</a:t>
-            </a:r>
-            <a:r>
-              <a:rPr lang="en-US" altLang="ko-KR">
-                <a:solidFill>
-                  <a:schemeClr val="bg1"/>
-                </a:solidFill>
-              </a:rPr>
-              <a:t>.</a:t>
-            </a:r>
-            <a:endParaRPr lang="en-US" altLang="ko-KR">
-              <a:solidFill>
-                <a:schemeClr val="bg1"/>
-              </a:solidFill>
-            </a:endParaRPr>
-          </a:p>
-        </p:txBody>
-      </p:sp>
       <p:pic>
         <p:nvPicPr>
-          <p:cNvPr id="5" name=""/>
+          <p:cNvPr id="4" name="그림 3" descr="그리기이(가) 표시된 사진  자동 생성된 설명"/>
           <p:cNvPicPr>
             <a:picLocks noChangeAspect="1"/>
           </p:cNvPicPr>
@@ -5989,8 +5880,8 @@
         </p:blipFill>
         <p:spPr>
           <a:xfrm>
-            <a:off x="263190" y="1159779"/>
-            <a:ext cx="6408890" cy="5293640"/>
+            <a:off x="4427934" y="0"/>
+            <a:ext cx="3336131" cy="6858000"/>
           </a:xfrm>
           <a:prstGeom prst="rect">
             <a:avLst/>
